--- a/prezentation/プレゼン資料.pptx
+++ b/prezentation/プレゼン資料.pptx
@@ -5,7 +5,7 @@
     <p:sldMasterId id="2147483648" r:id="rId1"/>
   </p:sldMasterIdLst>
   <p:notesMasterIdLst>
-    <p:notesMasterId r:id="rId35"/>
+    <p:notesMasterId r:id="rId49"/>
   </p:notesMasterIdLst>
   <p:sldIdLst>
     <p:sldId id="256" r:id="rId2"/>
@@ -40,7 +40,21 @@
     <p:sldId id="289" r:id="rId31"/>
     <p:sldId id="291" r:id="rId32"/>
     <p:sldId id="296" r:id="rId33"/>
-    <p:sldId id="297" r:id="rId34"/>
+    <p:sldId id="298" r:id="rId34"/>
+    <p:sldId id="299" r:id="rId35"/>
+    <p:sldId id="300" r:id="rId36"/>
+    <p:sldId id="301" r:id="rId37"/>
+    <p:sldId id="302" r:id="rId38"/>
+    <p:sldId id="303" r:id="rId39"/>
+    <p:sldId id="304" r:id="rId40"/>
+    <p:sldId id="297" r:id="rId41"/>
+    <p:sldId id="305" r:id="rId42"/>
+    <p:sldId id="306" r:id="rId43"/>
+    <p:sldId id="307" r:id="rId44"/>
+    <p:sldId id="309" r:id="rId45"/>
+    <p:sldId id="308" r:id="rId46"/>
+    <p:sldId id="311" r:id="rId47"/>
+    <p:sldId id="310" r:id="rId48"/>
   </p:sldIdLst>
   <p:sldSz cx="12192000" cy="6858000"/>
   <p:notesSz cx="6858000" cy="9144000"/>
@@ -229,7 +243,7 @@
           <a:p>
             <a:fld id="{90012D24-6901-4AA6-9E4D-EA1B3F903C01}" type="datetimeFigureOut">
               <a:rPr kumimoji="1" lang="ja-JP" altLang="en-US" smtClean="0"/>
-              <a:t>2025/7/8</a:t>
+              <a:t>2025/7/9</a:t>
             </a:fld>
             <a:endParaRPr kumimoji="1" lang="ja-JP" altLang="en-US"/>
           </a:p>
@@ -2247,7 +2261,7 @@
             </a:r>
             <a:r>
               <a:rPr kumimoji="1" lang="ja-JP" altLang="en-US" dirty="0"/>
-              <a:t>構築で使う</a:t>
+              <a:t>制作で使う</a:t>
             </a:r>
             <a:r>
               <a:rPr kumimoji="1" lang="en-US" altLang="ja-JP" dirty="0"/>
@@ -4469,7 +4483,7 @@
         <p:cNvPr id="1" name="">
           <a:extLst>
             <a:ext uri="{FF2B5EF4-FFF2-40B4-BE49-F238E27FC236}">
-              <a16:creationId xmlns:a16="http://schemas.microsoft.com/office/drawing/2014/main" id="{1DA317E3-CC13-FA4A-0F66-A7ABB2E6C998}"/>
+              <a16:creationId xmlns:a16="http://schemas.microsoft.com/office/drawing/2014/main" id="{21379E6E-CA2D-5128-C32A-DD4FF7EF6802}"/>
             </a:ext>
           </a:extLst>
         </p:cNvPr>
@@ -4489,7 +4503,7 @@
           <p:cNvPr id="2" name="スライド イメージ プレースホルダー 1">
             <a:extLst>
               <a:ext uri="{FF2B5EF4-FFF2-40B4-BE49-F238E27FC236}">
-                <a16:creationId xmlns:a16="http://schemas.microsoft.com/office/drawing/2014/main" id="{AAF887FE-843C-776C-4D0D-97A7AAFEB209}"/>
+                <a16:creationId xmlns:a16="http://schemas.microsoft.com/office/drawing/2014/main" id="{7B562C1C-5756-A0D0-AF62-6CCDDFE4EDFA}"/>
               </a:ext>
             </a:extLst>
           </p:cNvPr>
@@ -4507,7 +4521,7 @@
           <p:cNvPr id="3" name="ノート プレースホルダー 2">
             <a:extLst>
               <a:ext uri="{FF2B5EF4-FFF2-40B4-BE49-F238E27FC236}">
-                <a16:creationId xmlns:a16="http://schemas.microsoft.com/office/drawing/2014/main" id="{37DE7D11-E138-9B5A-C172-B7F7752F87C1}"/>
+                <a16:creationId xmlns:a16="http://schemas.microsoft.com/office/drawing/2014/main" id="{5A0640C3-188C-7B18-FC0F-9ACB599E0BFF}"/>
               </a:ext>
             </a:extLst>
           </p:cNvPr>
@@ -4532,7 +4546,7 @@
           <p:cNvPr id="4" name="スライド番号プレースホルダー 3">
             <a:extLst>
               <a:ext uri="{FF2B5EF4-FFF2-40B4-BE49-F238E27FC236}">
-                <a16:creationId xmlns:a16="http://schemas.microsoft.com/office/drawing/2014/main" id="{3FFC1694-D47E-29E4-7095-05A94DC1104B}"/>
+                <a16:creationId xmlns:a16="http://schemas.microsoft.com/office/drawing/2014/main" id="{883B2110-DB34-11B7-876C-3F8B0EBC5DCC}"/>
               </a:ext>
             </a:extLst>
           </p:cNvPr>
@@ -4559,7 +4573,655 @@
     </p:spTree>
     <p:extLst>
       <p:ext uri="{BB962C8B-B14F-4D97-AF65-F5344CB8AC3E}">
-        <p14:creationId xmlns:p14="http://schemas.microsoft.com/office/powerpoint/2010/main" val="1285394153"/>
+        <p14:creationId xmlns:p14="http://schemas.microsoft.com/office/powerpoint/2010/main" val="1972265033"/>
+      </p:ext>
+    </p:extLst>
+  </p:cSld>
+  <p:clrMapOvr>
+    <a:masterClrMapping/>
+  </p:clrMapOvr>
+</p:notes>
+</file>
+
+<file path=ppt/notesSlides/notesSlide34.xml><?xml version="1.0" encoding="utf-8"?>
+<p:notes xmlns:a="http://schemas.openxmlformats.org/drawingml/2006/main" xmlns:r="http://schemas.openxmlformats.org/officeDocument/2006/relationships" xmlns:p="http://schemas.openxmlformats.org/presentationml/2006/main">
+  <p:cSld>
+    <p:spTree>
+      <p:nvGrpSpPr>
+        <p:cNvPr id="1" name="">
+          <a:extLst>
+            <a:ext uri="{FF2B5EF4-FFF2-40B4-BE49-F238E27FC236}">
+              <a16:creationId xmlns:a16="http://schemas.microsoft.com/office/drawing/2014/main" id="{2D731432-C568-3354-D37E-8CFA7DE4F682}"/>
+            </a:ext>
+          </a:extLst>
+        </p:cNvPr>
+        <p:cNvGrpSpPr/>
+        <p:nvPr/>
+      </p:nvGrpSpPr>
+      <p:grpSpPr>
+        <a:xfrm>
+          <a:off x="0" y="0"/>
+          <a:ext cx="0" cy="0"/>
+          <a:chOff x="0" y="0"/>
+          <a:chExt cx="0" cy="0"/>
+        </a:xfrm>
+      </p:grpSpPr>
+      <p:sp>
+        <p:nvSpPr>
+          <p:cNvPr id="2" name="スライド イメージ プレースホルダー 1">
+            <a:extLst>
+              <a:ext uri="{FF2B5EF4-FFF2-40B4-BE49-F238E27FC236}">
+                <a16:creationId xmlns:a16="http://schemas.microsoft.com/office/drawing/2014/main" id="{E9DF0C19-2D4A-D6B8-7BB4-539527266C43}"/>
+              </a:ext>
+            </a:extLst>
+          </p:cNvPr>
+          <p:cNvSpPr>
+            <a:spLocks noGrp="1" noRot="1" noChangeAspect="1"/>
+          </p:cNvSpPr>
+          <p:nvPr>
+            <p:ph type="sldImg"/>
+          </p:nvPr>
+        </p:nvSpPr>
+        <p:spPr/>
+      </p:sp>
+      <p:sp>
+        <p:nvSpPr>
+          <p:cNvPr id="3" name="ノート プレースホルダー 2">
+            <a:extLst>
+              <a:ext uri="{FF2B5EF4-FFF2-40B4-BE49-F238E27FC236}">
+                <a16:creationId xmlns:a16="http://schemas.microsoft.com/office/drawing/2014/main" id="{EF23231E-22C6-E585-4D06-7EC5BE718C62}"/>
+              </a:ext>
+            </a:extLst>
+          </p:cNvPr>
+          <p:cNvSpPr>
+            <a:spLocks noGrp="1"/>
+          </p:cNvSpPr>
+          <p:nvPr>
+            <p:ph type="body" idx="1"/>
+          </p:nvPr>
+        </p:nvSpPr>
+        <p:spPr/>
+        <p:txBody>
+          <a:bodyPr/>
+          <a:lstStyle/>
+          <a:p>
+            <a:endParaRPr kumimoji="1" lang="en-US" altLang="ja-JP" dirty="0"/>
+          </a:p>
+        </p:txBody>
+      </p:sp>
+      <p:sp>
+        <p:nvSpPr>
+          <p:cNvPr id="4" name="スライド番号プレースホルダー 3">
+            <a:extLst>
+              <a:ext uri="{FF2B5EF4-FFF2-40B4-BE49-F238E27FC236}">
+                <a16:creationId xmlns:a16="http://schemas.microsoft.com/office/drawing/2014/main" id="{FDB51851-8F26-7C11-5922-1E28C8E9B02E}"/>
+              </a:ext>
+            </a:extLst>
+          </p:cNvPr>
+          <p:cNvSpPr>
+            <a:spLocks noGrp="1"/>
+          </p:cNvSpPr>
+          <p:nvPr>
+            <p:ph type="sldNum" sz="quarter" idx="5"/>
+          </p:nvPr>
+        </p:nvSpPr>
+        <p:spPr/>
+        <p:txBody>
+          <a:bodyPr/>
+          <a:lstStyle/>
+          <a:p>
+            <a:fld id="{193CFC30-ED5E-4C2C-BBC5-AF1D8FA7FCDE}" type="slidenum">
+              <a:rPr kumimoji="1" lang="ja-JP" altLang="en-US" smtClean="0"/>
+              <a:t>34</a:t>
+            </a:fld>
+            <a:endParaRPr kumimoji="1" lang="ja-JP" altLang="en-US"/>
+          </a:p>
+        </p:txBody>
+      </p:sp>
+    </p:spTree>
+    <p:extLst>
+      <p:ext uri="{BB962C8B-B14F-4D97-AF65-F5344CB8AC3E}">
+        <p14:creationId xmlns:p14="http://schemas.microsoft.com/office/powerpoint/2010/main" val="3281179290"/>
+      </p:ext>
+    </p:extLst>
+  </p:cSld>
+  <p:clrMapOvr>
+    <a:masterClrMapping/>
+  </p:clrMapOvr>
+</p:notes>
+</file>
+
+<file path=ppt/notesSlides/notesSlide35.xml><?xml version="1.0" encoding="utf-8"?>
+<p:notes xmlns:a="http://schemas.openxmlformats.org/drawingml/2006/main" xmlns:r="http://schemas.openxmlformats.org/officeDocument/2006/relationships" xmlns:p="http://schemas.openxmlformats.org/presentationml/2006/main">
+  <p:cSld>
+    <p:spTree>
+      <p:nvGrpSpPr>
+        <p:cNvPr id="1" name="">
+          <a:extLst>
+            <a:ext uri="{FF2B5EF4-FFF2-40B4-BE49-F238E27FC236}">
+              <a16:creationId xmlns:a16="http://schemas.microsoft.com/office/drawing/2014/main" id="{3D77871A-4F73-DBAA-4F6D-4053039B79B9}"/>
+            </a:ext>
+          </a:extLst>
+        </p:cNvPr>
+        <p:cNvGrpSpPr/>
+        <p:nvPr/>
+      </p:nvGrpSpPr>
+      <p:grpSpPr>
+        <a:xfrm>
+          <a:off x="0" y="0"/>
+          <a:ext cx="0" cy="0"/>
+          <a:chOff x="0" y="0"/>
+          <a:chExt cx="0" cy="0"/>
+        </a:xfrm>
+      </p:grpSpPr>
+      <p:sp>
+        <p:nvSpPr>
+          <p:cNvPr id="2" name="スライド イメージ プレースホルダー 1">
+            <a:extLst>
+              <a:ext uri="{FF2B5EF4-FFF2-40B4-BE49-F238E27FC236}">
+                <a16:creationId xmlns:a16="http://schemas.microsoft.com/office/drawing/2014/main" id="{2FF90898-BD8D-9999-D915-0A152C524E19}"/>
+              </a:ext>
+            </a:extLst>
+          </p:cNvPr>
+          <p:cNvSpPr>
+            <a:spLocks noGrp="1" noRot="1" noChangeAspect="1"/>
+          </p:cNvSpPr>
+          <p:nvPr>
+            <p:ph type="sldImg"/>
+          </p:nvPr>
+        </p:nvSpPr>
+        <p:spPr/>
+      </p:sp>
+      <p:sp>
+        <p:nvSpPr>
+          <p:cNvPr id="3" name="ノート プレースホルダー 2">
+            <a:extLst>
+              <a:ext uri="{FF2B5EF4-FFF2-40B4-BE49-F238E27FC236}">
+                <a16:creationId xmlns:a16="http://schemas.microsoft.com/office/drawing/2014/main" id="{CAE61DEA-0B33-8C80-740F-1630A623935A}"/>
+              </a:ext>
+            </a:extLst>
+          </p:cNvPr>
+          <p:cNvSpPr>
+            <a:spLocks noGrp="1"/>
+          </p:cNvSpPr>
+          <p:nvPr>
+            <p:ph type="body" idx="1"/>
+          </p:nvPr>
+        </p:nvSpPr>
+        <p:spPr/>
+        <p:txBody>
+          <a:bodyPr/>
+          <a:lstStyle/>
+          <a:p>
+            <a:endParaRPr kumimoji="1" lang="en-US" altLang="ja-JP" dirty="0"/>
+          </a:p>
+        </p:txBody>
+      </p:sp>
+      <p:sp>
+        <p:nvSpPr>
+          <p:cNvPr id="4" name="スライド番号プレースホルダー 3">
+            <a:extLst>
+              <a:ext uri="{FF2B5EF4-FFF2-40B4-BE49-F238E27FC236}">
+                <a16:creationId xmlns:a16="http://schemas.microsoft.com/office/drawing/2014/main" id="{9888BA84-5458-0427-CA37-631560939211}"/>
+              </a:ext>
+            </a:extLst>
+          </p:cNvPr>
+          <p:cNvSpPr>
+            <a:spLocks noGrp="1"/>
+          </p:cNvSpPr>
+          <p:nvPr>
+            <p:ph type="sldNum" sz="quarter" idx="5"/>
+          </p:nvPr>
+        </p:nvSpPr>
+        <p:spPr/>
+        <p:txBody>
+          <a:bodyPr/>
+          <a:lstStyle/>
+          <a:p>
+            <a:fld id="{193CFC30-ED5E-4C2C-BBC5-AF1D8FA7FCDE}" type="slidenum">
+              <a:rPr kumimoji="1" lang="ja-JP" altLang="en-US" smtClean="0"/>
+              <a:t>35</a:t>
+            </a:fld>
+            <a:endParaRPr kumimoji="1" lang="ja-JP" altLang="en-US"/>
+          </a:p>
+        </p:txBody>
+      </p:sp>
+    </p:spTree>
+    <p:extLst>
+      <p:ext uri="{BB962C8B-B14F-4D97-AF65-F5344CB8AC3E}">
+        <p14:creationId xmlns:p14="http://schemas.microsoft.com/office/powerpoint/2010/main" val="1511414046"/>
+      </p:ext>
+    </p:extLst>
+  </p:cSld>
+  <p:clrMapOvr>
+    <a:masterClrMapping/>
+  </p:clrMapOvr>
+</p:notes>
+</file>
+
+<file path=ppt/notesSlides/notesSlide36.xml><?xml version="1.0" encoding="utf-8"?>
+<p:notes xmlns:a="http://schemas.openxmlformats.org/drawingml/2006/main" xmlns:r="http://schemas.openxmlformats.org/officeDocument/2006/relationships" xmlns:p="http://schemas.openxmlformats.org/presentationml/2006/main">
+  <p:cSld>
+    <p:spTree>
+      <p:nvGrpSpPr>
+        <p:cNvPr id="1" name="">
+          <a:extLst>
+            <a:ext uri="{FF2B5EF4-FFF2-40B4-BE49-F238E27FC236}">
+              <a16:creationId xmlns:a16="http://schemas.microsoft.com/office/drawing/2014/main" id="{F2EAA43E-B708-4926-3A0C-67950FE94F1E}"/>
+            </a:ext>
+          </a:extLst>
+        </p:cNvPr>
+        <p:cNvGrpSpPr/>
+        <p:nvPr/>
+      </p:nvGrpSpPr>
+      <p:grpSpPr>
+        <a:xfrm>
+          <a:off x="0" y="0"/>
+          <a:ext cx="0" cy="0"/>
+          <a:chOff x="0" y="0"/>
+          <a:chExt cx="0" cy="0"/>
+        </a:xfrm>
+      </p:grpSpPr>
+      <p:sp>
+        <p:nvSpPr>
+          <p:cNvPr id="2" name="スライド イメージ プレースホルダー 1">
+            <a:extLst>
+              <a:ext uri="{FF2B5EF4-FFF2-40B4-BE49-F238E27FC236}">
+                <a16:creationId xmlns:a16="http://schemas.microsoft.com/office/drawing/2014/main" id="{4B138488-EDDE-1A6B-9F2C-0E83C3C59D00}"/>
+              </a:ext>
+            </a:extLst>
+          </p:cNvPr>
+          <p:cNvSpPr>
+            <a:spLocks noGrp="1" noRot="1" noChangeAspect="1"/>
+          </p:cNvSpPr>
+          <p:nvPr>
+            <p:ph type="sldImg"/>
+          </p:nvPr>
+        </p:nvSpPr>
+        <p:spPr/>
+      </p:sp>
+      <p:sp>
+        <p:nvSpPr>
+          <p:cNvPr id="3" name="ノート プレースホルダー 2">
+            <a:extLst>
+              <a:ext uri="{FF2B5EF4-FFF2-40B4-BE49-F238E27FC236}">
+                <a16:creationId xmlns:a16="http://schemas.microsoft.com/office/drawing/2014/main" id="{7EA9EFE8-539E-7E4C-103A-BD06BE73D31A}"/>
+              </a:ext>
+            </a:extLst>
+          </p:cNvPr>
+          <p:cNvSpPr>
+            <a:spLocks noGrp="1"/>
+          </p:cNvSpPr>
+          <p:nvPr>
+            <p:ph type="body" idx="1"/>
+          </p:nvPr>
+        </p:nvSpPr>
+        <p:spPr/>
+        <p:txBody>
+          <a:bodyPr/>
+          <a:lstStyle/>
+          <a:p>
+            <a:endParaRPr kumimoji="1" lang="en-US" altLang="ja-JP" dirty="0"/>
+          </a:p>
+        </p:txBody>
+      </p:sp>
+      <p:sp>
+        <p:nvSpPr>
+          <p:cNvPr id="4" name="スライド番号プレースホルダー 3">
+            <a:extLst>
+              <a:ext uri="{FF2B5EF4-FFF2-40B4-BE49-F238E27FC236}">
+                <a16:creationId xmlns:a16="http://schemas.microsoft.com/office/drawing/2014/main" id="{8630E51E-E527-F591-59A4-1E2256BDD6ED}"/>
+              </a:ext>
+            </a:extLst>
+          </p:cNvPr>
+          <p:cNvSpPr>
+            <a:spLocks noGrp="1"/>
+          </p:cNvSpPr>
+          <p:nvPr>
+            <p:ph type="sldNum" sz="quarter" idx="5"/>
+          </p:nvPr>
+        </p:nvSpPr>
+        <p:spPr/>
+        <p:txBody>
+          <a:bodyPr/>
+          <a:lstStyle/>
+          <a:p>
+            <a:fld id="{193CFC30-ED5E-4C2C-BBC5-AF1D8FA7FCDE}" type="slidenum">
+              <a:rPr kumimoji="1" lang="ja-JP" altLang="en-US" smtClean="0"/>
+              <a:t>36</a:t>
+            </a:fld>
+            <a:endParaRPr kumimoji="1" lang="ja-JP" altLang="en-US"/>
+          </a:p>
+        </p:txBody>
+      </p:sp>
+    </p:spTree>
+    <p:extLst>
+      <p:ext uri="{BB962C8B-B14F-4D97-AF65-F5344CB8AC3E}">
+        <p14:creationId xmlns:p14="http://schemas.microsoft.com/office/powerpoint/2010/main" val="2681124498"/>
+      </p:ext>
+    </p:extLst>
+  </p:cSld>
+  <p:clrMapOvr>
+    <a:masterClrMapping/>
+  </p:clrMapOvr>
+</p:notes>
+</file>
+
+<file path=ppt/notesSlides/notesSlide37.xml><?xml version="1.0" encoding="utf-8"?>
+<p:notes xmlns:a="http://schemas.openxmlformats.org/drawingml/2006/main" xmlns:r="http://schemas.openxmlformats.org/officeDocument/2006/relationships" xmlns:p="http://schemas.openxmlformats.org/presentationml/2006/main">
+  <p:cSld>
+    <p:spTree>
+      <p:nvGrpSpPr>
+        <p:cNvPr id="1" name="">
+          <a:extLst>
+            <a:ext uri="{FF2B5EF4-FFF2-40B4-BE49-F238E27FC236}">
+              <a16:creationId xmlns:a16="http://schemas.microsoft.com/office/drawing/2014/main" id="{D9A0CEB9-D068-57C5-2822-F84AB36A2DA3}"/>
+            </a:ext>
+          </a:extLst>
+        </p:cNvPr>
+        <p:cNvGrpSpPr/>
+        <p:nvPr/>
+      </p:nvGrpSpPr>
+      <p:grpSpPr>
+        <a:xfrm>
+          <a:off x="0" y="0"/>
+          <a:ext cx="0" cy="0"/>
+          <a:chOff x="0" y="0"/>
+          <a:chExt cx="0" cy="0"/>
+        </a:xfrm>
+      </p:grpSpPr>
+      <p:sp>
+        <p:nvSpPr>
+          <p:cNvPr id="2" name="スライド イメージ プレースホルダー 1">
+            <a:extLst>
+              <a:ext uri="{FF2B5EF4-FFF2-40B4-BE49-F238E27FC236}">
+                <a16:creationId xmlns:a16="http://schemas.microsoft.com/office/drawing/2014/main" id="{9884BA95-6B85-7FE9-84C4-49A8A18BFC4B}"/>
+              </a:ext>
+            </a:extLst>
+          </p:cNvPr>
+          <p:cNvSpPr>
+            <a:spLocks noGrp="1" noRot="1" noChangeAspect="1"/>
+          </p:cNvSpPr>
+          <p:nvPr>
+            <p:ph type="sldImg"/>
+          </p:nvPr>
+        </p:nvSpPr>
+        <p:spPr/>
+      </p:sp>
+      <p:sp>
+        <p:nvSpPr>
+          <p:cNvPr id="3" name="ノート プレースホルダー 2">
+            <a:extLst>
+              <a:ext uri="{FF2B5EF4-FFF2-40B4-BE49-F238E27FC236}">
+                <a16:creationId xmlns:a16="http://schemas.microsoft.com/office/drawing/2014/main" id="{3E5C2F5A-5081-6BFD-7880-FC758CE10B48}"/>
+              </a:ext>
+            </a:extLst>
+          </p:cNvPr>
+          <p:cNvSpPr>
+            <a:spLocks noGrp="1"/>
+          </p:cNvSpPr>
+          <p:nvPr>
+            <p:ph type="body" idx="1"/>
+          </p:nvPr>
+        </p:nvSpPr>
+        <p:spPr/>
+        <p:txBody>
+          <a:bodyPr/>
+          <a:lstStyle/>
+          <a:p>
+            <a:endParaRPr kumimoji="1" lang="en-US" altLang="ja-JP" dirty="0"/>
+          </a:p>
+        </p:txBody>
+      </p:sp>
+      <p:sp>
+        <p:nvSpPr>
+          <p:cNvPr id="4" name="スライド番号プレースホルダー 3">
+            <a:extLst>
+              <a:ext uri="{FF2B5EF4-FFF2-40B4-BE49-F238E27FC236}">
+                <a16:creationId xmlns:a16="http://schemas.microsoft.com/office/drawing/2014/main" id="{5832169D-EACA-C9BC-E585-BB128FDB1679}"/>
+              </a:ext>
+            </a:extLst>
+          </p:cNvPr>
+          <p:cNvSpPr>
+            <a:spLocks noGrp="1"/>
+          </p:cNvSpPr>
+          <p:nvPr>
+            <p:ph type="sldNum" sz="quarter" idx="5"/>
+          </p:nvPr>
+        </p:nvSpPr>
+        <p:spPr/>
+        <p:txBody>
+          <a:bodyPr/>
+          <a:lstStyle/>
+          <a:p>
+            <a:fld id="{193CFC30-ED5E-4C2C-BBC5-AF1D8FA7FCDE}" type="slidenum">
+              <a:rPr kumimoji="1" lang="ja-JP" altLang="en-US" smtClean="0"/>
+              <a:t>37</a:t>
+            </a:fld>
+            <a:endParaRPr kumimoji="1" lang="ja-JP" altLang="en-US"/>
+          </a:p>
+        </p:txBody>
+      </p:sp>
+    </p:spTree>
+    <p:extLst>
+      <p:ext uri="{BB962C8B-B14F-4D97-AF65-F5344CB8AC3E}">
+        <p14:creationId xmlns:p14="http://schemas.microsoft.com/office/powerpoint/2010/main" val="67417355"/>
+      </p:ext>
+    </p:extLst>
+  </p:cSld>
+  <p:clrMapOvr>
+    <a:masterClrMapping/>
+  </p:clrMapOvr>
+</p:notes>
+</file>
+
+<file path=ppt/notesSlides/notesSlide38.xml><?xml version="1.0" encoding="utf-8"?>
+<p:notes xmlns:a="http://schemas.openxmlformats.org/drawingml/2006/main" xmlns:r="http://schemas.openxmlformats.org/officeDocument/2006/relationships" xmlns:p="http://schemas.openxmlformats.org/presentationml/2006/main">
+  <p:cSld>
+    <p:spTree>
+      <p:nvGrpSpPr>
+        <p:cNvPr id="1" name="">
+          <a:extLst>
+            <a:ext uri="{FF2B5EF4-FFF2-40B4-BE49-F238E27FC236}">
+              <a16:creationId xmlns:a16="http://schemas.microsoft.com/office/drawing/2014/main" id="{083E2B97-1A96-50D9-0E8E-7A2F23916A9F}"/>
+            </a:ext>
+          </a:extLst>
+        </p:cNvPr>
+        <p:cNvGrpSpPr/>
+        <p:nvPr/>
+      </p:nvGrpSpPr>
+      <p:grpSpPr>
+        <a:xfrm>
+          <a:off x="0" y="0"/>
+          <a:ext cx="0" cy="0"/>
+          <a:chOff x="0" y="0"/>
+          <a:chExt cx="0" cy="0"/>
+        </a:xfrm>
+      </p:grpSpPr>
+      <p:sp>
+        <p:nvSpPr>
+          <p:cNvPr id="2" name="スライド イメージ プレースホルダー 1">
+            <a:extLst>
+              <a:ext uri="{FF2B5EF4-FFF2-40B4-BE49-F238E27FC236}">
+                <a16:creationId xmlns:a16="http://schemas.microsoft.com/office/drawing/2014/main" id="{B8CDB4F4-3253-C9B2-C8AA-5F4B5805C5BF}"/>
+              </a:ext>
+            </a:extLst>
+          </p:cNvPr>
+          <p:cNvSpPr>
+            <a:spLocks noGrp="1" noRot="1" noChangeAspect="1"/>
+          </p:cNvSpPr>
+          <p:nvPr>
+            <p:ph type="sldImg"/>
+          </p:nvPr>
+        </p:nvSpPr>
+        <p:spPr/>
+      </p:sp>
+      <p:sp>
+        <p:nvSpPr>
+          <p:cNvPr id="3" name="ノート プレースホルダー 2">
+            <a:extLst>
+              <a:ext uri="{FF2B5EF4-FFF2-40B4-BE49-F238E27FC236}">
+                <a16:creationId xmlns:a16="http://schemas.microsoft.com/office/drawing/2014/main" id="{09641841-5E8E-6C77-65E9-5A9583D7CE4D}"/>
+              </a:ext>
+            </a:extLst>
+          </p:cNvPr>
+          <p:cNvSpPr>
+            <a:spLocks noGrp="1"/>
+          </p:cNvSpPr>
+          <p:nvPr>
+            <p:ph type="body" idx="1"/>
+          </p:nvPr>
+        </p:nvSpPr>
+        <p:spPr/>
+        <p:txBody>
+          <a:bodyPr/>
+          <a:lstStyle/>
+          <a:p>
+            <a:endParaRPr kumimoji="1" lang="en-US" altLang="ja-JP" dirty="0"/>
+          </a:p>
+        </p:txBody>
+      </p:sp>
+      <p:sp>
+        <p:nvSpPr>
+          <p:cNvPr id="4" name="スライド番号プレースホルダー 3">
+            <a:extLst>
+              <a:ext uri="{FF2B5EF4-FFF2-40B4-BE49-F238E27FC236}">
+                <a16:creationId xmlns:a16="http://schemas.microsoft.com/office/drawing/2014/main" id="{4A38EBA9-5349-006D-51B8-C9D97C59F543}"/>
+              </a:ext>
+            </a:extLst>
+          </p:cNvPr>
+          <p:cNvSpPr>
+            <a:spLocks noGrp="1"/>
+          </p:cNvSpPr>
+          <p:nvPr>
+            <p:ph type="sldNum" sz="quarter" idx="5"/>
+          </p:nvPr>
+        </p:nvSpPr>
+        <p:spPr/>
+        <p:txBody>
+          <a:bodyPr/>
+          <a:lstStyle/>
+          <a:p>
+            <a:fld id="{193CFC30-ED5E-4C2C-BBC5-AF1D8FA7FCDE}" type="slidenum">
+              <a:rPr kumimoji="1" lang="ja-JP" altLang="en-US" smtClean="0"/>
+              <a:t>38</a:t>
+            </a:fld>
+            <a:endParaRPr kumimoji="1" lang="ja-JP" altLang="en-US"/>
+          </a:p>
+        </p:txBody>
+      </p:sp>
+    </p:spTree>
+    <p:extLst>
+      <p:ext uri="{BB962C8B-B14F-4D97-AF65-F5344CB8AC3E}">
+        <p14:creationId xmlns:p14="http://schemas.microsoft.com/office/powerpoint/2010/main" val="2815501578"/>
+      </p:ext>
+    </p:extLst>
+  </p:cSld>
+  <p:clrMapOvr>
+    <a:masterClrMapping/>
+  </p:clrMapOvr>
+</p:notes>
+</file>
+
+<file path=ppt/notesSlides/notesSlide39.xml><?xml version="1.0" encoding="utf-8"?>
+<p:notes xmlns:a="http://schemas.openxmlformats.org/drawingml/2006/main" xmlns:r="http://schemas.openxmlformats.org/officeDocument/2006/relationships" xmlns:p="http://schemas.openxmlformats.org/presentationml/2006/main">
+  <p:cSld>
+    <p:spTree>
+      <p:nvGrpSpPr>
+        <p:cNvPr id="1" name="">
+          <a:extLst>
+            <a:ext uri="{FF2B5EF4-FFF2-40B4-BE49-F238E27FC236}">
+              <a16:creationId xmlns:a16="http://schemas.microsoft.com/office/drawing/2014/main" id="{982A41CD-3720-06AE-BF79-891457EF2AAB}"/>
+            </a:ext>
+          </a:extLst>
+        </p:cNvPr>
+        <p:cNvGrpSpPr/>
+        <p:nvPr/>
+      </p:nvGrpSpPr>
+      <p:grpSpPr>
+        <a:xfrm>
+          <a:off x="0" y="0"/>
+          <a:ext cx="0" cy="0"/>
+          <a:chOff x="0" y="0"/>
+          <a:chExt cx="0" cy="0"/>
+        </a:xfrm>
+      </p:grpSpPr>
+      <p:sp>
+        <p:nvSpPr>
+          <p:cNvPr id="2" name="スライド イメージ プレースホルダー 1">
+            <a:extLst>
+              <a:ext uri="{FF2B5EF4-FFF2-40B4-BE49-F238E27FC236}">
+                <a16:creationId xmlns:a16="http://schemas.microsoft.com/office/drawing/2014/main" id="{3EBAA964-0379-7429-887A-ED7176E2E243}"/>
+              </a:ext>
+            </a:extLst>
+          </p:cNvPr>
+          <p:cNvSpPr>
+            <a:spLocks noGrp="1" noRot="1" noChangeAspect="1"/>
+          </p:cNvSpPr>
+          <p:nvPr>
+            <p:ph type="sldImg"/>
+          </p:nvPr>
+        </p:nvSpPr>
+        <p:spPr/>
+      </p:sp>
+      <p:sp>
+        <p:nvSpPr>
+          <p:cNvPr id="3" name="ノート プレースホルダー 2">
+            <a:extLst>
+              <a:ext uri="{FF2B5EF4-FFF2-40B4-BE49-F238E27FC236}">
+                <a16:creationId xmlns:a16="http://schemas.microsoft.com/office/drawing/2014/main" id="{0802A13D-9CF7-906F-B701-C4C299BB87F9}"/>
+              </a:ext>
+            </a:extLst>
+          </p:cNvPr>
+          <p:cNvSpPr>
+            <a:spLocks noGrp="1"/>
+          </p:cNvSpPr>
+          <p:nvPr>
+            <p:ph type="body" idx="1"/>
+          </p:nvPr>
+        </p:nvSpPr>
+        <p:spPr/>
+        <p:txBody>
+          <a:bodyPr/>
+          <a:lstStyle/>
+          <a:p>
+            <a:endParaRPr kumimoji="1" lang="en-US" altLang="ja-JP" dirty="0"/>
+          </a:p>
+        </p:txBody>
+      </p:sp>
+      <p:sp>
+        <p:nvSpPr>
+          <p:cNvPr id="4" name="スライド番号プレースホルダー 3">
+            <a:extLst>
+              <a:ext uri="{FF2B5EF4-FFF2-40B4-BE49-F238E27FC236}">
+                <a16:creationId xmlns:a16="http://schemas.microsoft.com/office/drawing/2014/main" id="{12A0986A-F98B-2B6F-DE93-40B7A4446492}"/>
+              </a:ext>
+            </a:extLst>
+          </p:cNvPr>
+          <p:cNvSpPr>
+            <a:spLocks noGrp="1"/>
+          </p:cNvSpPr>
+          <p:nvPr>
+            <p:ph type="sldNum" sz="quarter" idx="5"/>
+          </p:nvPr>
+        </p:nvSpPr>
+        <p:spPr/>
+        <p:txBody>
+          <a:bodyPr/>
+          <a:lstStyle/>
+          <a:p>
+            <a:fld id="{193CFC30-ED5E-4C2C-BBC5-AF1D8FA7FCDE}" type="slidenum">
+              <a:rPr kumimoji="1" lang="ja-JP" altLang="en-US" smtClean="0"/>
+              <a:t>39</a:t>
+            </a:fld>
+            <a:endParaRPr kumimoji="1" lang="ja-JP" altLang="en-US"/>
+          </a:p>
+        </p:txBody>
+      </p:sp>
+    </p:spTree>
+    <p:extLst>
+      <p:ext uri="{BB962C8B-B14F-4D97-AF65-F5344CB8AC3E}">
+        <p14:creationId xmlns:p14="http://schemas.microsoft.com/office/powerpoint/2010/main" val="1876669094"/>
       </p:ext>
     </p:extLst>
   </p:cSld>
@@ -4695,6 +5357,870 @@
     <p:extLst>
       <p:ext uri="{BB962C8B-B14F-4D97-AF65-F5344CB8AC3E}">
         <p14:creationId xmlns:p14="http://schemas.microsoft.com/office/powerpoint/2010/main" val="2591041876"/>
+      </p:ext>
+    </p:extLst>
+  </p:cSld>
+  <p:clrMapOvr>
+    <a:masterClrMapping/>
+  </p:clrMapOvr>
+</p:notes>
+</file>
+
+<file path=ppt/notesSlides/notesSlide40.xml><?xml version="1.0" encoding="utf-8"?>
+<p:notes xmlns:a="http://schemas.openxmlformats.org/drawingml/2006/main" xmlns:r="http://schemas.openxmlformats.org/officeDocument/2006/relationships" xmlns:p="http://schemas.openxmlformats.org/presentationml/2006/main">
+  <p:cSld>
+    <p:spTree>
+      <p:nvGrpSpPr>
+        <p:cNvPr id="1" name="">
+          <a:extLst>
+            <a:ext uri="{FF2B5EF4-FFF2-40B4-BE49-F238E27FC236}">
+              <a16:creationId xmlns:a16="http://schemas.microsoft.com/office/drawing/2014/main" id="{1DA317E3-CC13-FA4A-0F66-A7ABB2E6C998}"/>
+            </a:ext>
+          </a:extLst>
+        </p:cNvPr>
+        <p:cNvGrpSpPr/>
+        <p:nvPr/>
+      </p:nvGrpSpPr>
+      <p:grpSpPr>
+        <a:xfrm>
+          <a:off x="0" y="0"/>
+          <a:ext cx="0" cy="0"/>
+          <a:chOff x="0" y="0"/>
+          <a:chExt cx="0" cy="0"/>
+        </a:xfrm>
+      </p:grpSpPr>
+      <p:sp>
+        <p:nvSpPr>
+          <p:cNvPr id="2" name="スライド イメージ プレースホルダー 1">
+            <a:extLst>
+              <a:ext uri="{FF2B5EF4-FFF2-40B4-BE49-F238E27FC236}">
+                <a16:creationId xmlns:a16="http://schemas.microsoft.com/office/drawing/2014/main" id="{AAF887FE-843C-776C-4D0D-97A7AAFEB209}"/>
+              </a:ext>
+            </a:extLst>
+          </p:cNvPr>
+          <p:cNvSpPr>
+            <a:spLocks noGrp="1" noRot="1" noChangeAspect="1"/>
+          </p:cNvSpPr>
+          <p:nvPr>
+            <p:ph type="sldImg"/>
+          </p:nvPr>
+        </p:nvSpPr>
+        <p:spPr/>
+      </p:sp>
+      <p:sp>
+        <p:nvSpPr>
+          <p:cNvPr id="3" name="ノート プレースホルダー 2">
+            <a:extLst>
+              <a:ext uri="{FF2B5EF4-FFF2-40B4-BE49-F238E27FC236}">
+                <a16:creationId xmlns:a16="http://schemas.microsoft.com/office/drawing/2014/main" id="{37DE7D11-E138-9B5A-C172-B7F7752F87C1}"/>
+              </a:ext>
+            </a:extLst>
+          </p:cNvPr>
+          <p:cNvSpPr>
+            <a:spLocks noGrp="1"/>
+          </p:cNvSpPr>
+          <p:nvPr>
+            <p:ph type="body" idx="1"/>
+          </p:nvPr>
+        </p:nvSpPr>
+        <p:spPr/>
+        <p:txBody>
+          <a:bodyPr/>
+          <a:lstStyle/>
+          <a:p>
+            <a:endParaRPr kumimoji="1" lang="en-US" altLang="ja-JP" dirty="0"/>
+          </a:p>
+        </p:txBody>
+      </p:sp>
+      <p:sp>
+        <p:nvSpPr>
+          <p:cNvPr id="4" name="スライド番号プレースホルダー 3">
+            <a:extLst>
+              <a:ext uri="{FF2B5EF4-FFF2-40B4-BE49-F238E27FC236}">
+                <a16:creationId xmlns:a16="http://schemas.microsoft.com/office/drawing/2014/main" id="{3FFC1694-D47E-29E4-7095-05A94DC1104B}"/>
+              </a:ext>
+            </a:extLst>
+          </p:cNvPr>
+          <p:cNvSpPr>
+            <a:spLocks noGrp="1"/>
+          </p:cNvSpPr>
+          <p:nvPr>
+            <p:ph type="sldNum" sz="quarter" idx="5"/>
+          </p:nvPr>
+        </p:nvSpPr>
+        <p:spPr/>
+        <p:txBody>
+          <a:bodyPr/>
+          <a:lstStyle/>
+          <a:p>
+            <a:fld id="{193CFC30-ED5E-4C2C-BBC5-AF1D8FA7FCDE}" type="slidenum">
+              <a:rPr kumimoji="1" lang="ja-JP" altLang="en-US" smtClean="0"/>
+              <a:t>40</a:t>
+            </a:fld>
+            <a:endParaRPr kumimoji="1" lang="ja-JP" altLang="en-US"/>
+          </a:p>
+        </p:txBody>
+      </p:sp>
+    </p:spTree>
+    <p:extLst>
+      <p:ext uri="{BB962C8B-B14F-4D97-AF65-F5344CB8AC3E}">
+        <p14:creationId xmlns:p14="http://schemas.microsoft.com/office/powerpoint/2010/main" val="1285394153"/>
+      </p:ext>
+    </p:extLst>
+  </p:cSld>
+  <p:clrMapOvr>
+    <a:masterClrMapping/>
+  </p:clrMapOvr>
+</p:notes>
+</file>
+
+<file path=ppt/notesSlides/notesSlide41.xml><?xml version="1.0" encoding="utf-8"?>
+<p:notes xmlns:a="http://schemas.openxmlformats.org/drawingml/2006/main" xmlns:r="http://schemas.openxmlformats.org/officeDocument/2006/relationships" xmlns:p="http://schemas.openxmlformats.org/presentationml/2006/main">
+  <p:cSld>
+    <p:spTree>
+      <p:nvGrpSpPr>
+        <p:cNvPr id="1" name="">
+          <a:extLst>
+            <a:ext uri="{FF2B5EF4-FFF2-40B4-BE49-F238E27FC236}">
+              <a16:creationId xmlns:a16="http://schemas.microsoft.com/office/drawing/2014/main" id="{A0D91CA3-3B41-4353-3937-867F626F5D98}"/>
+            </a:ext>
+          </a:extLst>
+        </p:cNvPr>
+        <p:cNvGrpSpPr/>
+        <p:nvPr/>
+      </p:nvGrpSpPr>
+      <p:grpSpPr>
+        <a:xfrm>
+          <a:off x="0" y="0"/>
+          <a:ext cx="0" cy="0"/>
+          <a:chOff x="0" y="0"/>
+          <a:chExt cx="0" cy="0"/>
+        </a:xfrm>
+      </p:grpSpPr>
+      <p:sp>
+        <p:nvSpPr>
+          <p:cNvPr id="2" name="スライド イメージ プレースホルダー 1">
+            <a:extLst>
+              <a:ext uri="{FF2B5EF4-FFF2-40B4-BE49-F238E27FC236}">
+                <a16:creationId xmlns:a16="http://schemas.microsoft.com/office/drawing/2014/main" id="{16436415-AD0D-78E3-0CBF-CAF0AE8E4EA5}"/>
+              </a:ext>
+            </a:extLst>
+          </p:cNvPr>
+          <p:cNvSpPr>
+            <a:spLocks noGrp="1" noRot="1" noChangeAspect="1"/>
+          </p:cNvSpPr>
+          <p:nvPr>
+            <p:ph type="sldImg"/>
+          </p:nvPr>
+        </p:nvSpPr>
+        <p:spPr/>
+      </p:sp>
+      <p:sp>
+        <p:nvSpPr>
+          <p:cNvPr id="3" name="ノート プレースホルダー 2">
+            <a:extLst>
+              <a:ext uri="{FF2B5EF4-FFF2-40B4-BE49-F238E27FC236}">
+                <a16:creationId xmlns:a16="http://schemas.microsoft.com/office/drawing/2014/main" id="{03A87A67-C146-E45A-4BA0-F1130367C5D6}"/>
+              </a:ext>
+            </a:extLst>
+          </p:cNvPr>
+          <p:cNvSpPr>
+            <a:spLocks noGrp="1"/>
+          </p:cNvSpPr>
+          <p:nvPr>
+            <p:ph type="body" idx="1"/>
+          </p:nvPr>
+        </p:nvSpPr>
+        <p:spPr/>
+        <p:txBody>
+          <a:bodyPr/>
+          <a:lstStyle/>
+          <a:p>
+            <a:endParaRPr kumimoji="1" lang="en-US" altLang="ja-JP" dirty="0"/>
+          </a:p>
+        </p:txBody>
+      </p:sp>
+      <p:sp>
+        <p:nvSpPr>
+          <p:cNvPr id="4" name="スライド番号プレースホルダー 3">
+            <a:extLst>
+              <a:ext uri="{FF2B5EF4-FFF2-40B4-BE49-F238E27FC236}">
+                <a16:creationId xmlns:a16="http://schemas.microsoft.com/office/drawing/2014/main" id="{C94DBD9B-4BCA-0F38-9721-36C465014451}"/>
+              </a:ext>
+            </a:extLst>
+          </p:cNvPr>
+          <p:cNvSpPr>
+            <a:spLocks noGrp="1"/>
+          </p:cNvSpPr>
+          <p:nvPr>
+            <p:ph type="sldNum" sz="quarter" idx="5"/>
+          </p:nvPr>
+        </p:nvSpPr>
+        <p:spPr/>
+        <p:txBody>
+          <a:bodyPr/>
+          <a:lstStyle/>
+          <a:p>
+            <a:fld id="{193CFC30-ED5E-4C2C-BBC5-AF1D8FA7FCDE}" type="slidenum">
+              <a:rPr kumimoji="1" lang="ja-JP" altLang="en-US" smtClean="0"/>
+              <a:t>41</a:t>
+            </a:fld>
+            <a:endParaRPr kumimoji="1" lang="ja-JP" altLang="en-US"/>
+          </a:p>
+        </p:txBody>
+      </p:sp>
+    </p:spTree>
+    <p:extLst>
+      <p:ext uri="{BB962C8B-B14F-4D97-AF65-F5344CB8AC3E}">
+        <p14:creationId xmlns:p14="http://schemas.microsoft.com/office/powerpoint/2010/main" val="4110524046"/>
+      </p:ext>
+    </p:extLst>
+  </p:cSld>
+  <p:clrMapOvr>
+    <a:masterClrMapping/>
+  </p:clrMapOvr>
+</p:notes>
+</file>
+
+<file path=ppt/notesSlides/notesSlide42.xml><?xml version="1.0" encoding="utf-8"?>
+<p:notes xmlns:a="http://schemas.openxmlformats.org/drawingml/2006/main" xmlns:r="http://schemas.openxmlformats.org/officeDocument/2006/relationships" xmlns:p="http://schemas.openxmlformats.org/presentationml/2006/main">
+  <p:cSld>
+    <p:spTree>
+      <p:nvGrpSpPr>
+        <p:cNvPr id="1" name="">
+          <a:extLst>
+            <a:ext uri="{FF2B5EF4-FFF2-40B4-BE49-F238E27FC236}">
+              <a16:creationId xmlns:a16="http://schemas.microsoft.com/office/drawing/2014/main" id="{72533671-D448-E942-169F-A4498CEACB35}"/>
+            </a:ext>
+          </a:extLst>
+        </p:cNvPr>
+        <p:cNvGrpSpPr/>
+        <p:nvPr/>
+      </p:nvGrpSpPr>
+      <p:grpSpPr>
+        <a:xfrm>
+          <a:off x="0" y="0"/>
+          <a:ext cx="0" cy="0"/>
+          <a:chOff x="0" y="0"/>
+          <a:chExt cx="0" cy="0"/>
+        </a:xfrm>
+      </p:grpSpPr>
+      <p:sp>
+        <p:nvSpPr>
+          <p:cNvPr id="2" name="スライド イメージ プレースホルダー 1">
+            <a:extLst>
+              <a:ext uri="{FF2B5EF4-FFF2-40B4-BE49-F238E27FC236}">
+                <a16:creationId xmlns:a16="http://schemas.microsoft.com/office/drawing/2014/main" id="{30D212AB-061E-3CF7-BCC1-7550E88A32BB}"/>
+              </a:ext>
+            </a:extLst>
+          </p:cNvPr>
+          <p:cNvSpPr>
+            <a:spLocks noGrp="1" noRot="1" noChangeAspect="1"/>
+          </p:cNvSpPr>
+          <p:nvPr>
+            <p:ph type="sldImg"/>
+          </p:nvPr>
+        </p:nvSpPr>
+        <p:spPr/>
+      </p:sp>
+      <p:sp>
+        <p:nvSpPr>
+          <p:cNvPr id="3" name="ノート プレースホルダー 2">
+            <a:extLst>
+              <a:ext uri="{FF2B5EF4-FFF2-40B4-BE49-F238E27FC236}">
+                <a16:creationId xmlns:a16="http://schemas.microsoft.com/office/drawing/2014/main" id="{C25B8BF1-A8B7-6227-063A-0F50110B59F0}"/>
+              </a:ext>
+            </a:extLst>
+          </p:cNvPr>
+          <p:cNvSpPr>
+            <a:spLocks noGrp="1"/>
+          </p:cNvSpPr>
+          <p:nvPr>
+            <p:ph type="body" idx="1"/>
+          </p:nvPr>
+        </p:nvSpPr>
+        <p:spPr/>
+        <p:txBody>
+          <a:bodyPr/>
+          <a:lstStyle/>
+          <a:p>
+            <a:endParaRPr kumimoji="1" lang="en-US" altLang="ja-JP" dirty="0"/>
+          </a:p>
+        </p:txBody>
+      </p:sp>
+      <p:sp>
+        <p:nvSpPr>
+          <p:cNvPr id="4" name="スライド番号プレースホルダー 3">
+            <a:extLst>
+              <a:ext uri="{FF2B5EF4-FFF2-40B4-BE49-F238E27FC236}">
+                <a16:creationId xmlns:a16="http://schemas.microsoft.com/office/drawing/2014/main" id="{BE3B9745-5C82-DB8E-7982-269ADAE8AE23}"/>
+              </a:ext>
+            </a:extLst>
+          </p:cNvPr>
+          <p:cNvSpPr>
+            <a:spLocks noGrp="1"/>
+          </p:cNvSpPr>
+          <p:nvPr>
+            <p:ph type="sldNum" sz="quarter" idx="5"/>
+          </p:nvPr>
+        </p:nvSpPr>
+        <p:spPr/>
+        <p:txBody>
+          <a:bodyPr/>
+          <a:lstStyle/>
+          <a:p>
+            <a:fld id="{193CFC30-ED5E-4C2C-BBC5-AF1D8FA7FCDE}" type="slidenum">
+              <a:rPr kumimoji="1" lang="ja-JP" altLang="en-US" smtClean="0"/>
+              <a:t>42</a:t>
+            </a:fld>
+            <a:endParaRPr kumimoji="1" lang="ja-JP" altLang="en-US"/>
+          </a:p>
+        </p:txBody>
+      </p:sp>
+    </p:spTree>
+    <p:extLst>
+      <p:ext uri="{BB962C8B-B14F-4D97-AF65-F5344CB8AC3E}">
+        <p14:creationId xmlns:p14="http://schemas.microsoft.com/office/powerpoint/2010/main" val="430582421"/>
+      </p:ext>
+    </p:extLst>
+  </p:cSld>
+  <p:clrMapOvr>
+    <a:masterClrMapping/>
+  </p:clrMapOvr>
+</p:notes>
+</file>
+
+<file path=ppt/notesSlides/notesSlide43.xml><?xml version="1.0" encoding="utf-8"?>
+<p:notes xmlns:a="http://schemas.openxmlformats.org/drawingml/2006/main" xmlns:r="http://schemas.openxmlformats.org/officeDocument/2006/relationships" xmlns:p="http://schemas.openxmlformats.org/presentationml/2006/main">
+  <p:cSld>
+    <p:spTree>
+      <p:nvGrpSpPr>
+        <p:cNvPr id="1" name="">
+          <a:extLst>
+            <a:ext uri="{FF2B5EF4-FFF2-40B4-BE49-F238E27FC236}">
+              <a16:creationId xmlns:a16="http://schemas.microsoft.com/office/drawing/2014/main" id="{3D478F92-3FC9-22BD-16CD-6DFF6A5FA0C5}"/>
+            </a:ext>
+          </a:extLst>
+        </p:cNvPr>
+        <p:cNvGrpSpPr/>
+        <p:nvPr/>
+      </p:nvGrpSpPr>
+      <p:grpSpPr>
+        <a:xfrm>
+          <a:off x="0" y="0"/>
+          <a:ext cx="0" cy="0"/>
+          <a:chOff x="0" y="0"/>
+          <a:chExt cx="0" cy="0"/>
+        </a:xfrm>
+      </p:grpSpPr>
+      <p:sp>
+        <p:nvSpPr>
+          <p:cNvPr id="2" name="スライド イメージ プレースホルダー 1">
+            <a:extLst>
+              <a:ext uri="{FF2B5EF4-FFF2-40B4-BE49-F238E27FC236}">
+                <a16:creationId xmlns:a16="http://schemas.microsoft.com/office/drawing/2014/main" id="{77E45CD3-8150-8CA8-D721-826C545E4AF6}"/>
+              </a:ext>
+            </a:extLst>
+          </p:cNvPr>
+          <p:cNvSpPr>
+            <a:spLocks noGrp="1" noRot="1" noChangeAspect="1"/>
+          </p:cNvSpPr>
+          <p:nvPr>
+            <p:ph type="sldImg"/>
+          </p:nvPr>
+        </p:nvSpPr>
+        <p:spPr/>
+      </p:sp>
+      <p:sp>
+        <p:nvSpPr>
+          <p:cNvPr id="3" name="ノート プレースホルダー 2">
+            <a:extLst>
+              <a:ext uri="{FF2B5EF4-FFF2-40B4-BE49-F238E27FC236}">
+                <a16:creationId xmlns:a16="http://schemas.microsoft.com/office/drawing/2014/main" id="{3C3E6BEB-A96B-F33E-7FF1-5F38ACE5B7D1}"/>
+              </a:ext>
+            </a:extLst>
+          </p:cNvPr>
+          <p:cNvSpPr>
+            <a:spLocks noGrp="1"/>
+          </p:cNvSpPr>
+          <p:nvPr>
+            <p:ph type="body" idx="1"/>
+          </p:nvPr>
+        </p:nvSpPr>
+        <p:spPr/>
+        <p:txBody>
+          <a:bodyPr/>
+          <a:lstStyle/>
+          <a:p>
+            <a:endParaRPr kumimoji="1" lang="en-US" altLang="ja-JP" dirty="0"/>
+          </a:p>
+        </p:txBody>
+      </p:sp>
+      <p:sp>
+        <p:nvSpPr>
+          <p:cNvPr id="4" name="スライド番号プレースホルダー 3">
+            <a:extLst>
+              <a:ext uri="{FF2B5EF4-FFF2-40B4-BE49-F238E27FC236}">
+                <a16:creationId xmlns:a16="http://schemas.microsoft.com/office/drawing/2014/main" id="{4A235098-7234-922A-7F88-0000FB82ABAC}"/>
+              </a:ext>
+            </a:extLst>
+          </p:cNvPr>
+          <p:cNvSpPr>
+            <a:spLocks noGrp="1"/>
+          </p:cNvSpPr>
+          <p:nvPr>
+            <p:ph type="sldNum" sz="quarter" idx="5"/>
+          </p:nvPr>
+        </p:nvSpPr>
+        <p:spPr/>
+        <p:txBody>
+          <a:bodyPr/>
+          <a:lstStyle/>
+          <a:p>
+            <a:fld id="{193CFC30-ED5E-4C2C-BBC5-AF1D8FA7FCDE}" type="slidenum">
+              <a:rPr kumimoji="1" lang="ja-JP" altLang="en-US" smtClean="0"/>
+              <a:t>43</a:t>
+            </a:fld>
+            <a:endParaRPr kumimoji="1" lang="ja-JP" altLang="en-US"/>
+          </a:p>
+        </p:txBody>
+      </p:sp>
+    </p:spTree>
+    <p:extLst>
+      <p:ext uri="{BB962C8B-B14F-4D97-AF65-F5344CB8AC3E}">
+        <p14:creationId xmlns:p14="http://schemas.microsoft.com/office/powerpoint/2010/main" val="2914476229"/>
+      </p:ext>
+    </p:extLst>
+  </p:cSld>
+  <p:clrMapOvr>
+    <a:masterClrMapping/>
+  </p:clrMapOvr>
+</p:notes>
+</file>
+
+<file path=ppt/notesSlides/notesSlide44.xml><?xml version="1.0" encoding="utf-8"?>
+<p:notes xmlns:a="http://schemas.openxmlformats.org/drawingml/2006/main" xmlns:r="http://schemas.openxmlformats.org/officeDocument/2006/relationships" xmlns:p="http://schemas.openxmlformats.org/presentationml/2006/main">
+  <p:cSld>
+    <p:spTree>
+      <p:nvGrpSpPr>
+        <p:cNvPr id="1" name="">
+          <a:extLst>
+            <a:ext uri="{FF2B5EF4-FFF2-40B4-BE49-F238E27FC236}">
+              <a16:creationId xmlns:a16="http://schemas.microsoft.com/office/drawing/2014/main" id="{D8CC6A1E-B984-D6EE-F26D-AF2347C30F40}"/>
+            </a:ext>
+          </a:extLst>
+        </p:cNvPr>
+        <p:cNvGrpSpPr/>
+        <p:nvPr/>
+      </p:nvGrpSpPr>
+      <p:grpSpPr>
+        <a:xfrm>
+          <a:off x="0" y="0"/>
+          <a:ext cx="0" cy="0"/>
+          <a:chOff x="0" y="0"/>
+          <a:chExt cx="0" cy="0"/>
+        </a:xfrm>
+      </p:grpSpPr>
+      <p:sp>
+        <p:nvSpPr>
+          <p:cNvPr id="2" name="スライド イメージ プレースホルダー 1">
+            <a:extLst>
+              <a:ext uri="{FF2B5EF4-FFF2-40B4-BE49-F238E27FC236}">
+                <a16:creationId xmlns:a16="http://schemas.microsoft.com/office/drawing/2014/main" id="{9966FC29-07EC-4DA2-5F80-1F9FDA6F18CD}"/>
+              </a:ext>
+            </a:extLst>
+          </p:cNvPr>
+          <p:cNvSpPr>
+            <a:spLocks noGrp="1" noRot="1" noChangeAspect="1"/>
+          </p:cNvSpPr>
+          <p:nvPr>
+            <p:ph type="sldImg"/>
+          </p:nvPr>
+        </p:nvSpPr>
+        <p:spPr/>
+      </p:sp>
+      <p:sp>
+        <p:nvSpPr>
+          <p:cNvPr id="3" name="ノート プレースホルダー 2">
+            <a:extLst>
+              <a:ext uri="{FF2B5EF4-FFF2-40B4-BE49-F238E27FC236}">
+                <a16:creationId xmlns:a16="http://schemas.microsoft.com/office/drawing/2014/main" id="{F372063D-13DE-980C-EE8C-0ABD498F13A8}"/>
+              </a:ext>
+            </a:extLst>
+          </p:cNvPr>
+          <p:cNvSpPr>
+            <a:spLocks noGrp="1"/>
+          </p:cNvSpPr>
+          <p:nvPr>
+            <p:ph type="body" idx="1"/>
+          </p:nvPr>
+        </p:nvSpPr>
+        <p:spPr/>
+        <p:txBody>
+          <a:bodyPr/>
+          <a:lstStyle/>
+          <a:p>
+            <a:endParaRPr kumimoji="1" lang="en-US" altLang="ja-JP" dirty="0"/>
+          </a:p>
+        </p:txBody>
+      </p:sp>
+      <p:sp>
+        <p:nvSpPr>
+          <p:cNvPr id="4" name="スライド番号プレースホルダー 3">
+            <a:extLst>
+              <a:ext uri="{FF2B5EF4-FFF2-40B4-BE49-F238E27FC236}">
+                <a16:creationId xmlns:a16="http://schemas.microsoft.com/office/drawing/2014/main" id="{C49120CB-5E65-5F0C-1C43-3DE01DA2C6C5}"/>
+              </a:ext>
+            </a:extLst>
+          </p:cNvPr>
+          <p:cNvSpPr>
+            <a:spLocks noGrp="1"/>
+          </p:cNvSpPr>
+          <p:nvPr>
+            <p:ph type="sldNum" sz="quarter" idx="5"/>
+          </p:nvPr>
+        </p:nvSpPr>
+        <p:spPr/>
+        <p:txBody>
+          <a:bodyPr/>
+          <a:lstStyle/>
+          <a:p>
+            <a:fld id="{193CFC30-ED5E-4C2C-BBC5-AF1D8FA7FCDE}" type="slidenum">
+              <a:rPr kumimoji="1" lang="ja-JP" altLang="en-US" smtClean="0"/>
+              <a:t>44</a:t>
+            </a:fld>
+            <a:endParaRPr kumimoji="1" lang="ja-JP" altLang="en-US"/>
+          </a:p>
+        </p:txBody>
+      </p:sp>
+    </p:spTree>
+    <p:extLst>
+      <p:ext uri="{BB962C8B-B14F-4D97-AF65-F5344CB8AC3E}">
+        <p14:creationId xmlns:p14="http://schemas.microsoft.com/office/powerpoint/2010/main" val="58093954"/>
+      </p:ext>
+    </p:extLst>
+  </p:cSld>
+  <p:clrMapOvr>
+    <a:masterClrMapping/>
+  </p:clrMapOvr>
+</p:notes>
+</file>
+
+<file path=ppt/notesSlides/notesSlide45.xml><?xml version="1.0" encoding="utf-8"?>
+<p:notes xmlns:a="http://schemas.openxmlformats.org/drawingml/2006/main" xmlns:r="http://schemas.openxmlformats.org/officeDocument/2006/relationships" xmlns:p="http://schemas.openxmlformats.org/presentationml/2006/main">
+  <p:cSld>
+    <p:spTree>
+      <p:nvGrpSpPr>
+        <p:cNvPr id="1" name="">
+          <a:extLst>
+            <a:ext uri="{FF2B5EF4-FFF2-40B4-BE49-F238E27FC236}">
+              <a16:creationId xmlns:a16="http://schemas.microsoft.com/office/drawing/2014/main" id="{BE1EB3B4-9F1D-9928-D9B1-4958FC959AA4}"/>
+            </a:ext>
+          </a:extLst>
+        </p:cNvPr>
+        <p:cNvGrpSpPr/>
+        <p:nvPr/>
+      </p:nvGrpSpPr>
+      <p:grpSpPr>
+        <a:xfrm>
+          <a:off x="0" y="0"/>
+          <a:ext cx="0" cy="0"/>
+          <a:chOff x="0" y="0"/>
+          <a:chExt cx="0" cy="0"/>
+        </a:xfrm>
+      </p:grpSpPr>
+      <p:sp>
+        <p:nvSpPr>
+          <p:cNvPr id="2" name="スライド イメージ プレースホルダー 1">
+            <a:extLst>
+              <a:ext uri="{FF2B5EF4-FFF2-40B4-BE49-F238E27FC236}">
+                <a16:creationId xmlns:a16="http://schemas.microsoft.com/office/drawing/2014/main" id="{1E696806-6E49-C6F8-81B1-1BCA9E0ECA51}"/>
+              </a:ext>
+            </a:extLst>
+          </p:cNvPr>
+          <p:cNvSpPr>
+            <a:spLocks noGrp="1" noRot="1" noChangeAspect="1"/>
+          </p:cNvSpPr>
+          <p:nvPr>
+            <p:ph type="sldImg"/>
+          </p:nvPr>
+        </p:nvSpPr>
+        <p:spPr/>
+      </p:sp>
+      <p:sp>
+        <p:nvSpPr>
+          <p:cNvPr id="3" name="ノート プレースホルダー 2">
+            <a:extLst>
+              <a:ext uri="{FF2B5EF4-FFF2-40B4-BE49-F238E27FC236}">
+                <a16:creationId xmlns:a16="http://schemas.microsoft.com/office/drawing/2014/main" id="{4A469918-D8C8-F8BE-5A76-F189BE40102F}"/>
+              </a:ext>
+            </a:extLst>
+          </p:cNvPr>
+          <p:cNvSpPr>
+            <a:spLocks noGrp="1"/>
+          </p:cNvSpPr>
+          <p:nvPr>
+            <p:ph type="body" idx="1"/>
+          </p:nvPr>
+        </p:nvSpPr>
+        <p:spPr/>
+        <p:txBody>
+          <a:bodyPr/>
+          <a:lstStyle/>
+          <a:p>
+            <a:endParaRPr kumimoji="1" lang="en-US" altLang="ja-JP" dirty="0"/>
+          </a:p>
+        </p:txBody>
+      </p:sp>
+      <p:sp>
+        <p:nvSpPr>
+          <p:cNvPr id="4" name="スライド番号プレースホルダー 3">
+            <a:extLst>
+              <a:ext uri="{FF2B5EF4-FFF2-40B4-BE49-F238E27FC236}">
+                <a16:creationId xmlns:a16="http://schemas.microsoft.com/office/drawing/2014/main" id="{7884F617-E674-687C-E399-FB1968225250}"/>
+              </a:ext>
+            </a:extLst>
+          </p:cNvPr>
+          <p:cNvSpPr>
+            <a:spLocks noGrp="1"/>
+          </p:cNvSpPr>
+          <p:nvPr>
+            <p:ph type="sldNum" sz="quarter" idx="5"/>
+          </p:nvPr>
+        </p:nvSpPr>
+        <p:spPr/>
+        <p:txBody>
+          <a:bodyPr/>
+          <a:lstStyle/>
+          <a:p>
+            <a:fld id="{193CFC30-ED5E-4C2C-BBC5-AF1D8FA7FCDE}" type="slidenum">
+              <a:rPr kumimoji="1" lang="ja-JP" altLang="en-US" smtClean="0"/>
+              <a:t>45</a:t>
+            </a:fld>
+            <a:endParaRPr kumimoji="1" lang="ja-JP" altLang="en-US"/>
+          </a:p>
+        </p:txBody>
+      </p:sp>
+    </p:spTree>
+    <p:extLst>
+      <p:ext uri="{BB962C8B-B14F-4D97-AF65-F5344CB8AC3E}">
+        <p14:creationId xmlns:p14="http://schemas.microsoft.com/office/powerpoint/2010/main" val="2329279082"/>
+      </p:ext>
+    </p:extLst>
+  </p:cSld>
+  <p:clrMapOvr>
+    <a:masterClrMapping/>
+  </p:clrMapOvr>
+</p:notes>
+</file>
+
+<file path=ppt/notesSlides/notesSlide46.xml><?xml version="1.0" encoding="utf-8"?>
+<p:notes xmlns:a="http://schemas.openxmlformats.org/drawingml/2006/main" xmlns:r="http://schemas.openxmlformats.org/officeDocument/2006/relationships" xmlns:p="http://schemas.openxmlformats.org/presentationml/2006/main">
+  <p:cSld>
+    <p:spTree>
+      <p:nvGrpSpPr>
+        <p:cNvPr id="1" name="">
+          <a:extLst>
+            <a:ext uri="{FF2B5EF4-FFF2-40B4-BE49-F238E27FC236}">
+              <a16:creationId xmlns:a16="http://schemas.microsoft.com/office/drawing/2014/main" id="{A86CA420-0DD1-BDFB-266E-62208428A135}"/>
+            </a:ext>
+          </a:extLst>
+        </p:cNvPr>
+        <p:cNvGrpSpPr/>
+        <p:nvPr/>
+      </p:nvGrpSpPr>
+      <p:grpSpPr>
+        <a:xfrm>
+          <a:off x="0" y="0"/>
+          <a:ext cx="0" cy="0"/>
+          <a:chOff x="0" y="0"/>
+          <a:chExt cx="0" cy="0"/>
+        </a:xfrm>
+      </p:grpSpPr>
+      <p:sp>
+        <p:nvSpPr>
+          <p:cNvPr id="2" name="スライド イメージ プレースホルダー 1">
+            <a:extLst>
+              <a:ext uri="{FF2B5EF4-FFF2-40B4-BE49-F238E27FC236}">
+                <a16:creationId xmlns:a16="http://schemas.microsoft.com/office/drawing/2014/main" id="{A256A393-03B3-511C-78FE-1A805B31540E}"/>
+              </a:ext>
+            </a:extLst>
+          </p:cNvPr>
+          <p:cNvSpPr>
+            <a:spLocks noGrp="1" noRot="1" noChangeAspect="1"/>
+          </p:cNvSpPr>
+          <p:nvPr>
+            <p:ph type="sldImg"/>
+          </p:nvPr>
+        </p:nvSpPr>
+        <p:spPr/>
+      </p:sp>
+      <p:sp>
+        <p:nvSpPr>
+          <p:cNvPr id="3" name="ノート プレースホルダー 2">
+            <a:extLst>
+              <a:ext uri="{FF2B5EF4-FFF2-40B4-BE49-F238E27FC236}">
+                <a16:creationId xmlns:a16="http://schemas.microsoft.com/office/drawing/2014/main" id="{0DDFE8E4-645B-CD0B-D54D-3F5188FFEFE7}"/>
+              </a:ext>
+            </a:extLst>
+          </p:cNvPr>
+          <p:cNvSpPr>
+            <a:spLocks noGrp="1"/>
+          </p:cNvSpPr>
+          <p:nvPr>
+            <p:ph type="body" idx="1"/>
+          </p:nvPr>
+        </p:nvSpPr>
+        <p:spPr/>
+        <p:txBody>
+          <a:bodyPr/>
+          <a:lstStyle/>
+          <a:p>
+            <a:endParaRPr kumimoji="1" lang="en-US" altLang="ja-JP" dirty="0"/>
+          </a:p>
+        </p:txBody>
+      </p:sp>
+      <p:sp>
+        <p:nvSpPr>
+          <p:cNvPr id="4" name="スライド番号プレースホルダー 3">
+            <a:extLst>
+              <a:ext uri="{FF2B5EF4-FFF2-40B4-BE49-F238E27FC236}">
+                <a16:creationId xmlns:a16="http://schemas.microsoft.com/office/drawing/2014/main" id="{F7E7F5CF-8059-0C4E-156F-33C1C6B5F303}"/>
+              </a:ext>
+            </a:extLst>
+          </p:cNvPr>
+          <p:cNvSpPr>
+            <a:spLocks noGrp="1"/>
+          </p:cNvSpPr>
+          <p:nvPr>
+            <p:ph type="sldNum" sz="quarter" idx="5"/>
+          </p:nvPr>
+        </p:nvSpPr>
+        <p:spPr/>
+        <p:txBody>
+          <a:bodyPr/>
+          <a:lstStyle/>
+          <a:p>
+            <a:fld id="{193CFC30-ED5E-4C2C-BBC5-AF1D8FA7FCDE}" type="slidenum">
+              <a:rPr kumimoji="1" lang="ja-JP" altLang="en-US" smtClean="0"/>
+              <a:t>46</a:t>
+            </a:fld>
+            <a:endParaRPr kumimoji="1" lang="ja-JP" altLang="en-US"/>
+          </a:p>
+        </p:txBody>
+      </p:sp>
+    </p:spTree>
+    <p:extLst>
+      <p:ext uri="{BB962C8B-B14F-4D97-AF65-F5344CB8AC3E}">
+        <p14:creationId xmlns:p14="http://schemas.microsoft.com/office/powerpoint/2010/main" val="941888521"/>
+      </p:ext>
+    </p:extLst>
+  </p:cSld>
+  <p:clrMapOvr>
+    <a:masterClrMapping/>
+  </p:clrMapOvr>
+</p:notes>
+</file>
+
+<file path=ppt/notesSlides/notesSlide47.xml><?xml version="1.0" encoding="utf-8"?>
+<p:notes xmlns:a="http://schemas.openxmlformats.org/drawingml/2006/main" xmlns:r="http://schemas.openxmlformats.org/officeDocument/2006/relationships" xmlns:p="http://schemas.openxmlformats.org/presentationml/2006/main">
+  <p:cSld>
+    <p:spTree>
+      <p:nvGrpSpPr>
+        <p:cNvPr id="1" name="">
+          <a:extLst>
+            <a:ext uri="{FF2B5EF4-FFF2-40B4-BE49-F238E27FC236}">
+              <a16:creationId xmlns:a16="http://schemas.microsoft.com/office/drawing/2014/main" id="{5322CE67-E8C4-69D4-C95E-E8ACCB75C281}"/>
+            </a:ext>
+          </a:extLst>
+        </p:cNvPr>
+        <p:cNvGrpSpPr/>
+        <p:nvPr/>
+      </p:nvGrpSpPr>
+      <p:grpSpPr>
+        <a:xfrm>
+          <a:off x="0" y="0"/>
+          <a:ext cx="0" cy="0"/>
+          <a:chOff x="0" y="0"/>
+          <a:chExt cx="0" cy="0"/>
+        </a:xfrm>
+      </p:grpSpPr>
+      <p:sp>
+        <p:nvSpPr>
+          <p:cNvPr id="2" name="スライド イメージ プレースホルダー 1">
+            <a:extLst>
+              <a:ext uri="{FF2B5EF4-FFF2-40B4-BE49-F238E27FC236}">
+                <a16:creationId xmlns:a16="http://schemas.microsoft.com/office/drawing/2014/main" id="{733B5CEC-6F1C-6C98-5A29-DF85994E9DA6}"/>
+              </a:ext>
+            </a:extLst>
+          </p:cNvPr>
+          <p:cNvSpPr>
+            <a:spLocks noGrp="1" noRot="1" noChangeAspect="1"/>
+          </p:cNvSpPr>
+          <p:nvPr>
+            <p:ph type="sldImg"/>
+          </p:nvPr>
+        </p:nvSpPr>
+        <p:spPr/>
+      </p:sp>
+      <p:sp>
+        <p:nvSpPr>
+          <p:cNvPr id="3" name="ノート プレースホルダー 2">
+            <a:extLst>
+              <a:ext uri="{FF2B5EF4-FFF2-40B4-BE49-F238E27FC236}">
+                <a16:creationId xmlns:a16="http://schemas.microsoft.com/office/drawing/2014/main" id="{07EE8104-5A54-AECB-F46D-814D415EECB3}"/>
+              </a:ext>
+            </a:extLst>
+          </p:cNvPr>
+          <p:cNvSpPr>
+            <a:spLocks noGrp="1"/>
+          </p:cNvSpPr>
+          <p:nvPr>
+            <p:ph type="body" idx="1"/>
+          </p:nvPr>
+        </p:nvSpPr>
+        <p:spPr/>
+        <p:txBody>
+          <a:bodyPr/>
+          <a:lstStyle/>
+          <a:p>
+            <a:endParaRPr kumimoji="1" lang="en-US" altLang="ja-JP" dirty="0"/>
+          </a:p>
+        </p:txBody>
+      </p:sp>
+      <p:sp>
+        <p:nvSpPr>
+          <p:cNvPr id="4" name="スライド番号プレースホルダー 3">
+            <a:extLst>
+              <a:ext uri="{FF2B5EF4-FFF2-40B4-BE49-F238E27FC236}">
+                <a16:creationId xmlns:a16="http://schemas.microsoft.com/office/drawing/2014/main" id="{B6FF7403-0348-0A4B-C4FA-0678A6D9386B}"/>
+              </a:ext>
+            </a:extLst>
+          </p:cNvPr>
+          <p:cNvSpPr>
+            <a:spLocks noGrp="1"/>
+          </p:cNvSpPr>
+          <p:nvPr>
+            <p:ph type="sldNum" sz="quarter" idx="5"/>
+          </p:nvPr>
+        </p:nvSpPr>
+        <p:spPr/>
+        <p:txBody>
+          <a:bodyPr/>
+          <a:lstStyle/>
+          <a:p>
+            <a:fld id="{193CFC30-ED5E-4C2C-BBC5-AF1D8FA7FCDE}" type="slidenum">
+              <a:rPr kumimoji="1" lang="ja-JP" altLang="en-US" smtClean="0"/>
+              <a:t>47</a:t>
+            </a:fld>
+            <a:endParaRPr kumimoji="1" lang="ja-JP" altLang="en-US"/>
+          </a:p>
+        </p:txBody>
+      </p:sp>
+    </p:spTree>
+    <p:extLst>
+      <p:ext uri="{BB962C8B-B14F-4D97-AF65-F5344CB8AC3E}">
+        <p14:creationId xmlns:p14="http://schemas.microsoft.com/office/powerpoint/2010/main" val="647804932"/>
       </p:ext>
     </p:extLst>
   </p:cSld>
@@ -5555,7 +7081,7 @@
           <a:p>
             <a:fld id="{33C52814-903A-4381-849E-23E38DDCB259}" type="datetimeFigureOut">
               <a:rPr kumimoji="1" lang="ja-JP" altLang="en-US" smtClean="0"/>
-              <a:t>2025/7/8</a:t>
+              <a:t>2025/7/9</a:t>
             </a:fld>
             <a:endParaRPr kumimoji="1" lang="ja-JP" altLang="en-US"/>
           </a:p>
@@ -5785,7 +7311,7 @@
           <a:p>
             <a:fld id="{33C52814-903A-4381-849E-23E38DDCB259}" type="datetimeFigureOut">
               <a:rPr kumimoji="1" lang="ja-JP" altLang="en-US" smtClean="0"/>
-              <a:t>2025/7/8</a:t>
+              <a:t>2025/7/9</a:t>
             </a:fld>
             <a:endParaRPr kumimoji="1" lang="ja-JP" altLang="en-US"/>
           </a:p>
@@ -6025,7 +7551,7 @@
           <a:p>
             <a:fld id="{33C52814-903A-4381-849E-23E38DDCB259}" type="datetimeFigureOut">
               <a:rPr kumimoji="1" lang="ja-JP" altLang="en-US" smtClean="0"/>
-              <a:t>2025/7/8</a:t>
+              <a:t>2025/7/9</a:t>
             </a:fld>
             <a:endParaRPr kumimoji="1" lang="ja-JP" altLang="en-US"/>
           </a:p>
@@ -6255,7 +7781,7 @@
           <a:p>
             <a:fld id="{33C52814-903A-4381-849E-23E38DDCB259}" type="datetimeFigureOut">
               <a:rPr kumimoji="1" lang="ja-JP" altLang="en-US" smtClean="0"/>
-              <a:t>2025/7/8</a:t>
+              <a:t>2025/7/9</a:t>
             </a:fld>
             <a:endParaRPr kumimoji="1" lang="ja-JP" altLang="en-US"/>
           </a:p>
@@ -6530,7 +8056,7 @@
           <a:p>
             <a:fld id="{33C52814-903A-4381-849E-23E38DDCB259}" type="datetimeFigureOut">
               <a:rPr kumimoji="1" lang="ja-JP" altLang="en-US" smtClean="0"/>
-              <a:t>2025/7/8</a:t>
+              <a:t>2025/7/9</a:t>
             </a:fld>
             <a:endParaRPr kumimoji="1" lang="ja-JP" altLang="en-US"/>
           </a:p>
@@ -6859,7 +8385,7 @@
           <a:p>
             <a:fld id="{33C52814-903A-4381-849E-23E38DDCB259}" type="datetimeFigureOut">
               <a:rPr kumimoji="1" lang="ja-JP" altLang="en-US" smtClean="0"/>
-              <a:t>2025/7/8</a:t>
+              <a:t>2025/7/9</a:t>
             </a:fld>
             <a:endParaRPr kumimoji="1" lang="ja-JP" altLang="en-US"/>
           </a:p>
@@ -7335,7 +8861,7 @@
           <a:p>
             <a:fld id="{33C52814-903A-4381-849E-23E38DDCB259}" type="datetimeFigureOut">
               <a:rPr kumimoji="1" lang="ja-JP" altLang="en-US" smtClean="0"/>
-              <a:t>2025/7/8</a:t>
+              <a:t>2025/7/9</a:t>
             </a:fld>
             <a:endParaRPr kumimoji="1" lang="ja-JP" altLang="en-US"/>
           </a:p>
@@ -7476,7 +9002,7 @@
           <a:p>
             <a:fld id="{33C52814-903A-4381-849E-23E38DDCB259}" type="datetimeFigureOut">
               <a:rPr kumimoji="1" lang="ja-JP" altLang="en-US" smtClean="0"/>
-              <a:t>2025/7/8</a:t>
+              <a:t>2025/7/9</a:t>
             </a:fld>
             <a:endParaRPr kumimoji="1" lang="ja-JP" altLang="en-US"/>
           </a:p>
@@ -7589,7 +9115,7 @@
           <a:p>
             <a:fld id="{33C52814-903A-4381-849E-23E38DDCB259}" type="datetimeFigureOut">
               <a:rPr kumimoji="1" lang="ja-JP" altLang="en-US" smtClean="0"/>
-              <a:t>2025/7/8</a:t>
+              <a:t>2025/7/9</a:t>
             </a:fld>
             <a:endParaRPr kumimoji="1" lang="ja-JP" altLang="en-US"/>
           </a:p>
@@ -7932,7 +9458,7 @@
           <a:p>
             <a:fld id="{33C52814-903A-4381-849E-23E38DDCB259}" type="datetimeFigureOut">
               <a:rPr kumimoji="1" lang="ja-JP" altLang="en-US" smtClean="0"/>
-              <a:t>2025/7/8</a:t>
+              <a:t>2025/7/9</a:t>
             </a:fld>
             <a:endParaRPr kumimoji="1" lang="ja-JP" altLang="en-US"/>
           </a:p>
@@ -8220,7 +9746,7 @@
           <a:p>
             <a:fld id="{33C52814-903A-4381-849E-23E38DDCB259}" type="datetimeFigureOut">
               <a:rPr kumimoji="1" lang="ja-JP" altLang="en-US" smtClean="0"/>
-              <a:t>2025/7/8</a:t>
+              <a:t>2025/7/9</a:t>
             </a:fld>
             <a:endParaRPr kumimoji="1" lang="ja-JP" altLang="en-US"/>
           </a:p>
@@ -8493,7 +10019,7 @@
           <a:p>
             <a:fld id="{33C52814-903A-4381-849E-23E38DDCB259}" type="datetimeFigureOut">
               <a:rPr kumimoji="1" lang="ja-JP" altLang="en-US" smtClean="0"/>
-              <a:t>2025/7/8</a:t>
+              <a:t>2025/7/9</a:t>
             </a:fld>
             <a:endParaRPr kumimoji="1" lang="ja-JP" altLang="en-US"/>
           </a:p>
@@ -8950,6 +10476,66 @@
           </a:p>
         </p:txBody>
       </p:sp>
+      <p:pic>
+        <p:nvPicPr>
+          <p:cNvPr id="3" name="図 2">
+            <a:extLst>
+              <a:ext uri="{FF2B5EF4-FFF2-40B4-BE49-F238E27FC236}">
+                <a16:creationId xmlns:a16="http://schemas.microsoft.com/office/drawing/2014/main" id="{9DA9D3C8-8E23-D7A7-5A05-CB7EAC2C7B87}"/>
+              </a:ext>
+            </a:extLst>
+          </p:cNvPr>
+          <p:cNvPicPr>
+            <a:picLocks noChangeAspect="1"/>
+          </p:cNvPicPr>
+          <p:nvPr/>
+        </p:nvPicPr>
+        <p:blipFill>
+          <a:blip r:embed="rId3"/>
+          <a:stretch>
+            <a:fillRect/>
+          </a:stretch>
+        </p:blipFill>
+        <p:spPr>
+          <a:xfrm>
+            <a:off x="5563793" y="328180"/>
+            <a:ext cx="6582694" cy="6201640"/>
+          </a:xfrm>
+          <a:prstGeom prst="rect">
+            <a:avLst/>
+          </a:prstGeom>
+        </p:spPr>
+      </p:pic>
+      <p:pic>
+        <p:nvPicPr>
+          <p:cNvPr id="6" name="図 5">
+            <a:extLst>
+              <a:ext uri="{FF2B5EF4-FFF2-40B4-BE49-F238E27FC236}">
+                <a16:creationId xmlns:a16="http://schemas.microsoft.com/office/drawing/2014/main" id="{1630AE4F-FE9D-8C80-E25B-8C3A34D6C813}"/>
+              </a:ext>
+            </a:extLst>
+          </p:cNvPr>
+          <p:cNvPicPr>
+            <a:picLocks noChangeAspect="1"/>
+          </p:cNvPicPr>
+          <p:nvPr/>
+        </p:nvPicPr>
+        <p:blipFill>
+          <a:blip r:embed="rId4"/>
+          <a:stretch>
+            <a:fillRect/>
+          </a:stretch>
+        </p:blipFill>
+        <p:spPr>
+          <a:xfrm>
+            <a:off x="0" y="0"/>
+            <a:ext cx="5509134" cy="6858000"/>
+          </a:xfrm>
+          <a:prstGeom prst="rect">
+            <a:avLst/>
+          </a:prstGeom>
+        </p:spPr>
+      </p:pic>
     </p:spTree>
     <p:extLst>
       <p:ext uri="{BB962C8B-B14F-4D97-AF65-F5344CB8AC3E}">
@@ -13669,7 +15255,7 @@
         <p:spPr>
           <a:xfrm>
             <a:off x="769060" y="2225238"/>
-            <a:ext cx="10653879" cy="2585323"/>
+            <a:ext cx="10732425" cy="2585323"/>
           </a:xfrm>
           <a:prstGeom prst="rect">
             <a:avLst/>
@@ -13693,7 +15279,7 @@
             </a:r>
             <a:r>
               <a:rPr lang="ja-JP" altLang="en-US" sz="6600" b="1" dirty="0"/>
-              <a:t>構築で使う</a:t>
+              <a:t>制作で使う</a:t>
             </a:r>
             <a:r>
               <a:rPr lang="en-US" altLang="ja-JP" sz="6600" b="1" dirty="0"/>
@@ -19111,6 +20697,88 @@
           </a:p>
         </p:txBody>
       </p:sp>
+      <p:pic>
+        <p:nvPicPr>
+          <p:cNvPr id="3" name="図 2">
+            <a:extLst>
+              <a:ext uri="{FF2B5EF4-FFF2-40B4-BE49-F238E27FC236}">
+                <a16:creationId xmlns:a16="http://schemas.microsoft.com/office/drawing/2014/main" id="{46DD7F01-E013-AFEC-A627-5BF08F0417EC}"/>
+              </a:ext>
+            </a:extLst>
+          </p:cNvPr>
+          <p:cNvPicPr>
+            <a:picLocks noChangeAspect="1"/>
+          </p:cNvPicPr>
+          <p:nvPr/>
+        </p:nvPicPr>
+        <p:blipFill>
+          <a:blip r:embed="rId3"/>
+          <a:stretch>
+            <a:fillRect/>
+          </a:stretch>
+        </p:blipFill>
+        <p:spPr>
+          <a:xfrm>
+            <a:off x="1784901" y="1170844"/>
+            <a:ext cx="8622198" cy="5342498"/>
+          </a:xfrm>
+          <a:prstGeom prst="rect">
+            <a:avLst/>
+          </a:prstGeom>
+        </p:spPr>
+      </p:pic>
+      <p:sp>
+        <p:nvSpPr>
+          <p:cNvPr id="17" name="楕円 16">
+            <a:extLst>
+              <a:ext uri="{FF2B5EF4-FFF2-40B4-BE49-F238E27FC236}">
+                <a16:creationId xmlns:a16="http://schemas.microsoft.com/office/drawing/2014/main" id="{BA699EC4-DE77-D4A1-EA24-7C6F84D91883}"/>
+              </a:ext>
+            </a:extLst>
+          </p:cNvPr>
+          <p:cNvSpPr/>
+          <p:nvPr/>
+        </p:nvSpPr>
+        <p:spPr>
+          <a:xfrm>
+            <a:off x="7160455" y="5696112"/>
+            <a:ext cx="1828800" cy="760959"/>
+          </a:xfrm>
+          <a:prstGeom prst="ellipse">
+            <a:avLst/>
+          </a:prstGeom>
+          <a:noFill/>
+          <a:ln w="63500">
+            <a:solidFill>
+              <a:srgbClr val="FF0000"/>
+            </a:solidFill>
+          </a:ln>
+        </p:spPr>
+        <p:style>
+          <a:lnRef idx="2">
+            <a:schemeClr val="accent1">
+              <a:shade val="15000"/>
+            </a:schemeClr>
+          </a:lnRef>
+          <a:fillRef idx="1">
+            <a:schemeClr val="accent1"/>
+          </a:fillRef>
+          <a:effectRef idx="0">
+            <a:schemeClr val="accent1"/>
+          </a:effectRef>
+          <a:fontRef idx="minor">
+            <a:schemeClr val="lt1"/>
+          </a:fontRef>
+        </p:style>
+        <p:txBody>
+          <a:bodyPr rtlCol="0" anchor="ctr"/>
+          <a:lstStyle/>
+          <a:p>
+            <a:pPr algn="ctr"/>
+            <a:endParaRPr kumimoji="1" lang="ja-JP" altLang="en-US"/>
+          </a:p>
+        </p:txBody>
+      </p:sp>
     </p:spTree>
     <p:extLst>
       <p:ext uri="{BB962C8B-B14F-4D97-AF65-F5344CB8AC3E}">
@@ -19132,7 +20800,7 @@
         <p:cNvPr id="1" name="">
           <a:extLst>
             <a:ext uri="{FF2B5EF4-FFF2-40B4-BE49-F238E27FC236}">
-              <a16:creationId xmlns:a16="http://schemas.microsoft.com/office/drawing/2014/main" id="{400EAA34-E282-BC65-5D49-BC922FBBCEF1}"/>
+              <a16:creationId xmlns:a16="http://schemas.microsoft.com/office/drawing/2014/main" id="{8B61CD8C-5180-D66C-D352-F8A6B4866F23}"/>
             </a:ext>
           </a:extLst>
         </p:cNvPr>
@@ -19152,7 +20820,7 @@
           <p:cNvPr id="4" name="テキスト ボックス 3">
             <a:extLst>
               <a:ext uri="{FF2B5EF4-FFF2-40B4-BE49-F238E27FC236}">
-                <a16:creationId xmlns:a16="http://schemas.microsoft.com/office/drawing/2014/main" id="{1BB3DE54-FAFD-12E2-8D95-E78B5F4F2BB3}"/>
+                <a16:creationId xmlns:a16="http://schemas.microsoft.com/office/drawing/2014/main" id="{2217CDCD-B330-1C21-56FB-FD0BEC428844}"/>
               </a:ext>
             </a:extLst>
           </p:cNvPr>
@@ -19187,12 +20855,20 @@
               <a:t>ソフトの主要操作－</a:t>
             </a:r>
             <a:r>
+              <a:rPr lang="en-US" altLang="ja-JP" sz="2800" b="1" spc="1000" dirty="0" err="1">
+                <a:solidFill>
+                  <a:schemeClr val="bg1"/>
+                </a:solidFill>
+              </a:rPr>
+              <a:t>FreeCAD</a:t>
+            </a:r>
+            <a:r>
               <a:rPr lang="ja-JP" altLang="en-US" sz="2800" b="1" spc="1000" dirty="0">
                 <a:solidFill>
                   <a:schemeClr val="bg1"/>
                 </a:solidFill>
               </a:rPr>
-              <a:t>ソフトの初期設定</a:t>
+              <a:t>のインストール</a:t>
             </a:r>
             <a:endParaRPr kumimoji="1" lang="ja-JP" altLang="en-US" sz="4000" b="1" spc="1000" dirty="0">
               <a:solidFill>
@@ -19202,10 +20878,1230 @@
           </a:p>
         </p:txBody>
       </p:sp>
+      <p:pic>
+        <p:nvPicPr>
+          <p:cNvPr id="6" name="図 5">
+            <a:extLst>
+              <a:ext uri="{FF2B5EF4-FFF2-40B4-BE49-F238E27FC236}">
+                <a16:creationId xmlns:a16="http://schemas.microsoft.com/office/drawing/2014/main" id="{FF7C4ED9-7EE7-AB94-E18A-0662F64963C1}"/>
+              </a:ext>
+            </a:extLst>
+          </p:cNvPr>
+          <p:cNvPicPr>
+            <a:picLocks noChangeAspect="1"/>
+          </p:cNvPicPr>
+          <p:nvPr/>
+        </p:nvPicPr>
+        <p:blipFill>
+          <a:blip r:embed="rId3"/>
+          <a:stretch>
+            <a:fillRect/>
+          </a:stretch>
+        </p:blipFill>
+        <p:spPr>
+          <a:xfrm>
+            <a:off x="1387646" y="1162343"/>
+            <a:ext cx="8783296" cy="5442318"/>
+          </a:xfrm>
+          <a:prstGeom prst="rect">
+            <a:avLst/>
+          </a:prstGeom>
+        </p:spPr>
+      </p:pic>
+      <p:sp>
+        <p:nvSpPr>
+          <p:cNvPr id="2" name="楕円 1">
+            <a:extLst>
+              <a:ext uri="{FF2B5EF4-FFF2-40B4-BE49-F238E27FC236}">
+                <a16:creationId xmlns:a16="http://schemas.microsoft.com/office/drawing/2014/main" id="{0059EF45-5240-2E49-EBFC-D2C98206E6E2}"/>
+              </a:ext>
+            </a:extLst>
+          </p:cNvPr>
+          <p:cNvSpPr/>
+          <p:nvPr/>
+        </p:nvSpPr>
+        <p:spPr>
+          <a:xfrm>
+            <a:off x="6794695" y="5824025"/>
+            <a:ext cx="1828800" cy="760959"/>
+          </a:xfrm>
+          <a:prstGeom prst="ellipse">
+            <a:avLst/>
+          </a:prstGeom>
+          <a:noFill/>
+          <a:ln w="63500">
+            <a:solidFill>
+              <a:srgbClr val="FF0000"/>
+            </a:solidFill>
+          </a:ln>
+        </p:spPr>
+        <p:style>
+          <a:lnRef idx="2">
+            <a:schemeClr val="accent1">
+              <a:shade val="15000"/>
+            </a:schemeClr>
+          </a:lnRef>
+          <a:fillRef idx="1">
+            <a:schemeClr val="accent1"/>
+          </a:fillRef>
+          <a:effectRef idx="0">
+            <a:schemeClr val="accent1"/>
+          </a:effectRef>
+          <a:fontRef idx="minor">
+            <a:schemeClr val="lt1"/>
+          </a:fontRef>
+        </p:style>
+        <p:txBody>
+          <a:bodyPr rtlCol="0" anchor="ctr"/>
+          <a:lstStyle/>
+          <a:p>
+            <a:pPr algn="ctr"/>
+            <a:endParaRPr kumimoji="1" lang="ja-JP" altLang="en-US"/>
+          </a:p>
+        </p:txBody>
+      </p:sp>
     </p:spTree>
     <p:extLst>
       <p:ext uri="{BB962C8B-B14F-4D97-AF65-F5344CB8AC3E}">
-        <p14:creationId xmlns:p14="http://schemas.microsoft.com/office/powerpoint/2010/main" val="2564032759"/>
+        <p14:creationId xmlns:p14="http://schemas.microsoft.com/office/powerpoint/2010/main" val="2597736795"/>
+      </p:ext>
+    </p:extLst>
+  </p:cSld>
+  <p:clrMapOvr>
+    <a:masterClrMapping/>
+  </p:clrMapOvr>
+</p:sld>
+</file>
+
+<file path=ppt/slides/slide34.xml><?xml version="1.0" encoding="utf-8"?>
+<p:sld xmlns:a="http://schemas.openxmlformats.org/drawingml/2006/main" xmlns:r="http://schemas.openxmlformats.org/officeDocument/2006/relationships" xmlns:p="http://schemas.openxmlformats.org/presentationml/2006/main">
+  <p:cSld>
+    <p:spTree>
+      <p:nvGrpSpPr>
+        <p:cNvPr id="1" name="">
+          <a:extLst>
+            <a:ext uri="{FF2B5EF4-FFF2-40B4-BE49-F238E27FC236}">
+              <a16:creationId xmlns:a16="http://schemas.microsoft.com/office/drawing/2014/main" id="{EB15A977-F73C-52C9-4991-BC32B770D7AA}"/>
+            </a:ext>
+          </a:extLst>
+        </p:cNvPr>
+        <p:cNvGrpSpPr/>
+        <p:nvPr/>
+      </p:nvGrpSpPr>
+      <p:grpSpPr>
+        <a:xfrm>
+          <a:off x="0" y="0"/>
+          <a:ext cx="0" cy="0"/>
+          <a:chOff x="0" y="0"/>
+          <a:chExt cx="0" cy="0"/>
+        </a:xfrm>
+      </p:grpSpPr>
+      <p:sp>
+        <p:nvSpPr>
+          <p:cNvPr id="4" name="テキスト ボックス 3">
+            <a:extLst>
+              <a:ext uri="{FF2B5EF4-FFF2-40B4-BE49-F238E27FC236}">
+                <a16:creationId xmlns:a16="http://schemas.microsoft.com/office/drawing/2014/main" id="{B4C1FCF9-D6CB-325B-2D02-CB0643569EAF}"/>
+              </a:ext>
+            </a:extLst>
+          </p:cNvPr>
+          <p:cNvSpPr txBox="1"/>
+          <p:nvPr/>
+        </p:nvSpPr>
+        <p:spPr>
+          <a:xfrm>
+            <a:off x="1" y="114464"/>
+            <a:ext cx="12192000" cy="760959"/>
+          </a:xfrm>
+          <a:prstGeom prst="rect">
+            <a:avLst/>
+          </a:prstGeom>
+          <a:solidFill>
+            <a:srgbClr val="002060"/>
+          </a:solidFill>
+        </p:spPr>
+        <p:txBody>
+          <a:bodyPr wrap="square" tIns="72000" bIns="72000" rtlCol="0">
+            <a:spAutoFit/>
+          </a:bodyPr>
+          <a:lstStyle/>
+          <a:p>
+            <a:pPr marL="360000"/>
+            <a:r>
+              <a:rPr lang="ja-JP" altLang="en-US" sz="4000" b="1" spc="1000" dirty="0">
+                <a:solidFill>
+                  <a:schemeClr val="bg1"/>
+                </a:solidFill>
+              </a:rPr>
+              <a:t>ソフトの主要操作－</a:t>
+            </a:r>
+            <a:r>
+              <a:rPr lang="en-US" altLang="ja-JP" sz="2800" b="1" spc="1000" dirty="0" err="1">
+                <a:solidFill>
+                  <a:schemeClr val="bg1"/>
+                </a:solidFill>
+              </a:rPr>
+              <a:t>FreeCAD</a:t>
+            </a:r>
+            <a:r>
+              <a:rPr lang="ja-JP" altLang="en-US" sz="2800" b="1" spc="1000" dirty="0">
+                <a:solidFill>
+                  <a:schemeClr val="bg1"/>
+                </a:solidFill>
+              </a:rPr>
+              <a:t>のインストール</a:t>
+            </a:r>
+            <a:endParaRPr kumimoji="1" lang="ja-JP" altLang="en-US" sz="4000" b="1" spc="1000" dirty="0">
+              <a:solidFill>
+                <a:schemeClr val="bg1"/>
+              </a:solidFill>
+            </a:endParaRPr>
+          </a:p>
+        </p:txBody>
+      </p:sp>
+      <p:pic>
+        <p:nvPicPr>
+          <p:cNvPr id="8" name="図 7">
+            <a:extLst>
+              <a:ext uri="{FF2B5EF4-FFF2-40B4-BE49-F238E27FC236}">
+                <a16:creationId xmlns:a16="http://schemas.microsoft.com/office/drawing/2014/main" id="{0BFB8372-A126-1B61-2671-0AF6AEB46CB0}"/>
+              </a:ext>
+            </a:extLst>
+          </p:cNvPr>
+          <p:cNvPicPr>
+            <a:picLocks noChangeAspect="1"/>
+          </p:cNvPicPr>
+          <p:nvPr/>
+        </p:nvPicPr>
+        <p:blipFill>
+          <a:blip r:embed="rId3"/>
+          <a:stretch>
+            <a:fillRect/>
+          </a:stretch>
+        </p:blipFill>
+        <p:spPr>
+          <a:xfrm>
+            <a:off x="1877606" y="1229457"/>
+            <a:ext cx="8436788" cy="5227614"/>
+          </a:xfrm>
+          <a:prstGeom prst="rect">
+            <a:avLst/>
+          </a:prstGeom>
+        </p:spPr>
+      </p:pic>
+      <p:sp>
+        <p:nvSpPr>
+          <p:cNvPr id="2" name="楕円 1">
+            <a:extLst>
+              <a:ext uri="{FF2B5EF4-FFF2-40B4-BE49-F238E27FC236}">
+                <a16:creationId xmlns:a16="http://schemas.microsoft.com/office/drawing/2014/main" id="{314A1C84-DF74-0167-1A51-EAE8BCC78479}"/>
+              </a:ext>
+            </a:extLst>
+          </p:cNvPr>
+          <p:cNvSpPr/>
+          <p:nvPr/>
+        </p:nvSpPr>
+        <p:spPr>
+          <a:xfrm>
+            <a:off x="7160455" y="5696112"/>
+            <a:ext cx="1828800" cy="760959"/>
+          </a:xfrm>
+          <a:prstGeom prst="ellipse">
+            <a:avLst/>
+          </a:prstGeom>
+          <a:noFill/>
+          <a:ln w="63500">
+            <a:solidFill>
+              <a:srgbClr val="FF0000"/>
+            </a:solidFill>
+          </a:ln>
+        </p:spPr>
+        <p:style>
+          <a:lnRef idx="2">
+            <a:schemeClr val="accent1">
+              <a:shade val="15000"/>
+            </a:schemeClr>
+          </a:lnRef>
+          <a:fillRef idx="1">
+            <a:schemeClr val="accent1"/>
+          </a:fillRef>
+          <a:effectRef idx="0">
+            <a:schemeClr val="accent1"/>
+          </a:effectRef>
+          <a:fontRef idx="minor">
+            <a:schemeClr val="lt1"/>
+          </a:fontRef>
+        </p:style>
+        <p:txBody>
+          <a:bodyPr rtlCol="0" anchor="ctr"/>
+          <a:lstStyle/>
+          <a:p>
+            <a:pPr algn="ctr"/>
+            <a:endParaRPr kumimoji="1" lang="ja-JP" altLang="en-US"/>
+          </a:p>
+        </p:txBody>
+      </p:sp>
+      <p:sp>
+        <p:nvSpPr>
+          <p:cNvPr id="5" name="楕円 4">
+            <a:extLst>
+              <a:ext uri="{FF2B5EF4-FFF2-40B4-BE49-F238E27FC236}">
+                <a16:creationId xmlns:a16="http://schemas.microsoft.com/office/drawing/2014/main" id="{5D745A36-D307-1816-DBDF-45F7880AB581}"/>
+              </a:ext>
+            </a:extLst>
+          </p:cNvPr>
+          <p:cNvSpPr/>
+          <p:nvPr/>
+        </p:nvSpPr>
+        <p:spPr>
+          <a:xfrm>
+            <a:off x="2417297" y="3843264"/>
+            <a:ext cx="2492327" cy="760959"/>
+          </a:xfrm>
+          <a:prstGeom prst="ellipse">
+            <a:avLst/>
+          </a:prstGeom>
+          <a:noFill/>
+          <a:ln w="63500">
+            <a:solidFill>
+              <a:srgbClr val="FF0000"/>
+            </a:solidFill>
+          </a:ln>
+        </p:spPr>
+        <p:style>
+          <a:lnRef idx="2">
+            <a:schemeClr val="accent1">
+              <a:shade val="15000"/>
+            </a:schemeClr>
+          </a:lnRef>
+          <a:fillRef idx="1">
+            <a:schemeClr val="accent1"/>
+          </a:fillRef>
+          <a:effectRef idx="0">
+            <a:schemeClr val="accent1"/>
+          </a:effectRef>
+          <a:fontRef idx="minor">
+            <a:schemeClr val="lt1"/>
+          </a:fontRef>
+        </p:style>
+        <p:txBody>
+          <a:bodyPr rtlCol="0" anchor="ctr"/>
+          <a:lstStyle/>
+          <a:p>
+            <a:pPr algn="ctr"/>
+            <a:endParaRPr kumimoji="1" lang="ja-JP" altLang="en-US"/>
+          </a:p>
+        </p:txBody>
+      </p:sp>
+    </p:spTree>
+    <p:extLst>
+      <p:ext uri="{BB962C8B-B14F-4D97-AF65-F5344CB8AC3E}">
+        <p14:creationId xmlns:p14="http://schemas.microsoft.com/office/powerpoint/2010/main" val="3140117284"/>
+      </p:ext>
+    </p:extLst>
+  </p:cSld>
+  <p:clrMapOvr>
+    <a:masterClrMapping/>
+  </p:clrMapOvr>
+</p:sld>
+</file>
+
+<file path=ppt/slides/slide35.xml><?xml version="1.0" encoding="utf-8"?>
+<p:sld xmlns:a="http://schemas.openxmlformats.org/drawingml/2006/main" xmlns:r="http://schemas.openxmlformats.org/officeDocument/2006/relationships" xmlns:p="http://schemas.openxmlformats.org/presentationml/2006/main">
+  <p:cSld>
+    <p:spTree>
+      <p:nvGrpSpPr>
+        <p:cNvPr id="1" name="">
+          <a:extLst>
+            <a:ext uri="{FF2B5EF4-FFF2-40B4-BE49-F238E27FC236}">
+              <a16:creationId xmlns:a16="http://schemas.microsoft.com/office/drawing/2014/main" id="{2842228E-C5CC-763B-D1DE-474EBDDF1E40}"/>
+            </a:ext>
+          </a:extLst>
+        </p:cNvPr>
+        <p:cNvGrpSpPr/>
+        <p:nvPr/>
+      </p:nvGrpSpPr>
+      <p:grpSpPr>
+        <a:xfrm>
+          <a:off x="0" y="0"/>
+          <a:ext cx="0" cy="0"/>
+          <a:chOff x="0" y="0"/>
+          <a:chExt cx="0" cy="0"/>
+        </a:xfrm>
+      </p:grpSpPr>
+      <p:sp>
+        <p:nvSpPr>
+          <p:cNvPr id="4" name="テキスト ボックス 3">
+            <a:extLst>
+              <a:ext uri="{FF2B5EF4-FFF2-40B4-BE49-F238E27FC236}">
+                <a16:creationId xmlns:a16="http://schemas.microsoft.com/office/drawing/2014/main" id="{55235459-005B-EC4E-EEAF-87D12E2DFD4B}"/>
+              </a:ext>
+            </a:extLst>
+          </p:cNvPr>
+          <p:cNvSpPr txBox="1"/>
+          <p:nvPr/>
+        </p:nvSpPr>
+        <p:spPr>
+          <a:xfrm>
+            <a:off x="1" y="114464"/>
+            <a:ext cx="12192000" cy="760959"/>
+          </a:xfrm>
+          <a:prstGeom prst="rect">
+            <a:avLst/>
+          </a:prstGeom>
+          <a:solidFill>
+            <a:srgbClr val="002060"/>
+          </a:solidFill>
+        </p:spPr>
+        <p:txBody>
+          <a:bodyPr wrap="square" tIns="72000" bIns="72000" rtlCol="0">
+            <a:spAutoFit/>
+          </a:bodyPr>
+          <a:lstStyle/>
+          <a:p>
+            <a:pPr marL="360000"/>
+            <a:r>
+              <a:rPr lang="ja-JP" altLang="en-US" sz="4000" b="1" spc="1000" dirty="0">
+                <a:solidFill>
+                  <a:schemeClr val="bg1"/>
+                </a:solidFill>
+              </a:rPr>
+              <a:t>ソフトの主要操作－</a:t>
+            </a:r>
+            <a:r>
+              <a:rPr lang="en-US" altLang="ja-JP" sz="2800" b="1" spc="1000" dirty="0" err="1">
+                <a:solidFill>
+                  <a:schemeClr val="bg1"/>
+                </a:solidFill>
+              </a:rPr>
+              <a:t>FreeCAD</a:t>
+            </a:r>
+            <a:r>
+              <a:rPr lang="ja-JP" altLang="en-US" sz="2800" b="1" spc="1000" dirty="0">
+                <a:solidFill>
+                  <a:schemeClr val="bg1"/>
+                </a:solidFill>
+              </a:rPr>
+              <a:t>のインストール</a:t>
+            </a:r>
+            <a:endParaRPr kumimoji="1" lang="ja-JP" altLang="en-US" sz="4000" b="1" spc="1000" dirty="0">
+              <a:solidFill>
+                <a:schemeClr val="bg1"/>
+              </a:solidFill>
+            </a:endParaRPr>
+          </a:p>
+        </p:txBody>
+      </p:sp>
+      <p:pic>
+        <p:nvPicPr>
+          <p:cNvPr id="10" name="図 9">
+            <a:extLst>
+              <a:ext uri="{FF2B5EF4-FFF2-40B4-BE49-F238E27FC236}">
+                <a16:creationId xmlns:a16="http://schemas.microsoft.com/office/drawing/2014/main" id="{8E2E2FBD-0B9F-7996-29AA-08FBF0A6B29B}"/>
+              </a:ext>
+            </a:extLst>
+          </p:cNvPr>
+          <p:cNvPicPr>
+            <a:picLocks noChangeAspect="1"/>
+          </p:cNvPicPr>
+          <p:nvPr/>
+        </p:nvPicPr>
+        <p:blipFill>
+          <a:blip r:embed="rId3"/>
+          <a:stretch>
+            <a:fillRect/>
+          </a:stretch>
+        </p:blipFill>
+        <p:spPr>
+          <a:xfrm>
+            <a:off x="1746555" y="1151792"/>
+            <a:ext cx="8698890" cy="5390018"/>
+          </a:xfrm>
+          <a:prstGeom prst="rect">
+            <a:avLst/>
+          </a:prstGeom>
+        </p:spPr>
+      </p:pic>
+      <p:sp>
+        <p:nvSpPr>
+          <p:cNvPr id="2" name="楕円 1">
+            <a:extLst>
+              <a:ext uri="{FF2B5EF4-FFF2-40B4-BE49-F238E27FC236}">
+                <a16:creationId xmlns:a16="http://schemas.microsoft.com/office/drawing/2014/main" id="{05BF6456-2DAF-DDB8-79B9-BF8E6363FA04}"/>
+              </a:ext>
+            </a:extLst>
+          </p:cNvPr>
+          <p:cNvSpPr/>
+          <p:nvPr/>
+        </p:nvSpPr>
+        <p:spPr>
+          <a:xfrm>
+            <a:off x="7202658" y="5780851"/>
+            <a:ext cx="1828800" cy="760959"/>
+          </a:xfrm>
+          <a:prstGeom prst="ellipse">
+            <a:avLst/>
+          </a:prstGeom>
+          <a:noFill/>
+          <a:ln w="63500">
+            <a:solidFill>
+              <a:srgbClr val="FF0000"/>
+            </a:solidFill>
+          </a:ln>
+        </p:spPr>
+        <p:style>
+          <a:lnRef idx="2">
+            <a:schemeClr val="accent1">
+              <a:shade val="15000"/>
+            </a:schemeClr>
+          </a:lnRef>
+          <a:fillRef idx="1">
+            <a:schemeClr val="accent1"/>
+          </a:fillRef>
+          <a:effectRef idx="0">
+            <a:schemeClr val="accent1"/>
+          </a:effectRef>
+          <a:fontRef idx="minor">
+            <a:schemeClr val="lt1"/>
+          </a:fontRef>
+        </p:style>
+        <p:txBody>
+          <a:bodyPr rtlCol="0" anchor="ctr"/>
+          <a:lstStyle/>
+          <a:p>
+            <a:pPr algn="ctr"/>
+            <a:endParaRPr kumimoji="1" lang="ja-JP" altLang="en-US"/>
+          </a:p>
+        </p:txBody>
+      </p:sp>
+    </p:spTree>
+    <p:extLst>
+      <p:ext uri="{BB962C8B-B14F-4D97-AF65-F5344CB8AC3E}">
+        <p14:creationId xmlns:p14="http://schemas.microsoft.com/office/powerpoint/2010/main" val="400500243"/>
+      </p:ext>
+    </p:extLst>
+  </p:cSld>
+  <p:clrMapOvr>
+    <a:masterClrMapping/>
+  </p:clrMapOvr>
+</p:sld>
+</file>
+
+<file path=ppt/slides/slide36.xml><?xml version="1.0" encoding="utf-8"?>
+<p:sld xmlns:a="http://schemas.openxmlformats.org/drawingml/2006/main" xmlns:r="http://schemas.openxmlformats.org/officeDocument/2006/relationships" xmlns:p="http://schemas.openxmlformats.org/presentationml/2006/main">
+  <p:cSld>
+    <p:spTree>
+      <p:nvGrpSpPr>
+        <p:cNvPr id="1" name="">
+          <a:extLst>
+            <a:ext uri="{FF2B5EF4-FFF2-40B4-BE49-F238E27FC236}">
+              <a16:creationId xmlns:a16="http://schemas.microsoft.com/office/drawing/2014/main" id="{F03495B8-BA9D-1EC2-E0AD-EEFAF5DCB551}"/>
+            </a:ext>
+          </a:extLst>
+        </p:cNvPr>
+        <p:cNvGrpSpPr/>
+        <p:nvPr/>
+      </p:nvGrpSpPr>
+      <p:grpSpPr>
+        <a:xfrm>
+          <a:off x="0" y="0"/>
+          <a:ext cx="0" cy="0"/>
+          <a:chOff x="0" y="0"/>
+          <a:chExt cx="0" cy="0"/>
+        </a:xfrm>
+      </p:grpSpPr>
+      <p:sp>
+        <p:nvSpPr>
+          <p:cNvPr id="4" name="テキスト ボックス 3">
+            <a:extLst>
+              <a:ext uri="{FF2B5EF4-FFF2-40B4-BE49-F238E27FC236}">
+                <a16:creationId xmlns:a16="http://schemas.microsoft.com/office/drawing/2014/main" id="{53069391-595C-6660-7E5A-31F3E6A174D9}"/>
+              </a:ext>
+            </a:extLst>
+          </p:cNvPr>
+          <p:cNvSpPr txBox="1"/>
+          <p:nvPr/>
+        </p:nvSpPr>
+        <p:spPr>
+          <a:xfrm>
+            <a:off x="1" y="114464"/>
+            <a:ext cx="12192000" cy="760959"/>
+          </a:xfrm>
+          <a:prstGeom prst="rect">
+            <a:avLst/>
+          </a:prstGeom>
+          <a:solidFill>
+            <a:srgbClr val="002060"/>
+          </a:solidFill>
+        </p:spPr>
+        <p:txBody>
+          <a:bodyPr wrap="square" tIns="72000" bIns="72000" rtlCol="0">
+            <a:spAutoFit/>
+          </a:bodyPr>
+          <a:lstStyle/>
+          <a:p>
+            <a:pPr marL="360000"/>
+            <a:r>
+              <a:rPr lang="ja-JP" altLang="en-US" sz="4000" b="1" spc="1000" dirty="0">
+                <a:solidFill>
+                  <a:schemeClr val="bg1"/>
+                </a:solidFill>
+              </a:rPr>
+              <a:t>ソフトの主要操作－</a:t>
+            </a:r>
+            <a:r>
+              <a:rPr lang="en-US" altLang="ja-JP" sz="2800" b="1" spc="1000" dirty="0" err="1">
+                <a:solidFill>
+                  <a:schemeClr val="bg1"/>
+                </a:solidFill>
+              </a:rPr>
+              <a:t>FreeCAD</a:t>
+            </a:r>
+            <a:r>
+              <a:rPr lang="ja-JP" altLang="en-US" sz="2800" b="1" spc="1000" dirty="0">
+                <a:solidFill>
+                  <a:schemeClr val="bg1"/>
+                </a:solidFill>
+              </a:rPr>
+              <a:t>のインストール</a:t>
+            </a:r>
+            <a:endParaRPr kumimoji="1" lang="ja-JP" altLang="en-US" sz="4000" b="1" spc="1000" dirty="0">
+              <a:solidFill>
+                <a:schemeClr val="bg1"/>
+              </a:solidFill>
+            </a:endParaRPr>
+          </a:p>
+        </p:txBody>
+      </p:sp>
+      <p:pic>
+        <p:nvPicPr>
+          <p:cNvPr id="12" name="図 11">
+            <a:extLst>
+              <a:ext uri="{FF2B5EF4-FFF2-40B4-BE49-F238E27FC236}">
+                <a16:creationId xmlns:a16="http://schemas.microsoft.com/office/drawing/2014/main" id="{782A5444-6ACE-F830-B8EA-9990A0BB75F2}"/>
+              </a:ext>
+            </a:extLst>
+          </p:cNvPr>
+          <p:cNvPicPr>
+            <a:picLocks noChangeAspect="1"/>
+          </p:cNvPicPr>
+          <p:nvPr/>
+        </p:nvPicPr>
+        <p:blipFill>
+          <a:blip r:embed="rId3"/>
+          <a:stretch>
+            <a:fillRect/>
+          </a:stretch>
+        </p:blipFill>
+        <p:spPr>
+          <a:xfrm>
+            <a:off x="1765495" y="1164100"/>
+            <a:ext cx="8661010" cy="5366547"/>
+          </a:xfrm>
+          <a:prstGeom prst="rect">
+            <a:avLst/>
+          </a:prstGeom>
+        </p:spPr>
+      </p:pic>
+      <p:sp>
+        <p:nvSpPr>
+          <p:cNvPr id="2" name="楕円 1">
+            <a:extLst>
+              <a:ext uri="{FF2B5EF4-FFF2-40B4-BE49-F238E27FC236}">
+                <a16:creationId xmlns:a16="http://schemas.microsoft.com/office/drawing/2014/main" id="{3F371F42-93AF-C3AF-BAE6-E64ACA1B3D4E}"/>
+              </a:ext>
+            </a:extLst>
+          </p:cNvPr>
+          <p:cNvSpPr/>
+          <p:nvPr/>
+        </p:nvSpPr>
+        <p:spPr>
+          <a:xfrm>
+            <a:off x="7188590" y="5769688"/>
+            <a:ext cx="1828800" cy="760959"/>
+          </a:xfrm>
+          <a:prstGeom prst="ellipse">
+            <a:avLst/>
+          </a:prstGeom>
+          <a:noFill/>
+          <a:ln w="63500">
+            <a:solidFill>
+              <a:srgbClr val="FF0000"/>
+            </a:solidFill>
+          </a:ln>
+        </p:spPr>
+        <p:style>
+          <a:lnRef idx="2">
+            <a:schemeClr val="accent1">
+              <a:shade val="15000"/>
+            </a:schemeClr>
+          </a:lnRef>
+          <a:fillRef idx="1">
+            <a:schemeClr val="accent1"/>
+          </a:fillRef>
+          <a:effectRef idx="0">
+            <a:schemeClr val="accent1"/>
+          </a:effectRef>
+          <a:fontRef idx="minor">
+            <a:schemeClr val="lt1"/>
+          </a:fontRef>
+        </p:style>
+        <p:txBody>
+          <a:bodyPr rtlCol="0" anchor="ctr"/>
+          <a:lstStyle/>
+          <a:p>
+            <a:pPr algn="ctr"/>
+            <a:endParaRPr kumimoji="1" lang="ja-JP" altLang="en-US"/>
+          </a:p>
+        </p:txBody>
+      </p:sp>
+    </p:spTree>
+    <p:extLst>
+      <p:ext uri="{BB962C8B-B14F-4D97-AF65-F5344CB8AC3E}">
+        <p14:creationId xmlns:p14="http://schemas.microsoft.com/office/powerpoint/2010/main" val="280142396"/>
+      </p:ext>
+    </p:extLst>
+  </p:cSld>
+  <p:clrMapOvr>
+    <a:masterClrMapping/>
+  </p:clrMapOvr>
+</p:sld>
+</file>
+
+<file path=ppt/slides/slide37.xml><?xml version="1.0" encoding="utf-8"?>
+<p:sld xmlns:a="http://schemas.openxmlformats.org/drawingml/2006/main" xmlns:r="http://schemas.openxmlformats.org/officeDocument/2006/relationships" xmlns:p="http://schemas.openxmlformats.org/presentationml/2006/main">
+  <p:cSld>
+    <p:spTree>
+      <p:nvGrpSpPr>
+        <p:cNvPr id="1" name="">
+          <a:extLst>
+            <a:ext uri="{FF2B5EF4-FFF2-40B4-BE49-F238E27FC236}">
+              <a16:creationId xmlns:a16="http://schemas.microsoft.com/office/drawing/2014/main" id="{78D8884C-1B1C-5F8D-FC0D-5B50913BACD9}"/>
+            </a:ext>
+          </a:extLst>
+        </p:cNvPr>
+        <p:cNvGrpSpPr/>
+        <p:nvPr/>
+      </p:nvGrpSpPr>
+      <p:grpSpPr>
+        <a:xfrm>
+          <a:off x="0" y="0"/>
+          <a:ext cx="0" cy="0"/>
+          <a:chOff x="0" y="0"/>
+          <a:chExt cx="0" cy="0"/>
+        </a:xfrm>
+      </p:grpSpPr>
+      <p:sp>
+        <p:nvSpPr>
+          <p:cNvPr id="4" name="テキスト ボックス 3">
+            <a:extLst>
+              <a:ext uri="{FF2B5EF4-FFF2-40B4-BE49-F238E27FC236}">
+                <a16:creationId xmlns:a16="http://schemas.microsoft.com/office/drawing/2014/main" id="{A64E5658-EE84-5AE3-7166-A69C1B575FE3}"/>
+              </a:ext>
+            </a:extLst>
+          </p:cNvPr>
+          <p:cNvSpPr txBox="1"/>
+          <p:nvPr/>
+        </p:nvSpPr>
+        <p:spPr>
+          <a:xfrm>
+            <a:off x="1" y="114464"/>
+            <a:ext cx="12192000" cy="760959"/>
+          </a:xfrm>
+          <a:prstGeom prst="rect">
+            <a:avLst/>
+          </a:prstGeom>
+          <a:solidFill>
+            <a:srgbClr val="002060"/>
+          </a:solidFill>
+        </p:spPr>
+        <p:txBody>
+          <a:bodyPr wrap="square" tIns="72000" bIns="72000" rtlCol="0">
+            <a:spAutoFit/>
+          </a:bodyPr>
+          <a:lstStyle/>
+          <a:p>
+            <a:pPr marL="360000"/>
+            <a:r>
+              <a:rPr lang="ja-JP" altLang="en-US" sz="4000" b="1" spc="1000" dirty="0">
+                <a:solidFill>
+                  <a:schemeClr val="bg1"/>
+                </a:solidFill>
+              </a:rPr>
+              <a:t>ソフトの主要操作－</a:t>
+            </a:r>
+            <a:r>
+              <a:rPr lang="en-US" altLang="ja-JP" sz="2800" b="1" spc="1000" dirty="0" err="1">
+                <a:solidFill>
+                  <a:schemeClr val="bg1"/>
+                </a:solidFill>
+              </a:rPr>
+              <a:t>FreeCAD</a:t>
+            </a:r>
+            <a:r>
+              <a:rPr lang="ja-JP" altLang="en-US" sz="2800" b="1" spc="1000" dirty="0">
+                <a:solidFill>
+                  <a:schemeClr val="bg1"/>
+                </a:solidFill>
+              </a:rPr>
+              <a:t>のインストール</a:t>
+            </a:r>
+            <a:endParaRPr kumimoji="1" lang="ja-JP" altLang="en-US" sz="4000" b="1" spc="1000" dirty="0">
+              <a:solidFill>
+                <a:schemeClr val="bg1"/>
+              </a:solidFill>
+            </a:endParaRPr>
+          </a:p>
+        </p:txBody>
+      </p:sp>
+      <p:pic>
+        <p:nvPicPr>
+          <p:cNvPr id="14" name="図 13">
+            <a:extLst>
+              <a:ext uri="{FF2B5EF4-FFF2-40B4-BE49-F238E27FC236}">
+                <a16:creationId xmlns:a16="http://schemas.microsoft.com/office/drawing/2014/main" id="{818E9967-DFF4-DFA4-1573-35BCE6ED8ABE}"/>
+              </a:ext>
+            </a:extLst>
+          </p:cNvPr>
+          <p:cNvPicPr>
+            <a:picLocks noChangeAspect="1"/>
+          </p:cNvPicPr>
+          <p:nvPr/>
+        </p:nvPicPr>
+        <p:blipFill>
+          <a:blip r:embed="rId3"/>
+          <a:stretch>
+            <a:fillRect/>
+          </a:stretch>
+        </p:blipFill>
+        <p:spPr>
+          <a:xfrm>
+            <a:off x="1802825" y="1222130"/>
+            <a:ext cx="8586349" cy="5320285"/>
+          </a:xfrm>
+          <a:prstGeom prst="rect">
+            <a:avLst/>
+          </a:prstGeom>
+        </p:spPr>
+      </p:pic>
+      <p:sp>
+        <p:nvSpPr>
+          <p:cNvPr id="2" name="楕円 1">
+            <a:extLst>
+              <a:ext uri="{FF2B5EF4-FFF2-40B4-BE49-F238E27FC236}">
+                <a16:creationId xmlns:a16="http://schemas.microsoft.com/office/drawing/2014/main" id="{51620851-3DFA-42D2-9D34-3DB7D9D65716}"/>
+              </a:ext>
+            </a:extLst>
+          </p:cNvPr>
+          <p:cNvSpPr/>
+          <p:nvPr/>
+        </p:nvSpPr>
+        <p:spPr>
+          <a:xfrm>
+            <a:off x="7174523" y="5781456"/>
+            <a:ext cx="1828800" cy="760959"/>
+          </a:xfrm>
+          <a:prstGeom prst="ellipse">
+            <a:avLst/>
+          </a:prstGeom>
+          <a:noFill/>
+          <a:ln w="63500">
+            <a:solidFill>
+              <a:srgbClr val="FF0000"/>
+            </a:solidFill>
+          </a:ln>
+        </p:spPr>
+        <p:style>
+          <a:lnRef idx="2">
+            <a:schemeClr val="accent1">
+              <a:shade val="15000"/>
+            </a:schemeClr>
+          </a:lnRef>
+          <a:fillRef idx="1">
+            <a:schemeClr val="accent1"/>
+          </a:fillRef>
+          <a:effectRef idx="0">
+            <a:schemeClr val="accent1"/>
+          </a:effectRef>
+          <a:fontRef idx="minor">
+            <a:schemeClr val="lt1"/>
+          </a:fontRef>
+        </p:style>
+        <p:txBody>
+          <a:bodyPr rtlCol="0" anchor="ctr"/>
+          <a:lstStyle/>
+          <a:p>
+            <a:pPr algn="ctr"/>
+            <a:endParaRPr kumimoji="1" lang="ja-JP" altLang="en-US"/>
+          </a:p>
+        </p:txBody>
+      </p:sp>
+    </p:spTree>
+    <p:extLst>
+      <p:ext uri="{BB962C8B-B14F-4D97-AF65-F5344CB8AC3E}">
+        <p14:creationId xmlns:p14="http://schemas.microsoft.com/office/powerpoint/2010/main" val="3555924178"/>
+      </p:ext>
+    </p:extLst>
+  </p:cSld>
+  <p:clrMapOvr>
+    <a:masterClrMapping/>
+  </p:clrMapOvr>
+</p:sld>
+</file>
+
+<file path=ppt/slides/slide38.xml><?xml version="1.0" encoding="utf-8"?>
+<p:sld xmlns:a="http://schemas.openxmlformats.org/drawingml/2006/main" xmlns:r="http://schemas.openxmlformats.org/officeDocument/2006/relationships" xmlns:p="http://schemas.openxmlformats.org/presentationml/2006/main">
+  <p:cSld>
+    <p:spTree>
+      <p:nvGrpSpPr>
+        <p:cNvPr id="1" name="">
+          <a:extLst>
+            <a:ext uri="{FF2B5EF4-FFF2-40B4-BE49-F238E27FC236}">
+              <a16:creationId xmlns:a16="http://schemas.microsoft.com/office/drawing/2014/main" id="{E2C5F78F-6F62-D895-F53C-0F65EF7CA3F1}"/>
+            </a:ext>
+          </a:extLst>
+        </p:cNvPr>
+        <p:cNvGrpSpPr/>
+        <p:nvPr/>
+      </p:nvGrpSpPr>
+      <p:grpSpPr>
+        <a:xfrm>
+          <a:off x="0" y="0"/>
+          <a:ext cx="0" cy="0"/>
+          <a:chOff x="0" y="0"/>
+          <a:chExt cx="0" cy="0"/>
+        </a:xfrm>
+      </p:grpSpPr>
+      <p:sp>
+        <p:nvSpPr>
+          <p:cNvPr id="4" name="テキスト ボックス 3">
+            <a:extLst>
+              <a:ext uri="{FF2B5EF4-FFF2-40B4-BE49-F238E27FC236}">
+                <a16:creationId xmlns:a16="http://schemas.microsoft.com/office/drawing/2014/main" id="{55288CFD-D221-3169-A90B-3133CEBB176E}"/>
+              </a:ext>
+            </a:extLst>
+          </p:cNvPr>
+          <p:cNvSpPr txBox="1"/>
+          <p:nvPr/>
+        </p:nvSpPr>
+        <p:spPr>
+          <a:xfrm>
+            <a:off x="1" y="114464"/>
+            <a:ext cx="12192000" cy="760959"/>
+          </a:xfrm>
+          <a:prstGeom prst="rect">
+            <a:avLst/>
+          </a:prstGeom>
+          <a:solidFill>
+            <a:srgbClr val="002060"/>
+          </a:solidFill>
+        </p:spPr>
+        <p:txBody>
+          <a:bodyPr wrap="square" tIns="72000" bIns="72000" rtlCol="0">
+            <a:spAutoFit/>
+          </a:bodyPr>
+          <a:lstStyle/>
+          <a:p>
+            <a:pPr marL="360000"/>
+            <a:r>
+              <a:rPr lang="ja-JP" altLang="en-US" sz="4000" b="1" spc="1000" dirty="0">
+                <a:solidFill>
+                  <a:schemeClr val="bg1"/>
+                </a:solidFill>
+              </a:rPr>
+              <a:t>ソフトの主要操作－</a:t>
+            </a:r>
+            <a:r>
+              <a:rPr lang="en-US" altLang="ja-JP" sz="2800" b="1" spc="1000" dirty="0" err="1">
+                <a:solidFill>
+                  <a:schemeClr val="bg1"/>
+                </a:solidFill>
+              </a:rPr>
+              <a:t>FreeCAD</a:t>
+            </a:r>
+            <a:r>
+              <a:rPr lang="ja-JP" altLang="en-US" sz="2800" b="1" spc="1000" dirty="0">
+                <a:solidFill>
+                  <a:schemeClr val="bg1"/>
+                </a:solidFill>
+              </a:rPr>
+              <a:t>のインストール</a:t>
+            </a:r>
+            <a:endParaRPr kumimoji="1" lang="ja-JP" altLang="en-US" sz="4000" b="1" spc="1000" dirty="0">
+              <a:solidFill>
+                <a:schemeClr val="bg1"/>
+              </a:solidFill>
+            </a:endParaRPr>
+          </a:p>
+        </p:txBody>
+      </p:sp>
+      <p:pic>
+        <p:nvPicPr>
+          <p:cNvPr id="16" name="図 15">
+            <a:extLst>
+              <a:ext uri="{FF2B5EF4-FFF2-40B4-BE49-F238E27FC236}">
+                <a16:creationId xmlns:a16="http://schemas.microsoft.com/office/drawing/2014/main" id="{F3B74536-78AF-29DD-FBC5-6F033598DBD7}"/>
+              </a:ext>
+            </a:extLst>
+          </p:cNvPr>
+          <p:cNvPicPr>
+            <a:picLocks noChangeAspect="1"/>
+          </p:cNvPicPr>
+          <p:nvPr/>
+        </p:nvPicPr>
+        <p:blipFill>
+          <a:blip r:embed="rId3"/>
+          <a:stretch>
+            <a:fillRect/>
+          </a:stretch>
+        </p:blipFill>
+        <p:spPr>
+          <a:xfrm>
+            <a:off x="1883046" y="1250266"/>
+            <a:ext cx="8425907" cy="5220872"/>
+          </a:xfrm>
+          <a:prstGeom prst="rect">
+            <a:avLst/>
+          </a:prstGeom>
+        </p:spPr>
+      </p:pic>
+    </p:spTree>
+    <p:extLst>
+      <p:ext uri="{BB962C8B-B14F-4D97-AF65-F5344CB8AC3E}">
+        <p14:creationId xmlns:p14="http://schemas.microsoft.com/office/powerpoint/2010/main" val="1484572038"/>
+      </p:ext>
+    </p:extLst>
+  </p:cSld>
+  <p:clrMapOvr>
+    <a:masterClrMapping/>
+  </p:clrMapOvr>
+</p:sld>
+</file>
+
+<file path=ppt/slides/slide39.xml><?xml version="1.0" encoding="utf-8"?>
+<p:sld xmlns:a="http://schemas.openxmlformats.org/drawingml/2006/main" xmlns:r="http://schemas.openxmlformats.org/officeDocument/2006/relationships" xmlns:p="http://schemas.openxmlformats.org/presentationml/2006/main">
+  <p:cSld>
+    <p:spTree>
+      <p:nvGrpSpPr>
+        <p:cNvPr id="1" name="">
+          <a:extLst>
+            <a:ext uri="{FF2B5EF4-FFF2-40B4-BE49-F238E27FC236}">
+              <a16:creationId xmlns:a16="http://schemas.microsoft.com/office/drawing/2014/main" id="{06C0F756-1DEC-FB78-8A6B-2A019569B314}"/>
+            </a:ext>
+          </a:extLst>
+        </p:cNvPr>
+        <p:cNvGrpSpPr/>
+        <p:nvPr/>
+      </p:nvGrpSpPr>
+      <p:grpSpPr>
+        <a:xfrm>
+          <a:off x="0" y="0"/>
+          <a:ext cx="0" cy="0"/>
+          <a:chOff x="0" y="0"/>
+          <a:chExt cx="0" cy="0"/>
+        </a:xfrm>
+      </p:grpSpPr>
+      <p:sp>
+        <p:nvSpPr>
+          <p:cNvPr id="4" name="テキスト ボックス 3">
+            <a:extLst>
+              <a:ext uri="{FF2B5EF4-FFF2-40B4-BE49-F238E27FC236}">
+                <a16:creationId xmlns:a16="http://schemas.microsoft.com/office/drawing/2014/main" id="{F39E929A-3A7C-6B77-F370-2AE9FE50C70F}"/>
+              </a:ext>
+            </a:extLst>
+          </p:cNvPr>
+          <p:cNvSpPr txBox="1"/>
+          <p:nvPr/>
+        </p:nvSpPr>
+        <p:spPr>
+          <a:xfrm>
+            <a:off x="1" y="114464"/>
+            <a:ext cx="12192000" cy="760959"/>
+          </a:xfrm>
+          <a:prstGeom prst="rect">
+            <a:avLst/>
+          </a:prstGeom>
+          <a:solidFill>
+            <a:srgbClr val="002060"/>
+          </a:solidFill>
+        </p:spPr>
+        <p:txBody>
+          <a:bodyPr wrap="square" tIns="72000" bIns="72000" rtlCol="0">
+            <a:spAutoFit/>
+          </a:bodyPr>
+          <a:lstStyle/>
+          <a:p>
+            <a:pPr marL="360000"/>
+            <a:r>
+              <a:rPr lang="ja-JP" altLang="en-US" sz="4000" b="1" spc="1000" dirty="0">
+                <a:solidFill>
+                  <a:schemeClr val="bg1"/>
+                </a:solidFill>
+              </a:rPr>
+              <a:t>ソフトの主要操作－</a:t>
+            </a:r>
+            <a:r>
+              <a:rPr lang="en-US" altLang="ja-JP" sz="2800" b="1" spc="1000" dirty="0" err="1">
+                <a:solidFill>
+                  <a:schemeClr val="bg1"/>
+                </a:solidFill>
+              </a:rPr>
+              <a:t>FreeCAD</a:t>
+            </a:r>
+            <a:r>
+              <a:rPr lang="ja-JP" altLang="en-US" sz="2800" b="1" spc="1000" dirty="0">
+                <a:solidFill>
+                  <a:schemeClr val="bg1"/>
+                </a:solidFill>
+              </a:rPr>
+              <a:t>のインストール</a:t>
+            </a:r>
+            <a:endParaRPr kumimoji="1" lang="ja-JP" altLang="en-US" sz="4000" b="1" spc="1000" dirty="0">
+              <a:solidFill>
+                <a:schemeClr val="bg1"/>
+              </a:solidFill>
+            </a:endParaRPr>
+          </a:p>
+        </p:txBody>
+      </p:sp>
+      <p:pic>
+        <p:nvPicPr>
+          <p:cNvPr id="3" name="図 2">
+            <a:extLst>
+              <a:ext uri="{FF2B5EF4-FFF2-40B4-BE49-F238E27FC236}">
+                <a16:creationId xmlns:a16="http://schemas.microsoft.com/office/drawing/2014/main" id="{F73EB95E-3E38-7735-75C4-DBD45ACB2777}"/>
+              </a:ext>
+            </a:extLst>
+          </p:cNvPr>
+          <p:cNvPicPr>
+            <a:picLocks noChangeAspect="1"/>
+          </p:cNvPicPr>
+          <p:nvPr/>
+        </p:nvPicPr>
+        <p:blipFill>
+          <a:blip r:embed="rId3"/>
+          <a:stretch>
+            <a:fillRect/>
+          </a:stretch>
+        </p:blipFill>
+        <p:spPr>
+          <a:xfrm>
+            <a:off x="1792232" y="1165859"/>
+            <a:ext cx="8607536" cy="5333413"/>
+          </a:xfrm>
+          <a:prstGeom prst="rect">
+            <a:avLst/>
+          </a:prstGeom>
+        </p:spPr>
+      </p:pic>
+      <p:sp>
+        <p:nvSpPr>
+          <p:cNvPr id="7" name="楕円 6">
+            <a:extLst>
+              <a:ext uri="{FF2B5EF4-FFF2-40B4-BE49-F238E27FC236}">
+                <a16:creationId xmlns:a16="http://schemas.microsoft.com/office/drawing/2014/main" id="{A96DAFCC-BF05-AC57-F8BA-FD7EBF4B4ECF}"/>
+              </a:ext>
+            </a:extLst>
+          </p:cNvPr>
+          <p:cNvSpPr/>
+          <p:nvPr/>
+        </p:nvSpPr>
+        <p:spPr>
+          <a:xfrm>
+            <a:off x="4586068" y="3235204"/>
+            <a:ext cx="2461846" cy="760959"/>
+          </a:xfrm>
+          <a:prstGeom prst="ellipse">
+            <a:avLst/>
+          </a:prstGeom>
+          <a:noFill/>
+          <a:ln w="63500">
+            <a:solidFill>
+              <a:srgbClr val="FF0000"/>
+            </a:solidFill>
+          </a:ln>
+        </p:spPr>
+        <p:style>
+          <a:lnRef idx="2">
+            <a:schemeClr val="accent1">
+              <a:shade val="15000"/>
+            </a:schemeClr>
+          </a:lnRef>
+          <a:fillRef idx="1">
+            <a:schemeClr val="accent1"/>
+          </a:fillRef>
+          <a:effectRef idx="0">
+            <a:schemeClr val="accent1"/>
+          </a:effectRef>
+          <a:fontRef idx="minor">
+            <a:schemeClr val="lt1"/>
+          </a:fontRef>
+        </p:style>
+        <p:txBody>
+          <a:bodyPr rtlCol="0" anchor="ctr"/>
+          <a:lstStyle/>
+          <a:p>
+            <a:pPr algn="ctr"/>
+            <a:endParaRPr kumimoji="1" lang="ja-JP" altLang="en-US"/>
+          </a:p>
+        </p:txBody>
+      </p:sp>
+      <p:sp>
+        <p:nvSpPr>
+          <p:cNvPr id="8" name="楕円 7">
+            <a:extLst>
+              <a:ext uri="{FF2B5EF4-FFF2-40B4-BE49-F238E27FC236}">
+                <a16:creationId xmlns:a16="http://schemas.microsoft.com/office/drawing/2014/main" id="{F4A3D2EC-F632-8074-6255-BF86F37BBD76}"/>
+              </a:ext>
+            </a:extLst>
+          </p:cNvPr>
+          <p:cNvSpPr/>
+          <p:nvPr/>
+        </p:nvSpPr>
+        <p:spPr>
+          <a:xfrm>
+            <a:off x="7174523" y="5781456"/>
+            <a:ext cx="1828800" cy="760959"/>
+          </a:xfrm>
+          <a:prstGeom prst="ellipse">
+            <a:avLst/>
+          </a:prstGeom>
+          <a:noFill/>
+          <a:ln w="63500">
+            <a:solidFill>
+              <a:srgbClr val="FF0000"/>
+            </a:solidFill>
+          </a:ln>
+        </p:spPr>
+        <p:style>
+          <a:lnRef idx="2">
+            <a:schemeClr val="accent1">
+              <a:shade val="15000"/>
+            </a:schemeClr>
+          </a:lnRef>
+          <a:fillRef idx="1">
+            <a:schemeClr val="accent1"/>
+          </a:fillRef>
+          <a:effectRef idx="0">
+            <a:schemeClr val="accent1"/>
+          </a:effectRef>
+          <a:fontRef idx="minor">
+            <a:schemeClr val="lt1"/>
+          </a:fontRef>
+        </p:style>
+        <p:txBody>
+          <a:bodyPr rtlCol="0" anchor="ctr"/>
+          <a:lstStyle/>
+          <a:p>
+            <a:pPr algn="ctr"/>
+            <a:endParaRPr kumimoji="1" lang="ja-JP" altLang="en-US"/>
+          </a:p>
+        </p:txBody>
+      </p:sp>
+    </p:spTree>
+    <p:extLst>
+      <p:ext uri="{BB962C8B-B14F-4D97-AF65-F5344CB8AC3E}">
+        <p14:creationId xmlns:p14="http://schemas.microsoft.com/office/powerpoint/2010/main" val="875839841"/>
       </p:ext>
     </p:extLst>
   </p:cSld>
@@ -19342,10 +22238,1725 @@
           </a:p>
         </p:txBody>
       </p:sp>
+      <p:pic>
+        <p:nvPicPr>
+          <p:cNvPr id="3" name="図 2">
+            <a:extLst>
+              <a:ext uri="{FF2B5EF4-FFF2-40B4-BE49-F238E27FC236}">
+                <a16:creationId xmlns:a16="http://schemas.microsoft.com/office/drawing/2014/main" id="{82F95B0F-C40F-1396-9608-E6520B3ADB80}"/>
+              </a:ext>
+            </a:extLst>
+          </p:cNvPr>
+          <p:cNvPicPr>
+            <a:picLocks noChangeAspect="1"/>
+          </p:cNvPicPr>
+          <p:nvPr/>
+        </p:nvPicPr>
+        <p:blipFill>
+          <a:blip r:embed="rId3"/>
+          <a:stretch>
+            <a:fillRect/>
+          </a:stretch>
+        </p:blipFill>
+        <p:spPr>
+          <a:xfrm>
+            <a:off x="3815869" y="2850834"/>
+            <a:ext cx="4286732" cy="3801218"/>
+          </a:xfrm>
+          <a:prstGeom prst="rect">
+            <a:avLst/>
+          </a:prstGeom>
+        </p:spPr>
+      </p:pic>
     </p:spTree>
     <p:extLst>
       <p:ext uri="{BB962C8B-B14F-4D97-AF65-F5344CB8AC3E}">
         <p14:creationId xmlns:p14="http://schemas.microsoft.com/office/powerpoint/2010/main" val="1610387851"/>
+      </p:ext>
+    </p:extLst>
+  </p:cSld>
+  <p:clrMapOvr>
+    <a:masterClrMapping/>
+  </p:clrMapOvr>
+</p:sld>
+</file>
+
+<file path=ppt/slides/slide40.xml><?xml version="1.0" encoding="utf-8"?>
+<p:sld xmlns:a="http://schemas.openxmlformats.org/drawingml/2006/main" xmlns:r="http://schemas.openxmlformats.org/officeDocument/2006/relationships" xmlns:p="http://schemas.openxmlformats.org/presentationml/2006/main">
+  <p:cSld>
+    <p:spTree>
+      <p:nvGrpSpPr>
+        <p:cNvPr id="1" name="">
+          <a:extLst>
+            <a:ext uri="{FF2B5EF4-FFF2-40B4-BE49-F238E27FC236}">
+              <a16:creationId xmlns:a16="http://schemas.microsoft.com/office/drawing/2014/main" id="{400EAA34-E282-BC65-5D49-BC922FBBCEF1}"/>
+            </a:ext>
+          </a:extLst>
+        </p:cNvPr>
+        <p:cNvGrpSpPr/>
+        <p:nvPr/>
+      </p:nvGrpSpPr>
+      <p:grpSpPr>
+        <a:xfrm>
+          <a:off x="0" y="0"/>
+          <a:ext cx="0" cy="0"/>
+          <a:chOff x="0" y="0"/>
+          <a:chExt cx="0" cy="0"/>
+        </a:xfrm>
+      </p:grpSpPr>
+      <p:sp>
+        <p:nvSpPr>
+          <p:cNvPr id="4" name="テキスト ボックス 3">
+            <a:extLst>
+              <a:ext uri="{FF2B5EF4-FFF2-40B4-BE49-F238E27FC236}">
+                <a16:creationId xmlns:a16="http://schemas.microsoft.com/office/drawing/2014/main" id="{1BB3DE54-FAFD-12E2-8D95-E78B5F4F2BB3}"/>
+              </a:ext>
+            </a:extLst>
+          </p:cNvPr>
+          <p:cNvSpPr txBox="1"/>
+          <p:nvPr/>
+        </p:nvSpPr>
+        <p:spPr>
+          <a:xfrm>
+            <a:off x="1" y="114464"/>
+            <a:ext cx="12192000" cy="760959"/>
+          </a:xfrm>
+          <a:prstGeom prst="rect">
+            <a:avLst/>
+          </a:prstGeom>
+          <a:solidFill>
+            <a:srgbClr val="002060"/>
+          </a:solidFill>
+        </p:spPr>
+        <p:txBody>
+          <a:bodyPr wrap="square" tIns="72000" bIns="72000" rtlCol="0">
+            <a:spAutoFit/>
+          </a:bodyPr>
+          <a:lstStyle/>
+          <a:p>
+            <a:pPr marL="360000"/>
+            <a:r>
+              <a:rPr lang="ja-JP" altLang="en-US" sz="4000" b="1" spc="1000" dirty="0">
+                <a:solidFill>
+                  <a:schemeClr val="bg1"/>
+                </a:solidFill>
+              </a:rPr>
+              <a:t>ソフトの主要操作－</a:t>
+            </a:r>
+            <a:r>
+              <a:rPr lang="ja-JP" altLang="en-US" sz="2800" b="1" spc="1000" dirty="0">
+                <a:solidFill>
+                  <a:schemeClr val="bg1"/>
+                </a:solidFill>
+              </a:rPr>
+              <a:t>ソフトの初期設定</a:t>
+            </a:r>
+            <a:endParaRPr kumimoji="1" lang="ja-JP" altLang="en-US" sz="4000" b="1" spc="1000" dirty="0">
+              <a:solidFill>
+                <a:schemeClr val="bg1"/>
+              </a:solidFill>
+            </a:endParaRPr>
+          </a:p>
+        </p:txBody>
+      </p:sp>
+      <p:pic>
+        <p:nvPicPr>
+          <p:cNvPr id="3" name="図 2">
+            <a:extLst>
+              <a:ext uri="{FF2B5EF4-FFF2-40B4-BE49-F238E27FC236}">
+                <a16:creationId xmlns:a16="http://schemas.microsoft.com/office/drawing/2014/main" id="{11DDA4B8-0E15-D510-CF1E-D65351073A6B}"/>
+              </a:ext>
+            </a:extLst>
+          </p:cNvPr>
+          <p:cNvPicPr>
+            <a:picLocks noChangeAspect="1"/>
+          </p:cNvPicPr>
+          <p:nvPr/>
+        </p:nvPicPr>
+        <p:blipFill>
+          <a:blip r:embed="rId3"/>
+          <a:srcRect l="31520" t="35684" r="17744" b="23735"/>
+          <a:stretch>
+            <a:fillRect/>
+          </a:stretch>
+        </p:blipFill>
+        <p:spPr>
+          <a:xfrm>
+            <a:off x="1129486" y="1548750"/>
+            <a:ext cx="9933028" cy="4303410"/>
+          </a:xfrm>
+          <a:prstGeom prst="rect">
+            <a:avLst/>
+          </a:prstGeom>
+          <a:ln>
+            <a:solidFill>
+              <a:schemeClr val="bg1">
+                <a:lumMod val="85000"/>
+              </a:schemeClr>
+            </a:solidFill>
+          </a:ln>
+        </p:spPr>
+      </p:pic>
+      <p:sp>
+        <p:nvSpPr>
+          <p:cNvPr id="5" name="楕円 4">
+            <a:extLst>
+              <a:ext uri="{FF2B5EF4-FFF2-40B4-BE49-F238E27FC236}">
+                <a16:creationId xmlns:a16="http://schemas.microsoft.com/office/drawing/2014/main" id="{5E40F1DB-5253-62D8-5531-474129F8A609}"/>
+              </a:ext>
+            </a:extLst>
+          </p:cNvPr>
+          <p:cNvSpPr/>
+          <p:nvPr/>
+        </p:nvSpPr>
+        <p:spPr>
+          <a:xfrm>
+            <a:off x="2349305" y="2939496"/>
+            <a:ext cx="3629464" cy="2124873"/>
+          </a:xfrm>
+          <a:prstGeom prst="ellipse">
+            <a:avLst/>
+          </a:prstGeom>
+          <a:noFill/>
+          <a:ln w="63500">
+            <a:solidFill>
+              <a:srgbClr val="FF0000"/>
+            </a:solidFill>
+          </a:ln>
+        </p:spPr>
+        <p:style>
+          <a:lnRef idx="2">
+            <a:schemeClr val="accent1">
+              <a:shade val="15000"/>
+            </a:schemeClr>
+          </a:lnRef>
+          <a:fillRef idx="1">
+            <a:schemeClr val="accent1"/>
+          </a:fillRef>
+          <a:effectRef idx="0">
+            <a:schemeClr val="accent1"/>
+          </a:effectRef>
+          <a:fontRef idx="minor">
+            <a:schemeClr val="lt1"/>
+          </a:fontRef>
+        </p:style>
+        <p:txBody>
+          <a:bodyPr rtlCol="0" anchor="ctr"/>
+          <a:lstStyle/>
+          <a:p>
+            <a:pPr algn="ctr"/>
+            <a:endParaRPr kumimoji="1" lang="ja-JP" altLang="en-US"/>
+          </a:p>
+        </p:txBody>
+      </p:sp>
+      <p:sp>
+        <p:nvSpPr>
+          <p:cNvPr id="6" name="楕円 5">
+            <a:extLst>
+              <a:ext uri="{FF2B5EF4-FFF2-40B4-BE49-F238E27FC236}">
+                <a16:creationId xmlns:a16="http://schemas.microsoft.com/office/drawing/2014/main" id="{EBA14CDD-F406-AD1D-8EC8-D5CAE88001F9}"/>
+              </a:ext>
+            </a:extLst>
+          </p:cNvPr>
+          <p:cNvSpPr/>
+          <p:nvPr/>
+        </p:nvSpPr>
+        <p:spPr>
+          <a:xfrm>
+            <a:off x="9411285" y="4951829"/>
+            <a:ext cx="1594957" cy="787790"/>
+          </a:xfrm>
+          <a:prstGeom prst="ellipse">
+            <a:avLst/>
+          </a:prstGeom>
+          <a:noFill/>
+          <a:ln w="63500">
+            <a:solidFill>
+              <a:srgbClr val="FF0000"/>
+            </a:solidFill>
+          </a:ln>
+        </p:spPr>
+        <p:style>
+          <a:lnRef idx="2">
+            <a:schemeClr val="accent1">
+              <a:shade val="15000"/>
+            </a:schemeClr>
+          </a:lnRef>
+          <a:fillRef idx="1">
+            <a:schemeClr val="accent1"/>
+          </a:fillRef>
+          <a:effectRef idx="0">
+            <a:schemeClr val="accent1"/>
+          </a:effectRef>
+          <a:fontRef idx="minor">
+            <a:schemeClr val="lt1"/>
+          </a:fontRef>
+        </p:style>
+        <p:txBody>
+          <a:bodyPr rtlCol="0" anchor="ctr"/>
+          <a:lstStyle/>
+          <a:p>
+            <a:pPr algn="ctr"/>
+            <a:endParaRPr kumimoji="1" lang="ja-JP" altLang="en-US"/>
+          </a:p>
+        </p:txBody>
+      </p:sp>
+    </p:spTree>
+    <p:extLst>
+      <p:ext uri="{BB962C8B-B14F-4D97-AF65-F5344CB8AC3E}">
+        <p14:creationId xmlns:p14="http://schemas.microsoft.com/office/powerpoint/2010/main" val="2564032759"/>
+      </p:ext>
+    </p:extLst>
+  </p:cSld>
+  <p:clrMapOvr>
+    <a:masterClrMapping/>
+  </p:clrMapOvr>
+</p:sld>
+</file>
+
+<file path=ppt/slides/slide41.xml><?xml version="1.0" encoding="utf-8"?>
+<p:sld xmlns:a="http://schemas.openxmlformats.org/drawingml/2006/main" xmlns:r="http://schemas.openxmlformats.org/officeDocument/2006/relationships" xmlns:p="http://schemas.openxmlformats.org/presentationml/2006/main">
+  <p:cSld>
+    <p:spTree>
+      <p:nvGrpSpPr>
+        <p:cNvPr id="1" name="">
+          <a:extLst>
+            <a:ext uri="{FF2B5EF4-FFF2-40B4-BE49-F238E27FC236}">
+              <a16:creationId xmlns:a16="http://schemas.microsoft.com/office/drawing/2014/main" id="{5396A8F8-8BB2-97B0-247B-F7A1593D83E2}"/>
+            </a:ext>
+          </a:extLst>
+        </p:cNvPr>
+        <p:cNvGrpSpPr/>
+        <p:nvPr/>
+      </p:nvGrpSpPr>
+      <p:grpSpPr>
+        <a:xfrm>
+          <a:off x="0" y="0"/>
+          <a:ext cx="0" cy="0"/>
+          <a:chOff x="0" y="0"/>
+          <a:chExt cx="0" cy="0"/>
+        </a:xfrm>
+      </p:grpSpPr>
+      <p:sp>
+        <p:nvSpPr>
+          <p:cNvPr id="4" name="テキスト ボックス 3">
+            <a:extLst>
+              <a:ext uri="{FF2B5EF4-FFF2-40B4-BE49-F238E27FC236}">
+                <a16:creationId xmlns:a16="http://schemas.microsoft.com/office/drawing/2014/main" id="{2BADFFDC-873B-E57D-49E6-E4E00AE70491}"/>
+              </a:ext>
+            </a:extLst>
+          </p:cNvPr>
+          <p:cNvSpPr txBox="1"/>
+          <p:nvPr/>
+        </p:nvSpPr>
+        <p:spPr>
+          <a:xfrm>
+            <a:off x="1" y="114464"/>
+            <a:ext cx="12192000" cy="760959"/>
+          </a:xfrm>
+          <a:prstGeom prst="rect">
+            <a:avLst/>
+          </a:prstGeom>
+          <a:solidFill>
+            <a:srgbClr val="002060"/>
+          </a:solidFill>
+        </p:spPr>
+        <p:txBody>
+          <a:bodyPr wrap="square" tIns="72000" bIns="72000" rtlCol="0">
+            <a:spAutoFit/>
+          </a:bodyPr>
+          <a:lstStyle/>
+          <a:p>
+            <a:pPr marL="360000"/>
+            <a:r>
+              <a:rPr lang="ja-JP" altLang="en-US" sz="4000" b="1" spc="1000" dirty="0">
+                <a:solidFill>
+                  <a:schemeClr val="bg1"/>
+                </a:solidFill>
+              </a:rPr>
+              <a:t>ソフトの主要操作－</a:t>
+            </a:r>
+            <a:r>
+              <a:rPr lang="ja-JP" altLang="en-US" sz="2800" b="1" spc="1000" dirty="0">
+                <a:solidFill>
+                  <a:schemeClr val="bg1"/>
+                </a:solidFill>
+              </a:rPr>
+              <a:t>ソフトの初期設定</a:t>
+            </a:r>
+            <a:endParaRPr kumimoji="1" lang="ja-JP" altLang="en-US" sz="4000" b="1" spc="1000" dirty="0">
+              <a:solidFill>
+                <a:schemeClr val="bg1"/>
+              </a:solidFill>
+            </a:endParaRPr>
+          </a:p>
+        </p:txBody>
+      </p:sp>
+      <p:pic>
+        <p:nvPicPr>
+          <p:cNvPr id="3" name="図 2">
+            <a:extLst>
+              <a:ext uri="{FF2B5EF4-FFF2-40B4-BE49-F238E27FC236}">
+                <a16:creationId xmlns:a16="http://schemas.microsoft.com/office/drawing/2014/main" id="{F9B1E6C4-87CA-D9FD-DBF6-7524141968B6}"/>
+              </a:ext>
+            </a:extLst>
+          </p:cNvPr>
+          <p:cNvPicPr>
+            <a:picLocks noChangeAspect="1"/>
+          </p:cNvPicPr>
+          <p:nvPr/>
+        </p:nvPicPr>
+        <p:blipFill>
+          <a:blip r:embed="rId3"/>
+          <a:srcRect l="31520" t="35684" r="17744" b="23735"/>
+          <a:stretch>
+            <a:fillRect/>
+          </a:stretch>
+        </p:blipFill>
+        <p:spPr>
+          <a:xfrm>
+            <a:off x="1129486" y="1548750"/>
+            <a:ext cx="9933028" cy="4303410"/>
+          </a:xfrm>
+          <a:prstGeom prst="rect">
+            <a:avLst/>
+          </a:prstGeom>
+          <a:ln>
+            <a:solidFill>
+              <a:schemeClr val="bg1">
+                <a:lumMod val="85000"/>
+              </a:schemeClr>
+            </a:solidFill>
+          </a:ln>
+        </p:spPr>
+      </p:pic>
+      <p:sp>
+        <p:nvSpPr>
+          <p:cNvPr id="5" name="楕円 4">
+            <a:extLst>
+              <a:ext uri="{FF2B5EF4-FFF2-40B4-BE49-F238E27FC236}">
+                <a16:creationId xmlns:a16="http://schemas.microsoft.com/office/drawing/2014/main" id="{941A667D-2218-5F46-7467-F75CB216A549}"/>
+              </a:ext>
+            </a:extLst>
+          </p:cNvPr>
+          <p:cNvSpPr/>
+          <p:nvPr/>
+        </p:nvSpPr>
+        <p:spPr>
+          <a:xfrm>
+            <a:off x="2349305" y="2939496"/>
+            <a:ext cx="3629464" cy="2124873"/>
+          </a:xfrm>
+          <a:prstGeom prst="ellipse">
+            <a:avLst/>
+          </a:prstGeom>
+          <a:noFill/>
+          <a:ln w="63500">
+            <a:solidFill>
+              <a:srgbClr val="FF0000"/>
+            </a:solidFill>
+          </a:ln>
+        </p:spPr>
+        <p:style>
+          <a:lnRef idx="2">
+            <a:schemeClr val="accent1">
+              <a:shade val="15000"/>
+            </a:schemeClr>
+          </a:lnRef>
+          <a:fillRef idx="1">
+            <a:schemeClr val="accent1"/>
+          </a:fillRef>
+          <a:effectRef idx="0">
+            <a:schemeClr val="accent1"/>
+          </a:effectRef>
+          <a:fontRef idx="minor">
+            <a:schemeClr val="lt1"/>
+          </a:fontRef>
+        </p:style>
+        <p:txBody>
+          <a:bodyPr rtlCol="0" anchor="ctr"/>
+          <a:lstStyle/>
+          <a:p>
+            <a:pPr algn="ctr"/>
+            <a:endParaRPr kumimoji="1" lang="ja-JP" altLang="en-US"/>
+          </a:p>
+        </p:txBody>
+      </p:sp>
+      <p:sp>
+        <p:nvSpPr>
+          <p:cNvPr id="6" name="楕円 5">
+            <a:extLst>
+              <a:ext uri="{FF2B5EF4-FFF2-40B4-BE49-F238E27FC236}">
+                <a16:creationId xmlns:a16="http://schemas.microsoft.com/office/drawing/2014/main" id="{35EBDF33-3F12-CB76-7035-06F364B3B675}"/>
+              </a:ext>
+            </a:extLst>
+          </p:cNvPr>
+          <p:cNvSpPr/>
+          <p:nvPr/>
+        </p:nvSpPr>
+        <p:spPr>
+          <a:xfrm>
+            <a:off x="9411285" y="4951829"/>
+            <a:ext cx="1594957" cy="787790"/>
+          </a:xfrm>
+          <a:prstGeom prst="ellipse">
+            <a:avLst/>
+          </a:prstGeom>
+          <a:noFill/>
+          <a:ln w="63500">
+            <a:solidFill>
+              <a:srgbClr val="FF0000"/>
+            </a:solidFill>
+          </a:ln>
+        </p:spPr>
+        <p:style>
+          <a:lnRef idx="2">
+            <a:schemeClr val="accent1">
+              <a:shade val="15000"/>
+            </a:schemeClr>
+          </a:lnRef>
+          <a:fillRef idx="1">
+            <a:schemeClr val="accent1"/>
+          </a:fillRef>
+          <a:effectRef idx="0">
+            <a:schemeClr val="accent1"/>
+          </a:effectRef>
+          <a:fontRef idx="minor">
+            <a:schemeClr val="lt1"/>
+          </a:fontRef>
+        </p:style>
+        <p:txBody>
+          <a:bodyPr rtlCol="0" anchor="ctr"/>
+          <a:lstStyle/>
+          <a:p>
+            <a:pPr algn="ctr"/>
+            <a:endParaRPr kumimoji="1" lang="ja-JP" altLang="en-US"/>
+          </a:p>
+        </p:txBody>
+      </p:sp>
+    </p:spTree>
+    <p:extLst>
+      <p:ext uri="{BB962C8B-B14F-4D97-AF65-F5344CB8AC3E}">
+        <p14:creationId xmlns:p14="http://schemas.microsoft.com/office/powerpoint/2010/main" val="968472168"/>
+      </p:ext>
+    </p:extLst>
+  </p:cSld>
+  <p:clrMapOvr>
+    <a:masterClrMapping/>
+  </p:clrMapOvr>
+</p:sld>
+</file>
+
+<file path=ppt/slides/slide42.xml><?xml version="1.0" encoding="utf-8"?>
+<p:sld xmlns:a="http://schemas.openxmlformats.org/drawingml/2006/main" xmlns:r="http://schemas.openxmlformats.org/officeDocument/2006/relationships" xmlns:p="http://schemas.openxmlformats.org/presentationml/2006/main">
+  <p:cSld>
+    <p:spTree>
+      <p:nvGrpSpPr>
+        <p:cNvPr id="1" name="">
+          <a:extLst>
+            <a:ext uri="{FF2B5EF4-FFF2-40B4-BE49-F238E27FC236}">
+              <a16:creationId xmlns:a16="http://schemas.microsoft.com/office/drawing/2014/main" id="{D445041F-BBC5-C4DA-708A-D6B7ED78BA81}"/>
+            </a:ext>
+          </a:extLst>
+        </p:cNvPr>
+        <p:cNvGrpSpPr/>
+        <p:nvPr/>
+      </p:nvGrpSpPr>
+      <p:grpSpPr>
+        <a:xfrm>
+          <a:off x="0" y="0"/>
+          <a:ext cx="0" cy="0"/>
+          <a:chOff x="0" y="0"/>
+          <a:chExt cx="0" cy="0"/>
+        </a:xfrm>
+      </p:grpSpPr>
+      <p:sp>
+        <p:nvSpPr>
+          <p:cNvPr id="4" name="テキスト ボックス 3">
+            <a:extLst>
+              <a:ext uri="{FF2B5EF4-FFF2-40B4-BE49-F238E27FC236}">
+                <a16:creationId xmlns:a16="http://schemas.microsoft.com/office/drawing/2014/main" id="{A38CA0E3-5B96-4770-2F3C-15194AF48EFD}"/>
+              </a:ext>
+            </a:extLst>
+          </p:cNvPr>
+          <p:cNvSpPr txBox="1"/>
+          <p:nvPr/>
+        </p:nvSpPr>
+        <p:spPr>
+          <a:xfrm>
+            <a:off x="1" y="114464"/>
+            <a:ext cx="12192000" cy="760959"/>
+          </a:xfrm>
+          <a:prstGeom prst="rect">
+            <a:avLst/>
+          </a:prstGeom>
+          <a:solidFill>
+            <a:srgbClr val="002060"/>
+          </a:solidFill>
+        </p:spPr>
+        <p:txBody>
+          <a:bodyPr wrap="square" tIns="72000" bIns="72000" rtlCol="0">
+            <a:spAutoFit/>
+          </a:bodyPr>
+          <a:lstStyle/>
+          <a:p>
+            <a:pPr marL="360000"/>
+            <a:r>
+              <a:rPr lang="ja-JP" altLang="en-US" sz="4000" b="1" spc="1000" dirty="0">
+                <a:solidFill>
+                  <a:schemeClr val="bg1"/>
+                </a:solidFill>
+              </a:rPr>
+              <a:t>ソフトの主要操作－</a:t>
+            </a:r>
+            <a:r>
+              <a:rPr lang="ja-JP" altLang="en-US" sz="2800" b="1" spc="1000" dirty="0">
+                <a:solidFill>
+                  <a:schemeClr val="bg1"/>
+                </a:solidFill>
+              </a:rPr>
+              <a:t>ソフトの初期設定</a:t>
+            </a:r>
+            <a:endParaRPr kumimoji="1" lang="ja-JP" altLang="en-US" sz="4000" b="1" spc="1000" dirty="0">
+              <a:solidFill>
+                <a:schemeClr val="bg1"/>
+              </a:solidFill>
+            </a:endParaRPr>
+          </a:p>
+        </p:txBody>
+      </p:sp>
+      <p:pic>
+        <p:nvPicPr>
+          <p:cNvPr id="7" name="図 6">
+            <a:extLst>
+              <a:ext uri="{FF2B5EF4-FFF2-40B4-BE49-F238E27FC236}">
+                <a16:creationId xmlns:a16="http://schemas.microsoft.com/office/drawing/2014/main" id="{456C4E6F-37AB-B02C-48C1-5495204E7E09}"/>
+              </a:ext>
+            </a:extLst>
+          </p:cNvPr>
+          <p:cNvPicPr>
+            <a:picLocks noChangeAspect="1"/>
+          </p:cNvPicPr>
+          <p:nvPr/>
+        </p:nvPicPr>
+        <p:blipFill>
+          <a:blip r:embed="rId3" cstate="email">
+            <a:extLst>
+              <a:ext uri="{28A0092B-C50C-407E-A947-70E740481C1C}">
+                <a14:useLocalDpi xmlns:a14="http://schemas.microsoft.com/office/drawing/2010/main"/>
+              </a:ext>
+            </a:extLst>
+          </a:blip>
+          <a:srcRect l="14927" r="11801" b="7423"/>
+          <a:stretch>
+            <a:fillRect/>
+          </a:stretch>
+        </p:blipFill>
+        <p:spPr>
+          <a:xfrm>
+            <a:off x="4082067" y="1152525"/>
+            <a:ext cx="3614133" cy="5476711"/>
+          </a:xfrm>
+          <a:prstGeom prst="rect">
+            <a:avLst/>
+          </a:prstGeom>
+          <a:ln>
+            <a:solidFill>
+              <a:schemeClr val="bg1">
+                <a:lumMod val="65000"/>
+              </a:schemeClr>
+            </a:solidFill>
+          </a:ln>
+        </p:spPr>
+      </p:pic>
+      <p:sp>
+        <p:nvSpPr>
+          <p:cNvPr id="6" name="楕円 5">
+            <a:extLst>
+              <a:ext uri="{FF2B5EF4-FFF2-40B4-BE49-F238E27FC236}">
+                <a16:creationId xmlns:a16="http://schemas.microsoft.com/office/drawing/2014/main" id="{6ECA86B4-0508-8FE9-5072-3EB57C1DDAF2}"/>
+              </a:ext>
+            </a:extLst>
+          </p:cNvPr>
+          <p:cNvSpPr/>
+          <p:nvPr/>
+        </p:nvSpPr>
+        <p:spPr>
+          <a:xfrm>
+            <a:off x="4533900" y="6119654"/>
+            <a:ext cx="1594957" cy="509582"/>
+          </a:xfrm>
+          <a:prstGeom prst="ellipse">
+            <a:avLst/>
+          </a:prstGeom>
+          <a:noFill/>
+          <a:ln w="63500">
+            <a:solidFill>
+              <a:srgbClr val="FF0000"/>
+            </a:solidFill>
+          </a:ln>
+        </p:spPr>
+        <p:style>
+          <a:lnRef idx="2">
+            <a:schemeClr val="accent1">
+              <a:shade val="15000"/>
+            </a:schemeClr>
+          </a:lnRef>
+          <a:fillRef idx="1">
+            <a:schemeClr val="accent1"/>
+          </a:fillRef>
+          <a:effectRef idx="0">
+            <a:schemeClr val="accent1"/>
+          </a:effectRef>
+          <a:fontRef idx="minor">
+            <a:schemeClr val="lt1"/>
+          </a:fontRef>
+        </p:style>
+        <p:txBody>
+          <a:bodyPr rtlCol="0" anchor="ctr"/>
+          <a:lstStyle/>
+          <a:p>
+            <a:pPr algn="ctr"/>
+            <a:endParaRPr kumimoji="1" lang="ja-JP" altLang="en-US"/>
+          </a:p>
+        </p:txBody>
+      </p:sp>
+      <p:sp>
+        <p:nvSpPr>
+          <p:cNvPr id="5" name="楕円 4">
+            <a:extLst>
+              <a:ext uri="{FF2B5EF4-FFF2-40B4-BE49-F238E27FC236}">
+                <a16:creationId xmlns:a16="http://schemas.microsoft.com/office/drawing/2014/main" id="{DF3487C5-616D-F311-1F0B-A429E87C6AEF}"/>
+              </a:ext>
+            </a:extLst>
+          </p:cNvPr>
+          <p:cNvSpPr/>
+          <p:nvPr/>
+        </p:nvSpPr>
+        <p:spPr>
+          <a:xfrm>
+            <a:off x="4533900" y="1257300"/>
+            <a:ext cx="857250" cy="509582"/>
+          </a:xfrm>
+          <a:prstGeom prst="ellipse">
+            <a:avLst/>
+          </a:prstGeom>
+          <a:noFill/>
+          <a:ln w="63500">
+            <a:solidFill>
+              <a:srgbClr val="FF0000"/>
+            </a:solidFill>
+          </a:ln>
+        </p:spPr>
+        <p:style>
+          <a:lnRef idx="2">
+            <a:schemeClr val="accent1">
+              <a:shade val="15000"/>
+            </a:schemeClr>
+          </a:lnRef>
+          <a:fillRef idx="1">
+            <a:schemeClr val="accent1"/>
+          </a:fillRef>
+          <a:effectRef idx="0">
+            <a:schemeClr val="accent1"/>
+          </a:effectRef>
+          <a:fontRef idx="minor">
+            <a:schemeClr val="lt1"/>
+          </a:fontRef>
+        </p:style>
+        <p:txBody>
+          <a:bodyPr rtlCol="0" anchor="ctr"/>
+          <a:lstStyle/>
+          <a:p>
+            <a:pPr algn="ctr"/>
+            <a:endParaRPr kumimoji="1" lang="ja-JP" altLang="en-US"/>
+          </a:p>
+        </p:txBody>
+      </p:sp>
+    </p:spTree>
+    <p:extLst>
+      <p:ext uri="{BB962C8B-B14F-4D97-AF65-F5344CB8AC3E}">
+        <p14:creationId xmlns:p14="http://schemas.microsoft.com/office/powerpoint/2010/main" val="3674888089"/>
+      </p:ext>
+    </p:extLst>
+  </p:cSld>
+  <p:clrMapOvr>
+    <a:masterClrMapping/>
+  </p:clrMapOvr>
+</p:sld>
+</file>
+
+<file path=ppt/slides/slide43.xml><?xml version="1.0" encoding="utf-8"?>
+<p:sld xmlns:a="http://schemas.openxmlformats.org/drawingml/2006/main" xmlns:r="http://schemas.openxmlformats.org/officeDocument/2006/relationships" xmlns:p="http://schemas.openxmlformats.org/presentationml/2006/main">
+  <p:cSld>
+    <p:spTree>
+      <p:nvGrpSpPr>
+        <p:cNvPr id="1" name="">
+          <a:extLst>
+            <a:ext uri="{FF2B5EF4-FFF2-40B4-BE49-F238E27FC236}">
+              <a16:creationId xmlns:a16="http://schemas.microsoft.com/office/drawing/2014/main" id="{64E58B68-5864-A24D-C982-52ADB731FF91}"/>
+            </a:ext>
+          </a:extLst>
+        </p:cNvPr>
+        <p:cNvGrpSpPr/>
+        <p:nvPr/>
+      </p:nvGrpSpPr>
+      <p:grpSpPr>
+        <a:xfrm>
+          <a:off x="0" y="0"/>
+          <a:ext cx="0" cy="0"/>
+          <a:chOff x="0" y="0"/>
+          <a:chExt cx="0" cy="0"/>
+        </a:xfrm>
+      </p:grpSpPr>
+      <p:pic>
+        <p:nvPicPr>
+          <p:cNvPr id="3" name="図 2">
+            <a:extLst>
+              <a:ext uri="{FF2B5EF4-FFF2-40B4-BE49-F238E27FC236}">
+                <a16:creationId xmlns:a16="http://schemas.microsoft.com/office/drawing/2014/main" id="{5F85D06F-0DF9-DDBB-FF0D-B7661D56EA33}"/>
+              </a:ext>
+            </a:extLst>
+          </p:cNvPr>
+          <p:cNvPicPr>
+            <a:picLocks noChangeAspect="1"/>
+          </p:cNvPicPr>
+          <p:nvPr/>
+        </p:nvPicPr>
+        <p:blipFill>
+          <a:blip r:embed="rId3" cstate="screen">
+            <a:extLst>
+              <a:ext uri="{28A0092B-C50C-407E-A947-70E740481C1C}">
+                <a14:useLocalDpi xmlns:a14="http://schemas.microsoft.com/office/drawing/2010/main"/>
+              </a:ext>
+            </a:extLst>
+          </a:blip>
+          <a:srcRect/>
+          <a:stretch>
+            <a:fillRect/>
+          </a:stretch>
+        </p:blipFill>
+        <p:spPr>
+          <a:xfrm>
+            <a:off x="2653827" y="1066800"/>
+            <a:ext cx="5918724" cy="5400675"/>
+          </a:xfrm>
+          <a:prstGeom prst="rect">
+            <a:avLst/>
+          </a:prstGeom>
+          <a:ln>
+            <a:solidFill>
+              <a:schemeClr val="bg1">
+                <a:lumMod val="65000"/>
+              </a:schemeClr>
+            </a:solidFill>
+          </a:ln>
+        </p:spPr>
+      </p:pic>
+      <p:sp>
+        <p:nvSpPr>
+          <p:cNvPr id="4" name="テキスト ボックス 3">
+            <a:extLst>
+              <a:ext uri="{FF2B5EF4-FFF2-40B4-BE49-F238E27FC236}">
+                <a16:creationId xmlns:a16="http://schemas.microsoft.com/office/drawing/2014/main" id="{E12EDE42-AABB-CF61-EF70-B378DF3F6062}"/>
+              </a:ext>
+            </a:extLst>
+          </p:cNvPr>
+          <p:cNvSpPr txBox="1"/>
+          <p:nvPr/>
+        </p:nvSpPr>
+        <p:spPr>
+          <a:xfrm>
+            <a:off x="1" y="114464"/>
+            <a:ext cx="12192000" cy="760959"/>
+          </a:xfrm>
+          <a:prstGeom prst="rect">
+            <a:avLst/>
+          </a:prstGeom>
+          <a:solidFill>
+            <a:srgbClr val="002060"/>
+          </a:solidFill>
+        </p:spPr>
+        <p:txBody>
+          <a:bodyPr wrap="square" tIns="72000" bIns="72000" rtlCol="0">
+            <a:spAutoFit/>
+          </a:bodyPr>
+          <a:lstStyle/>
+          <a:p>
+            <a:pPr marL="360000"/>
+            <a:r>
+              <a:rPr lang="ja-JP" altLang="en-US" sz="4000" b="1" spc="1000" dirty="0">
+                <a:solidFill>
+                  <a:schemeClr val="bg1"/>
+                </a:solidFill>
+              </a:rPr>
+              <a:t>ソフトの主要操作－</a:t>
+            </a:r>
+            <a:r>
+              <a:rPr lang="ja-JP" altLang="en-US" sz="2800" b="1" spc="1000" dirty="0">
+                <a:solidFill>
+                  <a:schemeClr val="bg1"/>
+                </a:solidFill>
+              </a:rPr>
+              <a:t>ソフトの初期設定</a:t>
+            </a:r>
+            <a:endParaRPr kumimoji="1" lang="ja-JP" altLang="en-US" sz="4000" b="1" spc="1000" dirty="0">
+              <a:solidFill>
+                <a:schemeClr val="bg1"/>
+              </a:solidFill>
+            </a:endParaRPr>
+          </a:p>
+        </p:txBody>
+      </p:sp>
+      <p:sp>
+        <p:nvSpPr>
+          <p:cNvPr id="6" name="楕円 5">
+            <a:extLst>
+              <a:ext uri="{FF2B5EF4-FFF2-40B4-BE49-F238E27FC236}">
+                <a16:creationId xmlns:a16="http://schemas.microsoft.com/office/drawing/2014/main" id="{31C55622-AC2A-E545-FE84-2DCC1E949EC8}"/>
+              </a:ext>
+            </a:extLst>
+          </p:cNvPr>
+          <p:cNvSpPr/>
+          <p:nvPr/>
+        </p:nvSpPr>
+        <p:spPr>
+          <a:xfrm>
+            <a:off x="6591301" y="5957893"/>
+            <a:ext cx="857250" cy="509582"/>
+          </a:xfrm>
+          <a:prstGeom prst="ellipse">
+            <a:avLst/>
+          </a:prstGeom>
+          <a:noFill/>
+          <a:ln w="63500">
+            <a:solidFill>
+              <a:srgbClr val="FF0000"/>
+            </a:solidFill>
+          </a:ln>
+        </p:spPr>
+        <p:style>
+          <a:lnRef idx="2">
+            <a:schemeClr val="accent1">
+              <a:shade val="15000"/>
+            </a:schemeClr>
+          </a:lnRef>
+          <a:fillRef idx="1">
+            <a:schemeClr val="accent1"/>
+          </a:fillRef>
+          <a:effectRef idx="0">
+            <a:schemeClr val="accent1"/>
+          </a:effectRef>
+          <a:fontRef idx="minor">
+            <a:schemeClr val="lt1"/>
+          </a:fontRef>
+        </p:style>
+        <p:txBody>
+          <a:bodyPr rtlCol="0" anchor="ctr"/>
+          <a:lstStyle/>
+          <a:p>
+            <a:pPr algn="ctr"/>
+            <a:endParaRPr kumimoji="1" lang="ja-JP" altLang="en-US"/>
+          </a:p>
+        </p:txBody>
+      </p:sp>
+      <p:sp>
+        <p:nvSpPr>
+          <p:cNvPr id="5" name="楕円 4">
+            <a:extLst>
+              <a:ext uri="{FF2B5EF4-FFF2-40B4-BE49-F238E27FC236}">
+                <a16:creationId xmlns:a16="http://schemas.microsoft.com/office/drawing/2014/main" id="{E05D6B65-5434-2C42-43EA-0C4298EE0488}"/>
+              </a:ext>
+            </a:extLst>
+          </p:cNvPr>
+          <p:cNvSpPr/>
+          <p:nvPr/>
+        </p:nvSpPr>
+        <p:spPr>
+          <a:xfrm>
+            <a:off x="6128857" y="2828853"/>
+            <a:ext cx="2443694" cy="685871"/>
+          </a:xfrm>
+          <a:prstGeom prst="ellipse">
+            <a:avLst/>
+          </a:prstGeom>
+          <a:noFill/>
+          <a:ln w="63500">
+            <a:solidFill>
+              <a:srgbClr val="FF0000"/>
+            </a:solidFill>
+          </a:ln>
+        </p:spPr>
+        <p:style>
+          <a:lnRef idx="2">
+            <a:schemeClr val="accent1">
+              <a:shade val="15000"/>
+            </a:schemeClr>
+          </a:lnRef>
+          <a:fillRef idx="1">
+            <a:schemeClr val="accent1"/>
+          </a:fillRef>
+          <a:effectRef idx="0">
+            <a:schemeClr val="accent1"/>
+          </a:effectRef>
+          <a:fontRef idx="minor">
+            <a:schemeClr val="lt1"/>
+          </a:fontRef>
+        </p:style>
+        <p:txBody>
+          <a:bodyPr rtlCol="0" anchor="ctr"/>
+          <a:lstStyle/>
+          <a:p>
+            <a:pPr algn="ctr"/>
+            <a:endParaRPr kumimoji="1" lang="ja-JP" altLang="en-US"/>
+          </a:p>
+        </p:txBody>
+      </p:sp>
+    </p:spTree>
+    <p:extLst>
+      <p:ext uri="{BB962C8B-B14F-4D97-AF65-F5344CB8AC3E}">
+        <p14:creationId xmlns:p14="http://schemas.microsoft.com/office/powerpoint/2010/main" val="1965618998"/>
+      </p:ext>
+    </p:extLst>
+  </p:cSld>
+  <p:clrMapOvr>
+    <a:masterClrMapping/>
+  </p:clrMapOvr>
+</p:sld>
+</file>
+
+<file path=ppt/slides/slide44.xml><?xml version="1.0" encoding="utf-8"?>
+<p:sld xmlns:a="http://schemas.openxmlformats.org/drawingml/2006/main" xmlns:r="http://schemas.openxmlformats.org/officeDocument/2006/relationships" xmlns:p="http://schemas.openxmlformats.org/presentationml/2006/main">
+  <p:cSld>
+    <p:spTree>
+      <p:nvGrpSpPr>
+        <p:cNvPr id="1" name="">
+          <a:extLst>
+            <a:ext uri="{FF2B5EF4-FFF2-40B4-BE49-F238E27FC236}">
+              <a16:creationId xmlns:a16="http://schemas.microsoft.com/office/drawing/2014/main" id="{94665C57-9959-7214-A7CF-8C2498CF44F0}"/>
+            </a:ext>
+          </a:extLst>
+        </p:cNvPr>
+        <p:cNvGrpSpPr/>
+        <p:nvPr/>
+      </p:nvGrpSpPr>
+      <p:grpSpPr>
+        <a:xfrm>
+          <a:off x="0" y="0"/>
+          <a:ext cx="0" cy="0"/>
+          <a:chOff x="0" y="0"/>
+          <a:chExt cx="0" cy="0"/>
+        </a:xfrm>
+      </p:grpSpPr>
+      <p:pic>
+        <p:nvPicPr>
+          <p:cNvPr id="7" name="図 6">
+            <a:extLst>
+              <a:ext uri="{FF2B5EF4-FFF2-40B4-BE49-F238E27FC236}">
+                <a16:creationId xmlns:a16="http://schemas.microsoft.com/office/drawing/2014/main" id="{123E447B-C22E-CE60-3200-BD2F1CA6E1D1}"/>
+              </a:ext>
+            </a:extLst>
+          </p:cNvPr>
+          <p:cNvPicPr>
+            <a:picLocks noChangeAspect="1"/>
+          </p:cNvPicPr>
+          <p:nvPr/>
+        </p:nvPicPr>
+        <p:blipFill>
+          <a:blip r:embed="rId3" cstate="email">
+            <a:extLst>
+              <a:ext uri="{28A0092B-C50C-407E-A947-70E740481C1C}">
+                <a14:useLocalDpi xmlns:a14="http://schemas.microsoft.com/office/drawing/2010/main"/>
+              </a:ext>
+            </a:extLst>
+          </a:blip>
+          <a:srcRect/>
+          <a:stretch>
+            <a:fillRect/>
+          </a:stretch>
+        </p:blipFill>
+        <p:spPr>
+          <a:xfrm>
+            <a:off x="172870" y="1412084"/>
+            <a:ext cx="11846259" cy="4800600"/>
+          </a:xfrm>
+          <a:prstGeom prst="rect">
+            <a:avLst/>
+          </a:prstGeom>
+          <a:ln>
+            <a:solidFill>
+              <a:schemeClr val="bg1">
+                <a:lumMod val="65000"/>
+              </a:schemeClr>
+            </a:solidFill>
+          </a:ln>
+        </p:spPr>
+      </p:pic>
+      <p:sp>
+        <p:nvSpPr>
+          <p:cNvPr id="4" name="テキスト ボックス 3">
+            <a:extLst>
+              <a:ext uri="{FF2B5EF4-FFF2-40B4-BE49-F238E27FC236}">
+                <a16:creationId xmlns:a16="http://schemas.microsoft.com/office/drawing/2014/main" id="{C75B31AE-6AD2-FC06-02D4-421556431ECB}"/>
+              </a:ext>
+            </a:extLst>
+          </p:cNvPr>
+          <p:cNvSpPr txBox="1"/>
+          <p:nvPr/>
+        </p:nvSpPr>
+        <p:spPr>
+          <a:xfrm>
+            <a:off x="1" y="114464"/>
+            <a:ext cx="12192000" cy="760959"/>
+          </a:xfrm>
+          <a:prstGeom prst="rect">
+            <a:avLst/>
+          </a:prstGeom>
+          <a:solidFill>
+            <a:srgbClr val="002060"/>
+          </a:solidFill>
+        </p:spPr>
+        <p:txBody>
+          <a:bodyPr wrap="square" tIns="72000" bIns="72000" rtlCol="0">
+            <a:spAutoFit/>
+          </a:bodyPr>
+          <a:lstStyle/>
+          <a:p>
+            <a:pPr marL="360000"/>
+            <a:r>
+              <a:rPr lang="ja-JP" altLang="en-US" sz="4000" b="1" spc="1000" dirty="0">
+                <a:solidFill>
+                  <a:schemeClr val="bg1"/>
+                </a:solidFill>
+              </a:rPr>
+              <a:t>ソフトの主要操作－</a:t>
+            </a:r>
+            <a:r>
+              <a:rPr lang="ja-JP" altLang="en-US" sz="2800" b="1" spc="1000" dirty="0">
+                <a:solidFill>
+                  <a:schemeClr val="bg1"/>
+                </a:solidFill>
+              </a:rPr>
+              <a:t>ソフトの初期設定</a:t>
+            </a:r>
+            <a:endParaRPr kumimoji="1" lang="ja-JP" altLang="en-US" sz="4000" b="1" spc="1000" dirty="0">
+              <a:solidFill>
+                <a:schemeClr val="bg1"/>
+              </a:solidFill>
+            </a:endParaRPr>
+          </a:p>
+        </p:txBody>
+      </p:sp>
+      <p:sp>
+        <p:nvSpPr>
+          <p:cNvPr id="5" name="楕円 4">
+            <a:extLst>
+              <a:ext uri="{FF2B5EF4-FFF2-40B4-BE49-F238E27FC236}">
+                <a16:creationId xmlns:a16="http://schemas.microsoft.com/office/drawing/2014/main" id="{4199B3EC-DD84-1AE0-7CAF-435BFA6BCFAB}"/>
+              </a:ext>
+            </a:extLst>
+          </p:cNvPr>
+          <p:cNvSpPr/>
+          <p:nvPr/>
+        </p:nvSpPr>
+        <p:spPr>
+          <a:xfrm>
+            <a:off x="7322656" y="4378253"/>
+            <a:ext cx="4424843" cy="676347"/>
+          </a:xfrm>
+          <a:prstGeom prst="ellipse">
+            <a:avLst/>
+          </a:prstGeom>
+          <a:noFill/>
+          <a:ln w="63500">
+            <a:solidFill>
+              <a:srgbClr val="FF0000"/>
+            </a:solidFill>
+          </a:ln>
+        </p:spPr>
+        <p:style>
+          <a:lnRef idx="2">
+            <a:schemeClr val="accent1">
+              <a:shade val="15000"/>
+            </a:schemeClr>
+          </a:lnRef>
+          <a:fillRef idx="1">
+            <a:schemeClr val="accent1"/>
+          </a:fillRef>
+          <a:effectRef idx="0">
+            <a:schemeClr val="accent1"/>
+          </a:effectRef>
+          <a:fontRef idx="minor">
+            <a:schemeClr val="lt1"/>
+          </a:fontRef>
+        </p:style>
+        <p:txBody>
+          <a:bodyPr rtlCol="0" anchor="ctr"/>
+          <a:lstStyle/>
+          <a:p>
+            <a:pPr algn="ctr"/>
+            <a:endParaRPr kumimoji="1" lang="ja-JP" altLang="en-US"/>
+          </a:p>
+        </p:txBody>
+      </p:sp>
+    </p:spTree>
+    <p:extLst>
+      <p:ext uri="{BB962C8B-B14F-4D97-AF65-F5344CB8AC3E}">
+        <p14:creationId xmlns:p14="http://schemas.microsoft.com/office/powerpoint/2010/main" val="3774245459"/>
+      </p:ext>
+    </p:extLst>
+  </p:cSld>
+  <p:clrMapOvr>
+    <a:masterClrMapping/>
+  </p:clrMapOvr>
+</p:sld>
+</file>
+
+<file path=ppt/slides/slide45.xml><?xml version="1.0" encoding="utf-8"?>
+<p:sld xmlns:a="http://schemas.openxmlformats.org/drawingml/2006/main" xmlns:r="http://schemas.openxmlformats.org/officeDocument/2006/relationships" xmlns:p="http://schemas.openxmlformats.org/presentationml/2006/main">
+  <p:cSld>
+    <p:spTree>
+      <p:nvGrpSpPr>
+        <p:cNvPr id="1" name="">
+          <a:extLst>
+            <a:ext uri="{FF2B5EF4-FFF2-40B4-BE49-F238E27FC236}">
+              <a16:creationId xmlns:a16="http://schemas.microsoft.com/office/drawing/2014/main" id="{692BCA8C-FDA1-95E7-21D6-101794A54DFD}"/>
+            </a:ext>
+          </a:extLst>
+        </p:cNvPr>
+        <p:cNvGrpSpPr/>
+        <p:nvPr/>
+      </p:nvGrpSpPr>
+      <p:grpSpPr>
+        <a:xfrm>
+          <a:off x="0" y="0"/>
+          <a:ext cx="0" cy="0"/>
+          <a:chOff x="0" y="0"/>
+          <a:chExt cx="0" cy="0"/>
+        </a:xfrm>
+      </p:grpSpPr>
+      <p:pic>
+        <p:nvPicPr>
+          <p:cNvPr id="3" name="図 2">
+            <a:extLst>
+              <a:ext uri="{FF2B5EF4-FFF2-40B4-BE49-F238E27FC236}">
+                <a16:creationId xmlns:a16="http://schemas.microsoft.com/office/drawing/2014/main" id="{253B3C90-B45E-8F8C-19B4-F168297E2636}"/>
+              </a:ext>
+            </a:extLst>
+          </p:cNvPr>
+          <p:cNvPicPr>
+            <a:picLocks noChangeAspect="1"/>
+          </p:cNvPicPr>
+          <p:nvPr/>
+        </p:nvPicPr>
+        <p:blipFill>
+          <a:blip r:embed="rId3" cstate="screen">
+            <a:extLst>
+              <a:ext uri="{28A0092B-C50C-407E-A947-70E740481C1C}">
+                <a14:useLocalDpi xmlns:a14="http://schemas.microsoft.com/office/drawing/2010/main"/>
+              </a:ext>
+            </a:extLst>
+          </a:blip>
+          <a:srcRect b="52028"/>
+          <a:stretch>
+            <a:fillRect/>
+          </a:stretch>
+        </p:blipFill>
+        <p:spPr>
+          <a:xfrm>
+            <a:off x="275195" y="1116808"/>
+            <a:ext cx="11641610" cy="5095876"/>
+          </a:xfrm>
+          <a:prstGeom prst="rect">
+            <a:avLst/>
+          </a:prstGeom>
+          <a:ln>
+            <a:solidFill>
+              <a:schemeClr val="bg1">
+                <a:lumMod val="65000"/>
+              </a:schemeClr>
+            </a:solidFill>
+          </a:ln>
+        </p:spPr>
+      </p:pic>
+      <p:sp>
+        <p:nvSpPr>
+          <p:cNvPr id="4" name="テキスト ボックス 3">
+            <a:extLst>
+              <a:ext uri="{FF2B5EF4-FFF2-40B4-BE49-F238E27FC236}">
+                <a16:creationId xmlns:a16="http://schemas.microsoft.com/office/drawing/2014/main" id="{FB4291FF-2A48-6CAD-77D3-3D26FB18532E}"/>
+              </a:ext>
+            </a:extLst>
+          </p:cNvPr>
+          <p:cNvSpPr txBox="1"/>
+          <p:nvPr/>
+        </p:nvSpPr>
+        <p:spPr>
+          <a:xfrm>
+            <a:off x="1" y="114464"/>
+            <a:ext cx="12192000" cy="760959"/>
+          </a:xfrm>
+          <a:prstGeom prst="rect">
+            <a:avLst/>
+          </a:prstGeom>
+          <a:solidFill>
+            <a:srgbClr val="002060"/>
+          </a:solidFill>
+        </p:spPr>
+        <p:txBody>
+          <a:bodyPr wrap="square" tIns="72000" bIns="72000" rtlCol="0">
+            <a:spAutoFit/>
+          </a:bodyPr>
+          <a:lstStyle/>
+          <a:p>
+            <a:pPr marL="360000"/>
+            <a:r>
+              <a:rPr lang="ja-JP" altLang="en-US" sz="4000" b="1" spc="1000" dirty="0">
+                <a:solidFill>
+                  <a:schemeClr val="bg1"/>
+                </a:solidFill>
+              </a:rPr>
+              <a:t>ソフトの主要操作－</a:t>
+            </a:r>
+            <a:r>
+              <a:rPr lang="ja-JP" altLang="en-US" sz="2800" b="1" spc="1000" dirty="0">
+                <a:solidFill>
+                  <a:schemeClr val="bg1"/>
+                </a:solidFill>
+              </a:rPr>
+              <a:t>ソフトの初期設定</a:t>
+            </a:r>
+            <a:endParaRPr kumimoji="1" lang="ja-JP" altLang="en-US" sz="4000" b="1" spc="1000" dirty="0">
+              <a:solidFill>
+                <a:schemeClr val="bg1"/>
+              </a:solidFill>
+            </a:endParaRPr>
+          </a:p>
+        </p:txBody>
+      </p:sp>
+      <p:sp>
+        <p:nvSpPr>
+          <p:cNvPr id="5" name="楕円 4">
+            <a:extLst>
+              <a:ext uri="{FF2B5EF4-FFF2-40B4-BE49-F238E27FC236}">
+                <a16:creationId xmlns:a16="http://schemas.microsoft.com/office/drawing/2014/main" id="{20EEEFD6-2907-57F4-D88F-6A8951E49DBE}"/>
+              </a:ext>
+            </a:extLst>
+          </p:cNvPr>
+          <p:cNvSpPr/>
+          <p:nvPr/>
+        </p:nvSpPr>
+        <p:spPr>
+          <a:xfrm>
+            <a:off x="7157556" y="4619553"/>
+            <a:ext cx="4602643" cy="1451047"/>
+          </a:xfrm>
+          <a:prstGeom prst="ellipse">
+            <a:avLst/>
+          </a:prstGeom>
+          <a:noFill/>
+          <a:ln w="63500">
+            <a:solidFill>
+              <a:srgbClr val="FF0000"/>
+            </a:solidFill>
+          </a:ln>
+        </p:spPr>
+        <p:style>
+          <a:lnRef idx="2">
+            <a:schemeClr val="accent1">
+              <a:shade val="15000"/>
+            </a:schemeClr>
+          </a:lnRef>
+          <a:fillRef idx="1">
+            <a:schemeClr val="accent1"/>
+          </a:fillRef>
+          <a:effectRef idx="0">
+            <a:schemeClr val="accent1"/>
+          </a:effectRef>
+          <a:fontRef idx="minor">
+            <a:schemeClr val="lt1"/>
+          </a:fontRef>
+        </p:style>
+        <p:txBody>
+          <a:bodyPr rtlCol="0" anchor="ctr"/>
+          <a:lstStyle/>
+          <a:p>
+            <a:pPr algn="ctr"/>
+            <a:endParaRPr kumimoji="1" lang="ja-JP" altLang="en-US"/>
+          </a:p>
+        </p:txBody>
+      </p:sp>
+    </p:spTree>
+    <p:extLst>
+      <p:ext uri="{BB962C8B-B14F-4D97-AF65-F5344CB8AC3E}">
+        <p14:creationId xmlns:p14="http://schemas.microsoft.com/office/powerpoint/2010/main" val="2953850739"/>
+      </p:ext>
+    </p:extLst>
+  </p:cSld>
+  <p:clrMapOvr>
+    <a:masterClrMapping/>
+  </p:clrMapOvr>
+</p:sld>
+</file>
+
+<file path=ppt/slides/slide46.xml><?xml version="1.0" encoding="utf-8"?>
+<p:sld xmlns:a="http://schemas.openxmlformats.org/drawingml/2006/main" xmlns:r="http://schemas.openxmlformats.org/officeDocument/2006/relationships" xmlns:p="http://schemas.openxmlformats.org/presentationml/2006/main">
+  <p:cSld>
+    <p:spTree>
+      <p:nvGrpSpPr>
+        <p:cNvPr id="1" name="">
+          <a:extLst>
+            <a:ext uri="{FF2B5EF4-FFF2-40B4-BE49-F238E27FC236}">
+              <a16:creationId xmlns:a16="http://schemas.microsoft.com/office/drawing/2014/main" id="{E325870E-F372-35AD-4EE2-2573D1BA1F03}"/>
+            </a:ext>
+          </a:extLst>
+        </p:cNvPr>
+        <p:cNvGrpSpPr/>
+        <p:nvPr/>
+      </p:nvGrpSpPr>
+      <p:grpSpPr>
+        <a:xfrm>
+          <a:off x="0" y="0"/>
+          <a:ext cx="0" cy="0"/>
+          <a:chOff x="0" y="0"/>
+          <a:chExt cx="0" cy="0"/>
+        </a:xfrm>
+      </p:grpSpPr>
+      <p:pic>
+        <p:nvPicPr>
+          <p:cNvPr id="3" name="図 2">
+            <a:extLst>
+              <a:ext uri="{FF2B5EF4-FFF2-40B4-BE49-F238E27FC236}">
+                <a16:creationId xmlns:a16="http://schemas.microsoft.com/office/drawing/2014/main" id="{D46ACCC3-D85E-B52F-242E-5E9FD13CE3EB}"/>
+              </a:ext>
+            </a:extLst>
+          </p:cNvPr>
+          <p:cNvPicPr>
+            <a:picLocks noChangeAspect="1"/>
+          </p:cNvPicPr>
+          <p:nvPr/>
+        </p:nvPicPr>
+        <p:blipFill>
+          <a:blip r:embed="rId3" cstate="screen">
+            <a:extLst>
+              <a:ext uri="{28A0092B-C50C-407E-A947-70E740481C1C}">
+                <a14:useLocalDpi xmlns:a14="http://schemas.microsoft.com/office/drawing/2010/main"/>
+              </a:ext>
+            </a:extLst>
+          </a:blip>
+          <a:srcRect t="63962"/>
+          <a:stretch>
+            <a:fillRect/>
+          </a:stretch>
+        </p:blipFill>
+        <p:spPr>
+          <a:xfrm>
+            <a:off x="431818" y="1977154"/>
+            <a:ext cx="11328364" cy="3725146"/>
+          </a:xfrm>
+          <a:prstGeom prst="rect">
+            <a:avLst/>
+          </a:prstGeom>
+          <a:ln>
+            <a:solidFill>
+              <a:schemeClr val="bg1">
+                <a:lumMod val="65000"/>
+              </a:schemeClr>
+            </a:solidFill>
+          </a:ln>
+        </p:spPr>
+      </p:pic>
+      <p:sp>
+        <p:nvSpPr>
+          <p:cNvPr id="4" name="テキスト ボックス 3">
+            <a:extLst>
+              <a:ext uri="{FF2B5EF4-FFF2-40B4-BE49-F238E27FC236}">
+                <a16:creationId xmlns:a16="http://schemas.microsoft.com/office/drawing/2014/main" id="{E9423F5B-E154-5554-AF8B-5AFE85474029}"/>
+              </a:ext>
+            </a:extLst>
+          </p:cNvPr>
+          <p:cNvSpPr txBox="1"/>
+          <p:nvPr/>
+        </p:nvSpPr>
+        <p:spPr>
+          <a:xfrm>
+            <a:off x="1" y="114464"/>
+            <a:ext cx="12192000" cy="760959"/>
+          </a:xfrm>
+          <a:prstGeom prst="rect">
+            <a:avLst/>
+          </a:prstGeom>
+          <a:solidFill>
+            <a:srgbClr val="002060"/>
+          </a:solidFill>
+        </p:spPr>
+        <p:txBody>
+          <a:bodyPr wrap="square" tIns="72000" bIns="72000" rtlCol="0">
+            <a:spAutoFit/>
+          </a:bodyPr>
+          <a:lstStyle/>
+          <a:p>
+            <a:pPr marL="360000"/>
+            <a:r>
+              <a:rPr lang="ja-JP" altLang="en-US" sz="4000" b="1" spc="1000" dirty="0">
+                <a:solidFill>
+                  <a:schemeClr val="bg1"/>
+                </a:solidFill>
+              </a:rPr>
+              <a:t>ソフトの主要操作－</a:t>
+            </a:r>
+            <a:r>
+              <a:rPr lang="ja-JP" altLang="en-US" sz="2800" b="1" spc="1000" dirty="0">
+                <a:solidFill>
+                  <a:schemeClr val="bg1"/>
+                </a:solidFill>
+              </a:rPr>
+              <a:t>ソフトの初期設定</a:t>
+            </a:r>
+            <a:endParaRPr kumimoji="1" lang="ja-JP" altLang="en-US" sz="4000" b="1" spc="1000" dirty="0">
+              <a:solidFill>
+                <a:schemeClr val="bg1"/>
+              </a:solidFill>
+            </a:endParaRPr>
+          </a:p>
+        </p:txBody>
+      </p:sp>
+      <p:sp>
+        <p:nvSpPr>
+          <p:cNvPr id="6" name="楕円 5">
+            <a:extLst>
+              <a:ext uri="{FF2B5EF4-FFF2-40B4-BE49-F238E27FC236}">
+                <a16:creationId xmlns:a16="http://schemas.microsoft.com/office/drawing/2014/main" id="{5DA41AC8-6355-34DD-9FBB-8139E550EBBD}"/>
+              </a:ext>
+            </a:extLst>
+          </p:cNvPr>
+          <p:cNvSpPr/>
+          <p:nvPr/>
+        </p:nvSpPr>
+        <p:spPr>
+          <a:xfrm>
+            <a:off x="8143926" y="5018093"/>
+            <a:ext cx="1266774" cy="506407"/>
+          </a:xfrm>
+          <a:prstGeom prst="ellipse">
+            <a:avLst/>
+          </a:prstGeom>
+          <a:noFill/>
+          <a:ln w="63500">
+            <a:solidFill>
+              <a:srgbClr val="FF0000"/>
+            </a:solidFill>
+          </a:ln>
+        </p:spPr>
+        <p:style>
+          <a:lnRef idx="2">
+            <a:schemeClr val="accent1">
+              <a:shade val="15000"/>
+            </a:schemeClr>
+          </a:lnRef>
+          <a:fillRef idx="1">
+            <a:schemeClr val="accent1"/>
+          </a:fillRef>
+          <a:effectRef idx="0">
+            <a:schemeClr val="accent1"/>
+          </a:effectRef>
+          <a:fontRef idx="minor">
+            <a:schemeClr val="lt1"/>
+          </a:fontRef>
+        </p:style>
+        <p:txBody>
+          <a:bodyPr rtlCol="0" anchor="ctr"/>
+          <a:lstStyle/>
+          <a:p>
+            <a:pPr algn="ctr"/>
+            <a:endParaRPr kumimoji="1" lang="ja-JP" altLang="en-US"/>
+          </a:p>
+        </p:txBody>
+      </p:sp>
+    </p:spTree>
+    <p:extLst>
+      <p:ext uri="{BB962C8B-B14F-4D97-AF65-F5344CB8AC3E}">
+        <p14:creationId xmlns:p14="http://schemas.microsoft.com/office/powerpoint/2010/main" val="721533619"/>
+      </p:ext>
+    </p:extLst>
+  </p:cSld>
+  <p:clrMapOvr>
+    <a:masterClrMapping/>
+  </p:clrMapOvr>
+</p:sld>
+</file>
+
+<file path=ppt/slides/slide47.xml><?xml version="1.0" encoding="utf-8"?>
+<p:sld xmlns:a="http://schemas.openxmlformats.org/drawingml/2006/main" xmlns:r="http://schemas.openxmlformats.org/officeDocument/2006/relationships" xmlns:p="http://schemas.openxmlformats.org/presentationml/2006/main">
+  <p:cSld>
+    <p:spTree>
+      <p:nvGrpSpPr>
+        <p:cNvPr id="1" name="">
+          <a:extLst>
+            <a:ext uri="{FF2B5EF4-FFF2-40B4-BE49-F238E27FC236}">
+              <a16:creationId xmlns:a16="http://schemas.microsoft.com/office/drawing/2014/main" id="{1D45E4E9-FD52-4C6A-4A48-074686A539DA}"/>
+            </a:ext>
+          </a:extLst>
+        </p:cNvPr>
+        <p:cNvGrpSpPr/>
+        <p:nvPr/>
+      </p:nvGrpSpPr>
+      <p:grpSpPr>
+        <a:xfrm>
+          <a:off x="0" y="0"/>
+          <a:ext cx="0" cy="0"/>
+          <a:chOff x="0" y="0"/>
+          <a:chExt cx="0" cy="0"/>
+        </a:xfrm>
+      </p:grpSpPr>
+      <p:sp>
+        <p:nvSpPr>
+          <p:cNvPr id="4" name="テキスト ボックス 3">
+            <a:extLst>
+              <a:ext uri="{FF2B5EF4-FFF2-40B4-BE49-F238E27FC236}">
+                <a16:creationId xmlns:a16="http://schemas.microsoft.com/office/drawing/2014/main" id="{FE22F531-ED56-4F28-483F-4C572739C9AB}"/>
+              </a:ext>
+            </a:extLst>
+          </p:cNvPr>
+          <p:cNvSpPr txBox="1"/>
+          <p:nvPr/>
+        </p:nvSpPr>
+        <p:spPr>
+          <a:xfrm>
+            <a:off x="1" y="114464"/>
+            <a:ext cx="12192000" cy="760959"/>
+          </a:xfrm>
+          <a:prstGeom prst="rect">
+            <a:avLst/>
+          </a:prstGeom>
+          <a:solidFill>
+            <a:srgbClr val="002060"/>
+          </a:solidFill>
+        </p:spPr>
+        <p:txBody>
+          <a:bodyPr wrap="square" tIns="72000" bIns="72000" rtlCol="0">
+            <a:spAutoFit/>
+          </a:bodyPr>
+          <a:lstStyle/>
+          <a:p>
+            <a:pPr marL="360000"/>
+            <a:r>
+              <a:rPr lang="ja-JP" altLang="en-US" sz="4000" b="1" spc="1000" dirty="0">
+                <a:solidFill>
+                  <a:schemeClr val="bg1"/>
+                </a:solidFill>
+              </a:rPr>
+              <a:t>ソフトの主要操作－</a:t>
+            </a:r>
+            <a:r>
+              <a:rPr lang="ja-JP" altLang="en-US" sz="2800" b="1" spc="1000" dirty="0">
+                <a:solidFill>
+                  <a:schemeClr val="bg1"/>
+                </a:solidFill>
+              </a:rPr>
+              <a:t>ソフトの初期設定</a:t>
+            </a:r>
+            <a:endParaRPr kumimoji="1" lang="ja-JP" altLang="en-US" sz="4000" b="1" spc="1000" dirty="0">
+              <a:solidFill>
+                <a:schemeClr val="bg1"/>
+              </a:solidFill>
+            </a:endParaRPr>
+          </a:p>
+        </p:txBody>
+      </p:sp>
+      <p:pic>
+        <p:nvPicPr>
+          <p:cNvPr id="8" name="図 7">
+            <a:extLst>
+              <a:ext uri="{FF2B5EF4-FFF2-40B4-BE49-F238E27FC236}">
+                <a16:creationId xmlns:a16="http://schemas.microsoft.com/office/drawing/2014/main" id="{5BBA219D-F324-18A1-1A01-A5FD2FF44C6E}"/>
+              </a:ext>
+            </a:extLst>
+          </p:cNvPr>
+          <p:cNvPicPr>
+            <a:picLocks noChangeAspect="1"/>
+          </p:cNvPicPr>
+          <p:nvPr/>
+        </p:nvPicPr>
+        <p:blipFill>
+          <a:blip r:embed="rId3"/>
+          <a:stretch>
+            <a:fillRect/>
+          </a:stretch>
+        </p:blipFill>
+        <p:spPr>
+          <a:xfrm>
+            <a:off x="1123950" y="1103312"/>
+            <a:ext cx="9944100" cy="5386388"/>
+          </a:xfrm>
+          <a:prstGeom prst="rect">
+            <a:avLst/>
+          </a:prstGeom>
+          <a:ln>
+            <a:solidFill>
+              <a:schemeClr val="bg1">
+                <a:lumMod val="65000"/>
+              </a:schemeClr>
+            </a:solidFill>
+          </a:ln>
+        </p:spPr>
+      </p:pic>
+      <p:sp>
+        <p:nvSpPr>
+          <p:cNvPr id="9" name="楕円 8">
+            <a:extLst>
+              <a:ext uri="{FF2B5EF4-FFF2-40B4-BE49-F238E27FC236}">
+                <a16:creationId xmlns:a16="http://schemas.microsoft.com/office/drawing/2014/main" id="{B74AE20A-2BBB-9783-E897-92C2B6E4A500}"/>
+              </a:ext>
+            </a:extLst>
+          </p:cNvPr>
+          <p:cNvSpPr/>
+          <p:nvPr/>
+        </p:nvSpPr>
+        <p:spPr>
+          <a:xfrm>
+            <a:off x="6096000" y="3175796"/>
+            <a:ext cx="1092200" cy="1269204"/>
+          </a:xfrm>
+          <a:prstGeom prst="ellipse">
+            <a:avLst/>
+          </a:prstGeom>
+          <a:noFill/>
+          <a:ln w="63500">
+            <a:solidFill>
+              <a:srgbClr val="FF0000"/>
+            </a:solidFill>
+          </a:ln>
+        </p:spPr>
+        <p:style>
+          <a:lnRef idx="2">
+            <a:schemeClr val="accent1">
+              <a:shade val="15000"/>
+            </a:schemeClr>
+          </a:lnRef>
+          <a:fillRef idx="1">
+            <a:schemeClr val="accent1"/>
+          </a:fillRef>
+          <a:effectRef idx="0">
+            <a:schemeClr val="accent1"/>
+          </a:effectRef>
+          <a:fontRef idx="minor">
+            <a:schemeClr val="lt1"/>
+          </a:fontRef>
+        </p:style>
+        <p:txBody>
+          <a:bodyPr rtlCol="0" anchor="ctr"/>
+          <a:lstStyle/>
+          <a:p>
+            <a:pPr algn="ctr"/>
+            <a:endParaRPr kumimoji="1" lang="ja-JP" altLang="en-US"/>
+          </a:p>
+        </p:txBody>
+      </p:sp>
+    </p:spTree>
+    <p:extLst>
+      <p:ext uri="{BB962C8B-B14F-4D97-AF65-F5344CB8AC3E}">
+        <p14:creationId xmlns:p14="http://schemas.microsoft.com/office/powerpoint/2010/main" val="2704729601"/>
       </p:ext>
     </p:extLst>
   </p:cSld>

--- a/prezentation/プレゼン資料.pptx
+++ b/prezentation/プレゼン資料.pptx
@@ -5,7 +5,7 @@
     <p:sldMasterId id="2147483648" r:id="rId1"/>
   </p:sldMasterIdLst>
   <p:notesMasterIdLst>
-    <p:notesMasterId r:id="rId49"/>
+    <p:notesMasterId r:id="rId50"/>
   </p:notesMasterIdLst>
   <p:sldIdLst>
     <p:sldId id="256" r:id="rId2"/>
@@ -28,33 +28,34 @@
     <p:sldId id="290" r:id="rId19"/>
     <p:sldId id="277" r:id="rId20"/>
     <p:sldId id="274" r:id="rId21"/>
-    <p:sldId id="287" r:id="rId22"/>
-    <p:sldId id="292" r:id="rId23"/>
-    <p:sldId id="286" r:id="rId24"/>
-    <p:sldId id="288" r:id="rId25"/>
-    <p:sldId id="285" r:id="rId26"/>
-    <p:sldId id="293" r:id="rId27"/>
-    <p:sldId id="294" r:id="rId28"/>
-    <p:sldId id="295" r:id="rId29"/>
-    <p:sldId id="275" r:id="rId30"/>
-    <p:sldId id="289" r:id="rId31"/>
-    <p:sldId id="291" r:id="rId32"/>
-    <p:sldId id="296" r:id="rId33"/>
-    <p:sldId id="298" r:id="rId34"/>
-    <p:sldId id="299" r:id="rId35"/>
-    <p:sldId id="300" r:id="rId36"/>
-    <p:sldId id="301" r:id="rId37"/>
-    <p:sldId id="302" r:id="rId38"/>
-    <p:sldId id="303" r:id="rId39"/>
-    <p:sldId id="304" r:id="rId40"/>
-    <p:sldId id="297" r:id="rId41"/>
-    <p:sldId id="305" r:id="rId42"/>
-    <p:sldId id="306" r:id="rId43"/>
-    <p:sldId id="307" r:id="rId44"/>
-    <p:sldId id="309" r:id="rId45"/>
-    <p:sldId id="308" r:id="rId46"/>
-    <p:sldId id="311" r:id="rId47"/>
-    <p:sldId id="310" r:id="rId48"/>
+    <p:sldId id="312" r:id="rId22"/>
+    <p:sldId id="287" r:id="rId23"/>
+    <p:sldId id="292" r:id="rId24"/>
+    <p:sldId id="286" r:id="rId25"/>
+    <p:sldId id="288" r:id="rId26"/>
+    <p:sldId id="285" r:id="rId27"/>
+    <p:sldId id="293" r:id="rId28"/>
+    <p:sldId id="294" r:id="rId29"/>
+    <p:sldId id="295" r:id="rId30"/>
+    <p:sldId id="275" r:id="rId31"/>
+    <p:sldId id="289" r:id="rId32"/>
+    <p:sldId id="291" r:id="rId33"/>
+    <p:sldId id="296" r:id="rId34"/>
+    <p:sldId id="298" r:id="rId35"/>
+    <p:sldId id="299" r:id="rId36"/>
+    <p:sldId id="300" r:id="rId37"/>
+    <p:sldId id="301" r:id="rId38"/>
+    <p:sldId id="302" r:id="rId39"/>
+    <p:sldId id="303" r:id="rId40"/>
+    <p:sldId id="304" r:id="rId41"/>
+    <p:sldId id="297" r:id="rId42"/>
+    <p:sldId id="305" r:id="rId43"/>
+    <p:sldId id="306" r:id="rId44"/>
+    <p:sldId id="307" r:id="rId45"/>
+    <p:sldId id="309" r:id="rId46"/>
+    <p:sldId id="308" r:id="rId47"/>
+    <p:sldId id="311" r:id="rId48"/>
+    <p:sldId id="310" r:id="rId49"/>
   </p:sldIdLst>
   <p:sldSz cx="12192000" cy="6858000"/>
   <p:notesSz cx="6858000" cy="9144000"/>
@@ -243,7 +244,7 @@
           <a:p>
             <a:fld id="{90012D24-6901-4AA6-9E4D-EA1B3F903C01}" type="datetimeFigureOut">
               <a:rPr kumimoji="1" lang="ja-JP" altLang="en-US" smtClean="0"/>
-              <a:t>2025/7/9</a:t>
+              <a:t>2025/7/10</a:t>
             </a:fld>
             <a:endParaRPr kumimoji="1" lang="ja-JP" altLang="en-US"/>
           </a:p>
@@ -2629,6 +2630,120 @@
         <p:cNvPr id="1" name="">
           <a:extLst>
             <a:ext uri="{FF2B5EF4-FFF2-40B4-BE49-F238E27FC236}">
+              <a16:creationId xmlns:a16="http://schemas.microsoft.com/office/drawing/2014/main" id="{0C5757ED-6F30-4384-60AC-2571E0A1B4E5}"/>
+            </a:ext>
+          </a:extLst>
+        </p:cNvPr>
+        <p:cNvGrpSpPr/>
+        <p:nvPr/>
+      </p:nvGrpSpPr>
+      <p:grpSpPr>
+        <a:xfrm>
+          <a:off x="0" y="0"/>
+          <a:ext cx="0" cy="0"/>
+          <a:chOff x="0" y="0"/>
+          <a:chExt cx="0" cy="0"/>
+        </a:xfrm>
+      </p:grpSpPr>
+      <p:sp>
+        <p:nvSpPr>
+          <p:cNvPr id="2" name="スライド イメージ プレースホルダー 1">
+            <a:extLst>
+              <a:ext uri="{FF2B5EF4-FFF2-40B4-BE49-F238E27FC236}">
+                <a16:creationId xmlns:a16="http://schemas.microsoft.com/office/drawing/2014/main" id="{EF893B29-0781-4080-05BA-37EA2F21F986}"/>
+              </a:ext>
+            </a:extLst>
+          </p:cNvPr>
+          <p:cNvSpPr>
+            <a:spLocks noGrp="1" noRot="1" noChangeAspect="1"/>
+          </p:cNvSpPr>
+          <p:nvPr>
+            <p:ph type="sldImg"/>
+          </p:nvPr>
+        </p:nvSpPr>
+        <p:spPr/>
+      </p:sp>
+      <p:sp>
+        <p:nvSpPr>
+          <p:cNvPr id="3" name="ノート プレースホルダー 2">
+            <a:extLst>
+              <a:ext uri="{FF2B5EF4-FFF2-40B4-BE49-F238E27FC236}">
+                <a16:creationId xmlns:a16="http://schemas.microsoft.com/office/drawing/2014/main" id="{9E6CF8D4-E3C5-B424-374B-EA598E206E6A}"/>
+              </a:ext>
+            </a:extLst>
+          </p:cNvPr>
+          <p:cNvSpPr>
+            <a:spLocks noGrp="1"/>
+          </p:cNvSpPr>
+          <p:nvPr>
+            <p:ph type="body" idx="1"/>
+          </p:nvPr>
+        </p:nvSpPr>
+        <p:spPr/>
+        <p:txBody>
+          <a:bodyPr/>
+          <a:lstStyle/>
+          <a:p>
+            <a:endParaRPr kumimoji="1" lang="en-US" altLang="ja-JP" dirty="0"/>
+          </a:p>
+          <a:p>
+            <a:r>
+              <a:rPr kumimoji="1" lang="ja-JP" altLang="en-US" dirty="0"/>
+              <a:t>（クリック）</a:t>
+            </a:r>
+          </a:p>
+        </p:txBody>
+      </p:sp>
+      <p:sp>
+        <p:nvSpPr>
+          <p:cNvPr id="4" name="スライド番号プレースホルダー 3">
+            <a:extLst>
+              <a:ext uri="{FF2B5EF4-FFF2-40B4-BE49-F238E27FC236}">
+                <a16:creationId xmlns:a16="http://schemas.microsoft.com/office/drawing/2014/main" id="{BF3565CD-C31D-3B78-83A6-9FDDE142D25B}"/>
+              </a:ext>
+            </a:extLst>
+          </p:cNvPr>
+          <p:cNvSpPr>
+            <a:spLocks noGrp="1"/>
+          </p:cNvSpPr>
+          <p:nvPr>
+            <p:ph type="sldNum" sz="quarter" idx="5"/>
+          </p:nvPr>
+        </p:nvSpPr>
+        <p:spPr/>
+        <p:txBody>
+          <a:bodyPr/>
+          <a:lstStyle/>
+          <a:p>
+            <a:fld id="{193CFC30-ED5E-4C2C-BBC5-AF1D8FA7FCDE}" type="slidenum">
+              <a:rPr kumimoji="1" lang="ja-JP" altLang="en-US" smtClean="0"/>
+              <a:t>21</a:t>
+            </a:fld>
+            <a:endParaRPr kumimoji="1" lang="ja-JP" altLang="en-US"/>
+          </a:p>
+        </p:txBody>
+      </p:sp>
+    </p:spTree>
+    <p:extLst>
+      <p:ext uri="{BB962C8B-B14F-4D97-AF65-F5344CB8AC3E}">
+        <p14:creationId xmlns:p14="http://schemas.microsoft.com/office/powerpoint/2010/main" val="836740353"/>
+      </p:ext>
+    </p:extLst>
+  </p:cSld>
+  <p:clrMapOvr>
+    <a:masterClrMapping/>
+  </p:clrMapOvr>
+</p:notes>
+</file>
+
+<file path=ppt/notesSlides/notesSlide22.xml><?xml version="1.0" encoding="utf-8"?>
+<p:notes xmlns:a="http://schemas.openxmlformats.org/drawingml/2006/main" xmlns:r="http://schemas.openxmlformats.org/officeDocument/2006/relationships" xmlns:p="http://schemas.openxmlformats.org/presentationml/2006/main">
+  <p:cSld>
+    <p:spTree>
+      <p:nvGrpSpPr>
+        <p:cNvPr id="1" name="">
+          <a:extLst>
+            <a:ext uri="{FF2B5EF4-FFF2-40B4-BE49-F238E27FC236}">
               <a16:creationId xmlns:a16="http://schemas.microsoft.com/office/drawing/2014/main" id="{2E8655E0-647C-E6F2-6DE3-EF64216F8417}"/>
             </a:ext>
           </a:extLst>
@@ -2710,7 +2825,7 @@
           <a:p>
             <a:fld id="{193CFC30-ED5E-4C2C-BBC5-AF1D8FA7FCDE}" type="slidenum">
               <a:rPr kumimoji="1" lang="ja-JP" altLang="en-US" smtClean="0"/>
-              <a:t>21</a:t>
+              <a:t>22</a:t>
             </a:fld>
             <a:endParaRPr kumimoji="1" lang="ja-JP" altLang="en-US"/>
           </a:p>
@@ -2729,7 +2844,7 @@
 </p:notes>
 </file>
 
-<file path=ppt/notesSlides/notesSlide22.xml><?xml version="1.0" encoding="utf-8"?>
+<file path=ppt/notesSlides/notesSlide23.xml><?xml version="1.0" encoding="utf-8"?>
 <p:notes xmlns:a="http://schemas.openxmlformats.org/drawingml/2006/main" xmlns:r="http://schemas.openxmlformats.org/officeDocument/2006/relationships" xmlns:p="http://schemas.openxmlformats.org/presentationml/2006/main">
   <p:cSld>
     <p:spTree>
@@ -2818,7 +2933,7 @@
           <a:p>
             <a:fld id="{193CFC30-ED5E-4C2C-BBC5-AF1D8FA7FCDE}" type="slidenum">
               <a:rPr kumimoji="1" lang="ja-JP" altLang="en-US" smtClean="0"/>
-              <a:t>22</a:t>
+              <a:t>23</a:t>
             </a:fld>
             <a:endParaRPr kumimoji="1" lang="ja-JP" altLang="en-US"/>
           </a:p>
@@ -2837,7 +2952,7 @@
 </p:notes>
 </file>
 
-<file path=ppt/notesSlides/notesSlide23.xml><?xml version="1.0" encoding="utf-8"?>
+<file path=ppt/notesSlides/notesSlide24.xml><?xml version="1.0" encoding="utf-8"?>
 <p:notes xmlns:a="http://schemas.openxmlformats.org/drawingml/2006/main" xmlns:r="http://schemas.openxmlformats.org/officeDocument/2006/relationships" xmlns:p="http://schemas.openxmlformats.org/presentationml/2006/main">
   <p:cSld>
     <p:spTree>
@@ -2944,7 +3059,7 @@
           <a:p>
             <a:fld id="{193CFC30-ED5E-4C2C-BBC5-AF1D8FA7FCDE}" type="slidenum">
               <a:rPr kumimoji="1" lang="ja-JP" altLang="en-US" smtClean="0"/>
-              <a:t>23</a:t>
+              <a:t>24</a:t>
             </a:fld>
             <a:endParaRPr kumimoji="1" lang="ja-JP" altLang="en-US"/>
           </a:p>
@@ -2963,7 +3078,7 @@
 </p:notes>
 </file>
 
-<file path=ppt/notesSlides/notesSlide24.xml><?xml version="1.0" encoding="utf-8"?>
+<file path=ppt/notesSlides/notesSlide25.xml><?xml version="1.0" encoding="utf-8"?>
 <p:notes xmlns:a="http://schemas.openxmlformats.org/drawingml/2006/main" xmlns:r="http://schemas.openxmlformats.org/officeDocument/2006/relationships" xmlns:p="http://schemas.openxmlformats.org/presentationml/2006/main">
   <p:cSld>
     <p:spTree>
@@ -3062,7 +3177,7 @@
           <a:p>
             <a:fld id="{193CFC30-ED5E-4C2C-BBC5-AF1D8FA7FCDE}" type="slidenum">
               <a:rPr kumimoji="1" lang="ja-JP" altLang="en-US" smtClean="0"/>
-              <a:t>24</a:t>
+              <a:t>25</a:t>
             </a:fld>
             <a:endParaRPr kumimoji="1" lang="ja-JP" altLang="en-US"/>
           </a:p>
@@ -3081,7 +3196,7 @@
 </p:notes>
 </file>
 
-<file path=ppt/notesSlides/notesSlide25.xml><?xml version="1.0" encoding="utf-8"?>
+<file path=ppt/notesSlides/notesSlide26.xml><?xml version="1.0" encoding="utf-8"?>
 <p:notes xmlns:a="http://schemas.openxmlformats.org/drawingml/2006/main" xmlns:r="http://schemas.openxmlformats.org/officeDocument/2006/relationships" xmlns:p="http://schemas.openxmlformats.org/presentationml/2006/main">
   <p:cSld>
     <p:spTree>
@@ -3198,7 +3313,7 @@
           <a:p>
             <a:fld id="{193CFC30-ED5E-4C2C-BBC5-AF1D8FA7FCDE}" type="slidenum">
               <a:rPr kumimoji="1" lang="ja-JP" altLang="en-US" smtClean="0"/>
-              <a:t>25</a:t>
+              <a:t>26</a:t>
             </a:fld>
             <a:endParaRPr kumimoji="1" lang="ja-JP" altLang="en-US"/>
           </a:p>
@@ -3217,7 +3332,7 @@
 </p:notes>
 </file>
 
-<file path=ppt/notesSlides/notesSlide26.xml><?xml version="1.0" encoding="utf-8"?>
+<file path=ppt/notesSlides/notesSlide27.xml><?xml version="1.0" encoding="utf-8"?>
 <p:notes xmlns:a="http://schemas.openxmlformats.org/drawingml/2006/main" xmlns:r="http://schemas.openxmlformats.org/officeDocument/2006/relationships" xmlns:p="http://schemas.openxmlformats.org/presentationml/2006/main">
   <p:cSld>
     <p:spTree>
@@ -3349,7 +3464,7 @@
           <a:p>
             <a:fld id="{193CFC30-ED5E-4C2C-BBC5-AF1D8FA7FCDE}" type="slidenum">
               <a:rPr kumimoji="1" lang="ja-JP" altLang="en-US" smtClean="0"/>
-              <a:t>26</a:t>
+              <a:t>27</a:t>
             </a:fld>
             <a:endParaRPr kumimoji="1" lang="ja-JP" altLang="en-US"/>
           </a:p>
@@ -3368,7 +3483,7 @@
 </p:notes>
 </file>
 
-<file path=ppt/notesSlides/notesSlide27.xml><?xml version="1.0" encoding="utf-8"?>
+<file path=ppt/notesSlides/notesSlide28.xml><?xml version="1.0" encoding="utf-8"?>
 <p:notes xmlns:a="http://schemas.openxmlformats.org/drawingml/2006/main" xmlns:r="http://schemas.openxmlformats.org/officeDocument/2006/relationships" xmlns:p="http://schemas.openxmlformats.org/presentationml/2006/main">
   <p:cSld>
     <p:spTree>
@@ -3502,7 +3617,7 @@
           <a:p>
             <a:fld id="{193CFC30-ED5E-4C2C-BBC5-AF1D8FA7FCDE}" type="slidenum">
               <a:rPr kumimoji="1" lang="ja-JP" altLang="en-US" smtClean="0"/>
-              <a:t>27</a:t>
+              <a:t>28</a:t>
             </a:fld>
             <a:endParaRPr kumimoji="1" lang="ja-JP" altLang="en-US"/>
           </a:p>
@@ -3521,7 +3636,7 @@
 </p:notes>
 </file>
 
-<file path=ppt/notesSlides/notesSlide28.xml><?xml version="1.0" encoding="utf-8"?>
+<file path=ppt/notesSlides/notesSlide29.xml><?xml version="1.0" encoding="utf-8"?>
 <p:notes xmlns:a="http://schemas.openxmlformats.org/drawingml/2006/main" xmlns:r="http://schemas.openxmlformats.org/officeDocument/2006/relationships" xmlns:p="http://schemas.openxmlformats.org/presentationml/2006/main">
   <p:cSld>
     <p:spTree>
@@ -3779,7 +3894,7 @@
           <a:p>
             <a:fld id="{193CFC30-ED5E-4C2C-BBC5-AF1D8FA7FCDE}" type="slidenum">
               <a:rPr kumimoji="1" lang="ja-JP" altLang="en-US" smtClean="0"/>
-              <a:t>28</a:t>
+              <a:t>29</a:t>
             </a:fld>
             <a:endParaRPr kumimoji="1" lang="ja-JP" altLang="en-US"/>
           </a:p>
@@ -3789,169 +3904,6 @@
     <p:extLst>
       <p:ext uri="{BB962C8B-B14F-4D97-AF65-F5344CB8AC3E}">
         <p14:creationId xmlns:p14="http://schemas.microsoft.com/office/powerpoint/2010/main" val="1128328190"/>
-      </p:ext>
-    </p:extLst>
-  </p:cSld>
-  <p:clrMapOvr>
-    <a:masterClrMapping/>
-  </p:clrMapOvr>
-</p:notes>
-</file>
-
-<file path=ppt/notesSlides/notesSlide29.xml><?xml version="1.0" encoding="utf-8"?>
-<p:notes xmlns:a="http://schemas.openxmlformats.org/drawingml/2006/main" xmlns:r="http://schemas.openxmlformats.org/officeDocument/2006/relationships" xmlns:p="http://schemas.openxmlformats.org/presentationml/2006/main">
-  <p:cSld>
-    <p:spTree>
-      <p:nvGrpSpPr>
-        <p:cNvPr id="1" name="">
-          <a:extLst>
-            <a:ext uri="{FF2B5EF4-FFF2-40B4-BE49-F238E27FC236}">
-              <a16:creationId xmlns:a16="http://schemas.microsoft.com/office/drawing/2014/main" id="{BF6194C5-B99C-FB0A-0FA8-6A6E80645268}"/>
-            </a:ext>
-          </a:extLst>
-        </p:cNvPr>
-        <p:cNvGrpSpPr/>
-        <p:nvPr/>
-      </p:nvGrpSpPr>
-      <p:grpSpPr>
-        <a:xfrm>
-          <a:off x="0" y="0"/>
-          <a:ext cx="0" cy="0"/>
-          <a:chOff x="0" y="0"/>
-          <a:chExt cx="0" cy="0"/>
-        </a:xfrm>
-      </p:grpSpPr>
-      <p:sp>
-        <p:nvSpPr>
-          <p:cNvPr id="2" name="スライド イメージ プレースホルダー 1">
-            <a:extLst>
-              <a:ext uri="{FF2B5EF4-FFF2-40B4-BE49-F238E27FC236}">
-                <a16:creationId xmlns:a16="http://schemas.microsoft.com/office/drawing/2014/main" id="{F3B8759F-DE4D-C10F-9E5D-0F7E1967F46E}"/>
-              </a:ext>
-            </a:extLst>
-          </p:cNvPr>
-          <p:cNvSpPr>
-            <a:spLocks noGrp="1" noRot="1" noChangeAspect="1"/>
-          </p:cNvSpPr>
-          <p:nvPr>
-            <p:ph type="sldImg"/>
-          </p:nvPr>
-        </p:nvSpPr>
-        <p:spPr/>
-      </p:sp>
-      <p:sp>
-        <p:nvSpPr>
-          <p:cNvPr id="3" name="ノート プレースホルダー 2">
-            <a:extLst>
-              <a:ext uri="{FF2B5EF4-FFF2-40B4-BE49-F238E27FC236}">
-                <a16:creationId xmlns:a16="http://schemas.microsoft.com/office/drawing/2014/main" id="{B3E76F48-BA81-A80E-3A7E-8B9D75B46579}"/>
-              </a:ext>
-            </a:extLst>
-          </p:cNvPr>
-          <p:cNvSpPr>
-            <a:spLocks noGrp="1"/>
-          </p:cNvSpPr>
-          <p:nvPr>
-            <p:ph type="body" idx="1"/>
-          </p:nvPr>
-        </p:nvSpPr>
-        <p:spPr/>
-        <p:txBody>
-          <a:bodyPr/>
-          <a:lstStyle/>
-          <a:p>
-            <a:r>
-              <a:rPr kumimoji="1" lang="ja-JP" altLang="en-US" dirty="0"/>
-              <a:t>最後、</a:t>
-            </a:r>
-            <a:r>
-              <a:rPr kumimoji="1" lang="en-US" altLang="ja-JP" dirty="0" err="1"/>
-              <a:t>FreeCAD</a:t>
-            </a:r>
-            <a:r>
-              <a:rPr kumimoji="1" lang="ja-JP" altLang="en-US" dirty="0"/>
-              <a:t>です。</a:t>
-            </a:r>
-            <a:endParaRPr kumimoji="1" lang="en-US" altLang="ja-JP" dirty="0"/>
-          </a:p>
-          <a:p>
-            <a:endParaRPr kumimoji="1" lang="en-US" altLang="ja-JP" dirty="0"/>
-          </a:p>
-          <a:p>
-            <a:r>
-              <a:rPr kumimoji="1" lang="ja-JP" altLang="en-US" dirty="0"/>
-              <a:t>これは、</a:t>
-            </a:r>
-            <a:r>
-              <a:rPr kumimoji="1" lang="en-US" altLang="ja-JP" dirty="0"/>
-              <a:t>3D</a:t>
-            </a:r>
-            <a:r>
-              <a:rPr kumimoji="1" lang="ja-JP" altLang="en-US" dirty="0"/>
-              <a:t>モデルを作成する無料のソフトウェアです。</a:t>
-            </a:r>
-            <a:endParaRPr kumimoji="1" lang="en-US" altLang="ja-JP" dirty="0"/>
-          </a:p>
-          <a:p>
-            <a:r>
-              <a:rPr kumimoji="1" lang="ja-JP" altLang="en-US" dirty="0"/>
-              <a:t>皆さんがこれからインストールし、初期設定し、実際に</a:t>
-            </a:r>
-            <a:r>
-              <a:rPr kumimoji="1" lang="en-US" altLang="ja-JP" dirty="0"/>
-              <a:t>3D</a:t>
-            </a:r>
-            <a:r>
-              <a:rPr kumimoji="1" lang="ja-JP" altLang="en-US" dirty="0"/>
-              <a:t>モデリングを行っていただくソフトです。</a:t>
-            </a:r>
-            <a:endParaRPr kumimoji="1" lang="en-US" altLang="ja-JP" dirty="0"/>
-          </a:p>
-          <a:p>
-            <a:endParaRPr kumimoji="1" lang="en-US" altLang="ja-JP" dirty="0"/>
-          </a:p>
-          <a:p>
-            <a:r>
-              <a:rPr kumimoji="1" lang="ja-JP" altLang="en-US" dirty="0"/>
-              <a:t>（クリック）</a:t>
-            </a:r>
-            <a:endParaRPr kumimoji="1" lang="en-US" altLang="ja-JP" dirty="0"/>
-          </a:p>
-        </p:txBody>
-      </p:sp>
-      <p:sp>
-        <p:nvSpPr>
-          <p:cNvPr id="4" name="スライド番号プレースホルダー 3">
-            <a:extLst>
-              <a:ext uri="{FF2B5EF4-FFF2-40B4-BE49-F238E27FC236}">
-                <a16:creationId xmlns:a16="http://schemas.microsoft.com/office/drawing/2014/main" id="{F4A2B117-89B6-3B00-C13A-733199545493}"/>
-              </a:ext>
-            </a:extLst>
-          </p:cNvPr>
-          <p:cNvSpPr>
-            <a:spLocks noGrp="1"/>
-          </p:cNvSpPr>
-          <p:nvPr>
-            <p:ph type="sldNum" sz="quarter" idx="5"/>
-          </p:nvPr>
-        </p:nvSpPr>
-        <p:spPr/>
-        <p:txBody>
-          <a:bodyPr/>
-          <a:lstStyle/>
-          <a:p>
-            <a:fld id="{193CFC30-ED5E-4C2C-BBC5-AF1D8FA7FCDE}" type="slidenum">
-              <a:rPr kumimoji="1" lang="ja-JP" altLang="en-US" smtClean="0"/>
-              <a:t>29</a:t>
-            </a:fld>
-            <a:endParaRPr kumimoji="1" lang="ja-JP" altLang="en-US"/>
-          </a:p>
-        </p:txBody>
-      </p:sp>
-    </p:spTree>
-    <p:extLst>
-      <p:ext uri="{BB962C8B-B14F-4D97-AF65-F5344CB8AC3E}">
-        <p14:creationId xmlns:p14="http://schemas.microsoft.com/office/powerpoint/2010/main" val="794758835"/>
       </p:ext>
     </p:extLst>
   </p:cSld>
@@ -4063,6 +4015,169 @@
         <p:cNvPr id="1" name="">
           <a:extLst>
             <a:ext uri="{FF2B5EF4-FFF2-40B4-BE49-F238E27FC236}">
+              <a16:creationId xmlns:a16="http://schemas.microsoft.com/office/drawing/2014/main" id="{BF6194C5-B99C-FB0A-0FA8-6A6E80645268}"/>
+            </a:ext>
+          </a:extLst>
+        </p:cNvPr>
+        <p:cNvGrpSpPr/>
+        <p:nvPr/>
+      </p:nvGrpSpPr>
+      <p:grpSpPr>
+        <a:xfrm>
+          <a:off x="0" y="0"/>
+          <a:ext cx="0" cy="0"/>
+          <a:chOff x="0" y="0"/>
+          <a:chExt cx="0" cy="0"/>
+        </a:xfrm>
+      </p:grpSpPr>
+      <p:sp>
+        <p:nvSpPr>
+          <p:cNvPr id="2" name="スライド イメージ プレースホルダー 1">
+            <a:extLst>
+              <a:ext uri="{FF2B5EF4-FFF2-40B4-BE49-F238E27FC236}">
+                <a16:creationId xmlns:a16="http://schemas.microsoft.com/office/drawing/2014/main" id="{F3B8759F-DE4D-C10F-9E5D-0F7E1967F46E}"/>
+              </a:ext>
+            </a:extLst>
+          </p:cNvPr>
+          <p:cNvSpPr>
+            <a:spLocks noGrp="1" noRot="1" noChangeAspect="1"/>
+          </p:cNvSpPr>
+          <p:nvPr>
+            <p:ph type="sldImg"/>
+          </p:nvPr>
+        </p:nvSpPr>
+        <p:spPr/>
+      </p:sp>
+      <p:sp>
+        <p:nvSpPr>
+          <p:cNvPr id="3" name="ノート プレースホルダー 2">
+            <a:extLst>
+              <a:ext uri="{FF2B5EF4-FFF2-40B4-BE49-F238E27FC236}">
+                <a16:creationId xmlns:a16="http://schemas.microsoft.com/office/drawing/2014/main" id="{B3E76F48-BA81-A80E-3A7E-8B9D75B46579}"/>
+              </a:ext>
+            </a:extLst>
+          </p:cNvPr>
+          <p:cNvSpPr>
+            <a:spLocks noGrp="1"/>
+          </p:cNvSpPr>
+          <p:nvPr>
+            <p:ph type="body" idx="1"/>
+          </p:nvPr>
+        </p:nvSpPr>
+        <p:spPr/>
+        <p:txBody>
+          <a:bodyPr/>
+          <a:lstStyle/>
+          <a:p>
+            <a:r>
+              <a:rPr kumimoji="1" lang="ja-JP" altLang="en-US" dirty="0"/>
+              <a:t>最後、</a:t>
+            </a:r>
+            <a:r>
+              <a:rPr kumimoji="1" lang="en-US" altLang="ja-JP" dirty="0" err="1"/>
+              <a:t>FreeCAD</a:t>
+            </a:r>
+            <a:r>
+              <a:rPr kumimoji="1" lang="ja-JP" altLang="en-US" dirty="0"/>
+              <a:t>です。</a:t>
+            </a:r>
+            <a:endParaRPr kumimoji="1" lang="en-US" altLang="ja-JP" dirty="0"/>
+          </a:p>
+          <a:p>
+            <a:endParaRPr kumimoji="1" lang="en-US" altLang="ja-JP" dirty="0"/>
+          </a:p>
+          <a:p>
+            <a:r>
+              <a:rPr kumimoji="1" lang="ja-JP" altLang="en-US" dirty="0"/>
+              <a:t>これは、</a:t>
+            </a:r>
+            <a:r>
+              <a:rPr kumimoji="1" lang="en-US" altLang="ja-JP" dirty="0"/>
+              <a:t>3D</a:t>
+            </a:r>
+            <a:r>
+              <a:rPr kumimoji="1" lang="ja-JP" altLang="en-US" dirty="0"/>
+              <a:t>モデルを作成する無料のソフトウェアです。</a:t>
+            </a:r>
+            <a:endParaRPr kumimoji="1" lang="en-US" altLang="ja-JP" dirty="0"/>
+          </a:p>
+          <a:p>
+            <a:r>
+              <a:rPr kumimoji="1" lang="ja-JP" altLang="en-US" dirty="0"/>
+              <a:t>皆さんがこれからインストールし、初期設定し、実際に</a:t>
+            </a:r>
+            <a:r>
+              <a:rPr kumimoji="1" lang="en-US" altLang="ja-JP" dirty="0"/>
+              <a:t>3D</a:t>
+            </a:r>
+            <a:r>
+              <a:rPr kumimoji="1" lang="ja-JP" altLang="en-US" dirty="0"/>
+              <a:t>モデリングを行っていただくソフトです。</a:t>
+            </a:r>
+            <a:endParaRPr kumimoji="1" lang="en-US" altLang="ja-JP" dirty="0"/>
+          </a:p>
+          <a:p>
+            <a:endParaRPr kumimoji="1" lang="en-US" altLang="ja-JP" dirty="0"/>
+          </a:p>
+          <a:p>
+            <a:r>
+              <a:rPr kumimoji="1" lang="ja-JP" altLang="en-US" dirty="0"/>
+              <a:t>（クリック）</a:t>
+            </a:r>
+            <a:endParaRPr kumimoji="1" lang="en-US" altLang="ja-JP" dirty="0"/>
+          </a:p>
+        </p:txBody>
+      </p:sp>
+      <p:sp>
+        <p:nvSpPr>
+          <p:cNvPr id="4" name="スライド番号プレースホルダー 3">
+            <a:extLst>
+              <a:ext uri="{FF2B5EF4-FFF2-40B4-BE49-F238E27FC236}">
+                <a16:creationId xmlns:a16="http://schemas.microsoft.com/office/drawing/2014/main" id="{F4A2B117-89B6-3B00-C13A-733199545493}"/>
+              </a:ext>
+            </a:extLst>
+          </p:cNvPr>
+          <p:cNvSpPr>
+            <a:spLocks noGrp="1"/>
+          </p:cNvSpPr>
+          <p:nvPr>
+            <p:ph type="sldNum" sz="quarter" idx="5"/>
+          </p:nvPr>
+        </p:nvSpPr>
+        <p:spPr/>
+        <p:txBody>
+          <a:bodyPr/>
+          <a:lstStyle/>
+          <a:p>
+            <a:fld id="{193CFC30-ED5E-4C2C-BBC5-AF1D8FA7FCDE}" type="slidenum">
+              <a:rPr kumimoji="1" lang="ja-JP" altLang="en-US" smtClean="0"/>
+              <a:t>30</a:t>
+            </a:fld>
+            <a:endParaRPr kumimoji="1" lang="ja-JP" altLang="en-US"/>
+          </a:p>
+        </p:txBody>
+      </p:sp>
+    </p:spTree>
+    <p:extLst>
+      <p:ext uri="{BB962C8B-B14F-4D97-AF65-F5344CB8AC3E}">
+        <p14:creationId xmlns:p14="http://schemas.microsoft.com/office/powerpoint/2010/main" val="794758835"/>
+      </p:ext>
+    </p:extLst>
+  </p:cSld>
+  <p:clrMapOvr>
+    <a:masterClrMapping/>
+  </p:clrMapOvr>
+</p:notes>
+</file>
+
+<file path=ppt/notesSlides/notesSlide31.xml><?xml version="1.0" encoding="utf-8"?>
+<p:notes xmlns:a="http://schemas.openxmlformats.org/drawingml/2006/main" xmlns:r="http://schemas.openxmlformats.org/officeDocument/2006/relationships" xmlns:p="http://schemas.openxmlformats.org/presentationml/2006/main">
+  <p:cSld>
+    <p:spTree>
+      <p:nvGrpSpPr>
+        <p:cNvPr id="1" name="">
+          <a:extLst>
+            <a:ext uri="{FF2B5EF4-FFF2-40B4-BE49-F238E27FC236}">
               <a16:creationId xmlns:a16="http://schemas.microsoft.com/office/drawing/2014/main" id="{BFCCFA0D-AAAF-CFED-897E-9609CC26D100}"/>
             </a:ext>
           </a:extLst>
@@ -4240,7 +4355,7 @@
           <a:p>
             <a:fld id="{193CFC30-ED5E-4C2C-BBC5-AF1D8FA7FCDE}" type="slidenum">
               <a:rPr kumimoji="1" lang="ja-JP" altLang="en-US" smtClean="0"/>
-              <a:t>30</a:t>
+              <a:t>31</a:t>
             </a:fld>
             <a:endParaRPr kumimoji="1" lang="ja-JP" altLang="en-US"/>
           </a:p>
@@ -4259,7 +4374,7 @@
 </p:notes>
 </file>
 
-<file path=ppt/notesSlides/notesSlide31.xml><?xml version="1.0" encoding="utf-8"?>
+<file path=ppt/notesSlides/notesSlide32.xml><?xml version="1.0" encoding="utf-8"?>
 <p:notes xmlns:a="http://schemas.openxmlformats.org/drawingml/2006/main" xmlns:r="http://schemas.openxmlformats.org/officeDocument/2006/relationships" xmlns:p="http://schemas.openxmlformats.org/presentationml/2006/main">
   <p:cSld>
     <p:spTree>
@@ -4348,7 +4463,7 @@
           <a:p>
             <a:fld id="{193CFC30-ED5E-4C2C-BBC5-AF1D8FA7FCDE}" type="slidenum">
               <a:rPr kumimoji="1" lang="ja-JP" altLang="en-US" smtClean="0"/>
-              <a:t>31</a:t>
+              <a:t>32</a:t>
             </a:fld>
             <a:endParaRPr kumimoji="1" lang="ja-JP" altLang="en-US"/>
           </a:p>
@@ -4367,7 +4482,7 @@
 </p:notes>
 </file>
 
-<file path=ppt/notesSlides/notesSlide32.xml><?xml version="1.0" encoding="utf-8"?>
+<file path=ppt/notesSlides/notesSlide33.xml><?xml version="1.0" encoding="utf-8"?>
 <p:notes xmlns:a="http://schemas.openxmlformats.org/drawingml/2006/main" xmlns:r="http://schemas.openxmlformats.org/officeDocument/2006/relationships" xmlns:p="http://schemas.openxmlformats.org/presentationml/2006/main">
   <p:cSld>
     <p:spTree>
@@ -4456,7 +4571,7 @@
           <a:p>
             <a:fld id="{193CFC30-ED5E-4C2C-BBC5-AF1D8FA7FCDE}" type="slidenum">
               <a:rPr kumimoji="1" lang="ja-JP" altLang="en-US" smtClean="0"/>
-              <a:t>32</a:t>
+              <a:t>33</a:t>
             </a:fld>
             <a:endParaRPr kumimoji="1" lang="ja-JP" altLang="en-US"/>
           </a:p>
@@ -4475,7 +4590,7 @@
 </p:notes>
 </file>
 
-<file path=ppt/notesSlides/notesSlide33.xml><?xml version="1.0" encoding="utf-8"?>
+<file path=ppt/notesSlides/notesSlide34.xml><?xml version="1.0" encoding="utf-8"?>
 <p:notes xmlns:a="http://schemas.openxmlformats.org/drawingml/2006/main" xmlns:r="http://schemas.openxmlformats.org/officeDocument/2006/relationships" xmlns:p="http://schemas.openxmlformats.org/presentationml/2006/main">
   <p:cSld>
     <p:spTree>
@@ -4564,7 +4679,7 @@
           <a:p>
             <a:fld id="{193CFC30-ED5E-4C2C-BBC5-AF1D8FA7FCDE}" type="slidenum">
               <a:rPr kumimoji="1" lang="ja-JP" altLang="en-US" smtClean="0"/>
-              <a:t>33</a:t>
+              <a:t>34</a:t>
             </a:fld>
             <a:endParaRPr kumimoji="1" lang="ja-JP" altLang="en-US"/>
           </a:p>
@@ -4583,7 +4698,7 @@
 </p:notes>
 </file>
 
-<file path=ppt/notesSlides/notesSlide34.xml><?xml version="1.0" encoding="utf-8"?>
+<file path=ppt/notesSlides/notesSlide35.xml><?xml version="1.0" encoding="utf-8"?>
 <p:notes xmlns:a="http://schemas.openxmlformats.org/drawingml/2006/main" xmlns:r="http://schemas.openxmlformats.org/officeDocument/2006/relationships" xmlns:p="http://schemas.openxmlformats.org/presentationml/2006/main">
   <p:cSld>
     <p:spTree>
@@ -4672,7 +4787,7 @@
           <a:p>
             <a:fld id="{193CFC30-ED5E-4C2C-BBC5-AF1D8FA7FCDE}" type="slidenum">
               <a:rPr kumimoji="1" lang="ja-JP" altLang="en-US" smtClean="0"/>
-              <a:t>34</a:t>
+              <a:t>35</a:t>
             </a:fld>
             <a:endParaRPr kumimoji="1" lang="ja-JP" altLang="en-US"/>
           </a:p>
@@ -4691,7 +4806,7 @@
 </p:notes>
 </file>
 
-<file path=ppt/notesSlides/notesSlide35.xml><?xml version="1.0" encoding="utf-8"?>
+<file path=ppt/notesSlides/notesSlide36.xml><?xml version="1.0" encoding="utf-8"?>
 <p:notes xmlns:a="http://schemas.openxmlformats.org/drawingml/2006/main" xmlns:r="http://schemas.openxmlformats.org/officeDocument/2006/relationships" xmlns:p="http://schemas.openxmlformats.org/presentationml/2006/main">
   <p:cSld>
     <p:spTree>
@@ -4780,7 +4895,7 @@
           <a:p>
             <a:fld id="{193CFC30-ED5E-4C2C-BBC5-AF1D8FA7FCDE}" type="slidenum">
               <a:rPr kumimoji="1" lang="ja-JP" altLang="en-US" smtClean="0"/>
-              <a:t>35</a:t>
+              <a:t>36</a:t>
             </a:fld>
             <a:endParaRPr kumimoji="1" lang="ja-JP" altLang="en-US"/>
           </a:p>
@@ -4799,7 +4914,7 @@
 </p:notes>
 </file>
 
-<file path=ppt/notesSlides/notesSlide36.xml><?xml version="1.0" encoding="utf-8"?>
+<file path=ppt/notesSlides/notesSlide37.xml><?xml version="1.0" encoding="utf-8"?>
 <p:notes xmlns:a="http://schemas.openxmlformats.org/drawingml/2006/main" xmlns:r="http://schemas.openxmlformats.org/officeDocument/2006/relationships" xmlns:p="http://schemas.openxmlformats.org/presentationml/2006/main">
   <p:cSld>
     <p:spTree>
@@ -4888,7 +5003,7 @@
           <a:p>
             <a:fld id="{193CFC30-ED5E-4C2C-BBC5-AF1D8FA7FCDE}" type="slidenum">
               <a:rPr kumimoji="1" lang="ja-JP" altLang="en-US" smtClean="0"/>
-              <a:t>36</a:t>
+              <a:t>37</a:t>
             </a:fld>
             <a:endParaRPr kumimoji="1" lang="ja-JP" altLang="en-US"/>
           </a:p>
@@ -4907,7 +5022,7 @@
 </p:notes>
 </file>
 
-<file path=ppt/notesSlides/notesSlide37.xml><?xml version="1.0" encoding="utf-8"?>
+<file path=ppt/notesSlides/notesSlide38.xml><?xml version="1.0" encoding="utf-8"?>
 <p:notes xmlns:a="http://schemas.openxmlformats.org/drawingml/2006/main" xmlns:r="http://schemas.openxmlformats.org/officeDocument/2006/relationships" xmlns:p="http://schemas.openxmlformats.org/presentationml/2006/main">
   <p:cSld>
     <p:spTree>
@@ -4996,7 +5111,7 @@
           <a:p>
             <a:fld id="{193CFC30-ED5E-4C2C-BBC5-AF1D8FA7FCDE}" type="slidenum">
               <a:rPr kumimoji="1" lang="ja-JP" altLang="en-US" smtClean="0"/>
-              <a:t>37</a:t>
+              <a:t>38</a:t>
             </a:fld>
             <a:endParaRPr kumimoji="1" lang="ja-JP" altLang="en-US"/>
           </a:p>
@@ -5015,7 +5130,7 @@
 </p:notes>
 </file>
 
-<file path=ppt/notesSlides/notesSlide38.xml><?xml version="1.0" encoding="utf-8"?>
+<file path=ppt/notesSlides/notesSlide39.xml><?xml version="1.0" encoding="utf-8"?>
 <p:notes xmlns:a="http://schemas.openxmlformats.org/drawingml/2006/main" xmlns:r="http://schemas.openxmlformats.org/officeDocument/2006/relationships" xmlns:p="http://schemas.openxmlformats.org/presentationml/2006/main">
   <p:cSld>
     <p:spTree>
@@ -5104,7 +5219,7 @@
           <a:p>
             <a:fld id="{193CFC30-ED5E-4C2C-BBC5-AF1D8FA7FCDE}" type="slidenum">
               <a:rPr kumimoji="1" lang="ja-JP" altLang="en-US" smtClean="0"/>
-              <a:t>38</a:t>
+              <a:t>39</a:t>
             </a:fld>
             <a:endParaRPr kumimoji="1" lang="ja-JP" altLang="en-US"/>
           </a:p>
@@ -5114,114 +5229,6 @@
     <p:extLst>
       <p:ext uri="{BB962C8B-B14F-4D97-AF65-F5344CB8AC3E}">
         <p14:creationId xmlns:p14="http://schemas.microsoft.com/office/powerpoint/2010/main" val="2815501578"/>
-      </p:ext>
-    </p:extLst>
-  </p:cSld>
-  <p:clrMapOvr>
-    <a:masterClrMapping/>
-  </p:clrMapOvr>
-</p:notes>
-</file>
-
-<file path=ppt/notesSlides/notesSlide39.xml><?xml version="1.0" encoding="utf-8"?>
-<p:notes xmlns:a="http://schemas.openxmlformats.org/drawingml/2006/main" xmlns:r="http://schemas.openxmlformats.org/officeDocument/2006/relationships" xmlns:p="http://schemas.openxmlformats.org/presentationml/2006/main">
-  <p:cSld>
-    <p:spTree>
-      <p:nvGrpSpPr>
-        <p:cNvPr id="1" name="">
-          <a:extLst>
-            <a:ext uri="{FF2B5EF4-FFF2-40B4-BE49-F238E27FC236}">
-              <a16:creationId xmlns:a16="http://schemas.microsoft.com/office/drawing/2014/main" id="{982A41CD-3720-06AE-BF79-891457EF2AAB}"/>
-            </a:ext>
-          </a:extLst>
-        </p:cNvPr>
-        <p:cNvGrpSpPr/>
-        <p:nvPr/>
-      </p:nvGrpSpPr>
-      <p:grpSpPr>
-        <a:xfrm>
-          <a:off x="0" y="0"/>
-          <a:ext cx="0" cy="0"/>
-          <a:chOff x="0" y="0"/>
-          <a:chExt cx="0" cy="0"/>
-        </a:xfrm>
-      </p:grpSpPr>
-      <p:sp>
-        <p:nvSpPr>
-          <p:cNvPr id="2" name="スライド イメージ プレースホルダー 1">
-            <a:extLst>
-              <a:ext uri="{FF2B5EF4-FFF2-40B4-BE49-F238E27FC236}">
-                <a16:creationId xmlns:a16="http://schemas.microsoft.com/office/drawing/2014/main" id="{3EBAA964-0379-7429-887A-ED7176E2E243}"/>
-              </a:ext>
-            </a:extLst>
-          </p:cNvPr>
-          <p:cNvSpPr>
-            <a:spLocks noGrp="1" noRot="1" noChangeAspect="1"/>
-          </p:cNvSpPr>
-          <p:nvPr>
-            <p:ph type="sldImg"/>
-          </p:nvPr>
-        </p:nvSpPr>
-        <p:spPr/>
-      </p:sp>
-      <p:sp>
-        <p:nvSpPr>
-          <p:cNvPr id="3" name="ノート プレースホルダー 2">
-            <a:extLst>
-              <a:ext uri="{FF2B5EF4-FFF2-40B4-BE49-F238E27FC236}">
-                <a16:creationId xmlns:a16="http://schemas.microsoft.com/office/drawing/2014/main" id="{0802A13D-9CF7-906F-B701-C4C299BB87F9}"/>
-              </a:ext>
-            </a:extLst>
-          </p:cNvPr>
-          <p:cNvSpPr>
-            <a:spLocks noGrp="1"/>
-          </p:cNvSpPr>
-          <p:nvPr>
-            <p:ph type="body" idx="1"/>
-          </p:nvPr>
-        </p:nvSpPr>
-        <p:spPr/>
-        <p:txBody>
-          <a:bodyPr/>
-          <a:lstStyle/>
-          <a:p>
-            <a:endParaRPr kumimoji="1" lang="en-US" altLang="ja-JP" dirty="0"/>
-          </a:p>
-        </p:txBody>
-      </p:sp>
-      <p:sp>
-        <p:nvSpPr>
-          <p:cNvPr id="4" name="スライド番号プレースホルダー 3">
-            <a:extLst>
-              <a:ext uri="{FF2B5EF4-FFF2-40B4-BE49-F238E27FC236}">
-                <a16:creationId xmlns:a16="http://schemas.microsoft.com/office/drawing/2014/main" id="{12A0986A-F98B-2B6F-DE93-40B7A4446492}"/>
-              </a:ext>
-            </a:extLst>
-          </p:cNvPr>
-          <p:cNvSpPr>
-            <a:spLocks noGrp="1"/>
-          </p:cNvSpPr>
-          <p:nvPr>
-            <p:ph type="sldNum" sz="quarter" idx="5"/>
-          </p:nvPr>
-        </p:nvSpPr>
-        <p:spPr/>
-        <p:txBody>
-          <a:bodyPr/>
-          <a:lstStyle/>
-          <a:p>
-            <a:fld id="{193CFC30-ED5E-4C2C-BBC5-AF1D8FA7FCDE}" type="slidenum">
-              <a:rPr kumimoji="1" lang="ja-JP" altLang="en-US" smtClean="0"/>
-              <a:t>39</a:t>
-            </a:fld>
-            <a:endParaRPr kumimoji="1" lang="ja-JP" altLang="en-US"/>
-          </a:p>
-        </p:txBody>
-      </p:sp>
-    </p:spTree>
-    <p:extLst>
-      <p:ext uri="{BB962C8B-B14F-4D97-AF65-F5344CB8AC3E}">
-        <p14:creationId xmlns:p14="http://schemas.microsoft.com/office/powerpoint/2010/main" val="1876669094"/>
       </p:ext>
     </p:extLst>
   </p:cSld>
@@ -5374,6 +5381,114 @@
         <p:cNvPr id="1" name="">
           <a:extLst>
             <a:ext uri="{FF2B5EF4-FFF2-40B4-BE49-F238E27FC236}">
+              <a16:creationId xmlns:a16="http://schemas.microsoft.com/office/drawing/2014/main" id="{982A41CD-3720-06AE-BF79-891457EF2AAB}"/>
+            </a:ext>
+          </a:extLst>
+        </p:cNvPr>
+        <p:cNvGrpSpPr/>
+        <p:nvPr/>
+      </p:nvGrpSpPr>
+      <p:grpSpPr>
+        <a:xfrm>
+          <a:off x="0" y="0"/>
+          <a:ext cx="0" cy="0"/>
+          <a:chOff x="0" y="0"/>
+          <a:chExt cx="0" cy="0"/>
+        </a:xfrm>
+      </p:grpSpPr>
+      <p:sp>
+        <p:nvSpPr>
+          <p:cNvPr id="2" name="スライド イメージ プレースホルダー 1">
+            <a:extLst>
+              <a:ext uri="{FF2B5EF4-FFF2-40B4-BE49-F238E27FC236}">
+                <a16:creationId xmlns:a16="http://schemas.microsoft.com/office/drawing/2014/main" id="{3EBAA964-0379-7429-887A-ED7176E2E243}"/>
+              </a:ext>
+            </a:extLst>
+          </p:cNvPr>
+          <p:cNvSpPr>
+            <a:spLocks noGrp="1" noRot="1" noChangeAspect="1"/>
+          </p:cNvSpPr>
+          <p:nvPr>
+            <p:ph type="sldImg"/>
+          </p:nvPr>
+        </p:nvSpPr>
+        <p:spPr/>
+      </p:sp>
+      <p:sp>
+        <p:nvSpPr>
+          <p:cNvPr id="3" name="ノート プレースホルダー 2">
+            <a:extLst>
+              <a:ext uri="{FF2B5EF4-FFF2-40B4-BE49-F238E27FC236}">
+                <a16:creationId xmlns:a16="http://schemas.microsoft.com/office/drawing/2014/main" id="{0802A13D-9CF7-906F-B701-C4C299BB87F9}"/>
+              </a:ext>
+            </a:extLst>
+          </p:cNvPr>
+          <p:cNvSpPr>
+            <a:spLocks noGrp="1"/>
+          </p:cNvSpPr>
+          <p:nvPr>
+            <p:ph type="body" idx="1"/>
+          </p:nvPr>
+        </p:nvSpPr>
+        <p:spPr/>
+        <p:txBody>
+          <a:bodyPr/>
+          <a:lstStyle/>
+          <a:p>
+            <a:endParaRPr kumimoji="1" lang="en-US" altLang="ja-JP" dirty="0"/>
+          </a:p>
+        </p:txBody>
+      </p:sp>
+      <p:sp>
+        <p:nvSpPr>
+          <p:cNvPr id="4" name="スライド番号プレースホルダー 3">
+            <a:extLst>
+              <a:ext uri="{FF2B5EF4-FFF2-40B4-BE49-F238E27FC236}">
+                <a16:creationId xmlns:a16="http://schemas.microsoft.com/office/drawing/2014/main" id="{12A0986A-F98B-2B6F-DE93-40B7A4446492}"/>
+              </a:ext>
+            </a:extLst>
+          </p:cNvPr>
+          <p:cNvSpPr>
+            <a:spLocks noGrp="1"/>
+          </p:cNvSpPr>
+          <p:nvPr>
+            <p:ph type="sldNum" sz="quarter" idx="5"/>
+          </p:nvPr>
+        </p:nvSpPr>
+        <p:spPr/>
+        <p:txBody>
+          <a:bodyPr/>
+          <a:lstStyle/>
+          <a:p>
+            <a:fld id="{193CFC30-ED5E-4C2C-BBC5-AF1D8FA7FCDE}" type="slidenum">
+              <a:rPr kumimoji="1" lang="ja-JP" altLang="en-US" smtClean="0"/>
+              <a:t>40</a:t>
+            </a:fld>
+            <a:endParaRPr kumimoji="1" lang="ja-JP" altLang="en-US"/>
+          </a:p>
+        </p:txBody>
+      </p:sp>
+    </p:spTree>
+    <p:extLst>
+      <p:ext uri="{BB962C8B-B14F-4D97-AF65-F5344CB8AC3E}">
+        <p14:creationId xmlns:p14="http://schemas.microsoft.com/office/powerpoint/2010/main" val="1876669094"/>
+      </p:ext>
+    </p:extLst>
+  </p:cSld>
+  <p:clrMapOvr>
+    <a:masterClrMapping/>
+  </p:clrMapOvr>
+</p:notes>
+</file>
+
+<file path=ppt/notesSlides/notesSlide41.xml><?xml version="1.0" encoding="utf-8"?>
+<p:notes xmlns:a="http://schemas.openxmlformats.org/drawingml/2006/main" xmlns:r="http://schemas.openxmlformats.org/officeDocument/2006/relationships" xmlns:p="http://schemas.openxmlformats.org/presentationml/2006/main">
+  <p:cSld>
+    <p:spTree>
+      <p:nvGrpSpPr>
+        <p:cNvPr id="1" name="">
+          <a:extLst>
+            <a:ext uri="{FF2B5EF4-FFF2-40B4-BE49-F238E27FC236}">
               <a16:creationId xmlns:a16="http://schemas.microsoft.com/office/drawing/2014/main" id="{1DA317E3-CC13-FA4A-0F66-A7ABB2E6C998}"/>
             </a:ext>
           </a:extLst>
@@ -5455,7 +5570,7 @@
           <a:p>
             <a:fld id="{193CFC30-ED5E-4C2C-BBC5-AF1D8FA7FCDE}" type="slidenum">
               <a:rPr kumimoji="1" lang="ja-JP" altLang="en-US" smtClean="0"/>
-              <a:t>40</a:t>
+              <a:t>41</a:t>
             </a:fld>
             <a:endParaRPr kumimoji="1" lang="ja-JP" altLang="en-US"/>
           </a:p>
@@ -5474,7 +5589,7 @@
 </p:notes>
 </file>
 
-<file path=ppt/notesSlides/notesSlide41.xml><?xml version="1.0" encoding="utf-8"?>
+<file path=ppt/notesSlides/notesSlide42.xml><?xml version="1.0" encoding="utf-8"?>
 <p:notes xmlns:a="http://schemas.openxmlformats.org/drawingml/2006/main" xmlns:r="http://schemas.openxmlformats.org/officeDocument/2006/relationships" xmlns:p="http://schemas.openxmlformats.org/presentationml/2006/main">
   <p:cSld>
     <p:spTree>
@@ -5563,7 +5678,7 @@
           <a:p>
             <a:fld id="{193CFC30-ED5E-4C2C-BBC5-AF1D8FA7FCDE}" type="slidenum">
               <a:rPr kumimoji="1" lang="ja-JP" altLang="en-US" smtClean="0"/>
-              <a:t>41</a:t>
+              <a:t>42</a:t>
             </a:fld>
             <a:endParaRPr kumimoji="1" lang="ja-JP" altLang="en-US"/>
           </a:p>
@@ -5582,7 +5697,7 @@
 </p:notes>
 </file>
 
-<file path=ppt/notesSlides/notesSlide42.xml><?xml version="1.0" encoding="utf-8"?>
+<file path=ppt/notesSlides/notesSlide43.xml><?xml version="1.0" encoding="utf-8"?>
 <p:notes xmlns:a="http://schemas.openxmlformats.org/drawingml/2006/main" xmlns:r="http://schemas.openxmlformats.org/officeDocument/2006/relationships" xmlns:p="http://schemas.openxmlformats.org/presentationml/2006/main">
   <p:cSld>
     <p:spTree>
@@ -5671,7 +5786,7 @@
           <a:p>
             <a:fld id="{193CFC30-ED5E-4C2C-BBC5-AF1D8FA7FCDE}" type="slidenum">
               <a:rPr kumimoji="1" lang="ja-JP" altLang="en-US" smtClean="0"/>
-              <a:t>42</a:t>
+              <a:t>43</a:t>
             </a:fld>
             <a:endParaRPr kumimoji="1" lang="ja-JP" altLang="en-US"/>
           </a:p>
@@ -5690,7 +5805,7 @@
 </p:notes>
 </file>
 
-<file path=ppt/notesSlides/notesSlide43.xml><?xml version="1.0" encoding="utf-8"?>
+<file path=ppt/notesSlides/notesSlide44.xml><?xml version="1.0" encoding="utf-8"?>
 <p:notes xmlns:a="http://schemas.openxmlformats.org/drawingml/2006/main" xmlns:r="http://schemas.openxmlformats.org/officeDocument/2006/relationships" xmlns:p="http://schemas.openxmlformats.org/presentationml/2006/main">
   <p:cSld>
     <p:spTree>
@@ -5779,7 +5894,7 @@
           <a:p>
             <a:fld id="{193CFC30-ED5E-4C2C-BBC5-AF1D8FA7FCDE}" type="slidenum">
               <a:rPr kumimoji="1" lang="ja-JP" altLang="en-US" smtClean="0"/>
-              <a:t>43</a:t>
+              <a:t>44</a:t>
             </a:fld>
             <a:endParaRPr kumimoji="1" lang="ja-JP" altLang="en-US"/>
           </a:p>
@@ -5798,7 +5913,7 @@
 </p:notes>
 </file>
 
-<file path=ppt/notesSlides/notesSlide44.xml><?xml version="1.0" encoding="utf-8"?>
+<file path=ppt/notesSlides/notesSlide45.xml><?xml version="1.0" encoding="utf-8"?>
 <p:notes xmlns:a="http://schemas.openxmlformats.org/drawingml/2006/main" xmlns:r="http://schemas.openxmlformats.org/officeDocument/2006/relationships" xmlns:p="http://schemas.openxmlformats.org/presentationml/2006/main">
   <p:cSld>
     <p:spTree>
@@ -5887,7 +6002,7 @@
           <a:p>
             <a:fld id="{193CFC30-ED5E-4C2C-BBC5-AF1D8FA7FCDE}" type="slidenum">
               <a:rPr kumimoji="1" lang="ja-JP" altLang="en-US" smtClean="0"/>
-              <a:t>44</a:t>
+              <a:t>45</a:t>
             </a:fld>
             <a:endParaRPr kumimoji="1" lang="ja-JP" altLang="en-US"/>
           </a:p>
@@ -5906,7 +6021,7 @@
 </p:notes>
 </file>
 
-<file path=ppt/notesSlides/notesSlide45.xml><?xml version="1.0" encoding="utf-8"?>
+<file path=ppt/notesSlides/notesSlide46.xml><?xml version="1.0" encoding="utf-8"?>
 <p:notes xmlns:a="http://schemas.openxmlformats.org/drawingml/2006/main" xmlns:r="http://schemas.openxmlformats.org/officeDocument/2006/relationships" xmlns:p="http://schemas.openxmlformats.org/presentationml/2006/main">
   <p:cSld>
     <p:spTree>
@@ -5995,7 +6110,7 @@
           <a:p>
             <a:fld id="{193CFC30-ED5E-4C2C-BBC5-AF1D8FA7FCDE}" type="slidenum">
               <a:rPr kumimoji="1" lang="ja-JP" altLang="en-US" smtClean="0"/>
-              <a:t>45</a:t>
+              <a:t>46</a:t>
             </a:fld>
             <a:endParaRPr kumimoji="1" lang="ja-JP" altLang="en-US"/>
           </a:p>
@@ -6014,7 +6129,7 @@
 </p:notes>
 </file>
 
-<file path=ppt/notesSlides/notesSlide46.xml><?xml version="1.0" encoding="utf-8"?>
+<file path=ppt/notesSlides/notesSlide47.xml><?xml version="1.0" encoding="utf-8"?>
 <p:notes xmlns:a="http://schemas.openxmlformats.org/drawingml/2006/main" xmlns:r="http://schemas.openxmlformats.org/officeDocument/2006/relationships" xmlns:p="http://schemas.openxmlformats.org/presentationml/2006/main">
   <p:cSld>
     <p:spTree>
@@ -6103,7 +6218,7 @@
           <a:p>
             <a:fld id="{193CFC30-ED5E-4C2C-BBC5-AF1D8FA7FCDE}" type="slidenum">
               <a:rPr kumimoji="1" lang="ja-JP" altLang="en-US" smtClean="0"/>
-              <a:t>46</a:t>
+              <a:t>47</a:t>
             </a:fld>
             <a:endParaRPr kumimoji="1" lang="ja-JP" altLang="en-US"/>
           </a:p>
@@ -6122,7 +6237,7 @@
 </p:notes>
 </file>
 
-<file path=ppt/notesSlides/notesSlide47.xml><?xml version="1.0" encoding="utf-8"?>
+<file path=ppt/notesSlides/notesSlide48.xml><?xml version="1.0" encoding="utf-8"?>
 <p:notes xmlns:a="http://schemas.openxmlformats.org/drawingml/2006/main" xmlns:r="http://schemas.openxmlformats.org/officeDocument/2006/relationships" xmlns:p="http://schemas.openxmlformats.org/presentationml/2006/main">
   <p:cSld>
     <p:spTree>
@@ -6211,7 +6326,7 @@
           <a:p>
             <a:fld id="{193CFC30-ED5E-4C2C-BBC5-AF1D8FA7FCDE}" type="slidenum">
               <a:rPr kumimoji="1" lang="ja-JP" altLang="en-US" smtClean="0"/>
-              <a:t>47</a:t>
+              <a:t>48</a:t>
             </a:fld>
             <a:endParaRPr kumimoji="1" lang="ja-JP" altLang="en-US"/>
           </a:p>
@@ -7081,7 +7196,7 @@
           <a:p>
             <a:fld id="{33C52814-903A-4381-849E-23E38DDCB259}" type="datetimeFigureOut">
               <a:rPr kumimoji="1" lang="ja-JP" altLang="en-US" smtClean="0"/>
-              <a:t>2025/7/9</a:t>
+              <a:t>2025/7/10</a:t>
             </a:fld>
             <a:endParaRPr kumimoji="1" lang="ja-JP" altLang="en-US"/>
           </a:p>
@@ -7311,7 +7426,7 @@
           <a:p>
             <a:fld id="{33C52814-903A-4381-849E-23E38DDCB259}" type="datetimeFigureOut">
               <a:rPr kumimoji="1" lang="ja-JP" altLang="en-US" smtClean="0"/>
-              <a:t>2025/7/9</a:t>
+              <a:t>2025/7/10</a:t>
             </a:fld>
             <a:endParaRPr kumimoji="1" lang="ja-JP" altLang="en-US"/>
           </a:p>
@@ -7551,7 +7666,7 @@
           <a:p>
             <a:fld id="{33C52814-903A-4381-849E-23E38DDCB259}" type="datetimeFigureOut">
               <a:rPr kumimoji="1" lang="ja-JP" altLang="en-US" smtClean="0"/>
-              <a:t>2025/7/9</a:t>
+              <a:t>2025/7/10</a:t>
             </a:fld>
             <a:endParaRPr kumimoji="1" lang="ja-JP" altLang="en-US"/>
           </a:p>
@@ -7781,7 +7896,7 @@
           <a:p>
             <a:fld id="{33C52814-903A-4381-849E-23E38DDCB259}" type="datetimeFigureOut">
               <a:rPr kumimoji="1" lang="ja-JP" altLang="en-US" smtClean="0"/>
-              <a:t>2025/7/9</a:t>
+              <a:t>2025/7/10</a:t>
             </a:fld>
             <a:endParaRPr kumimoji="1" lang="ja-JP" altLang="en-US"/>
           </a:p>
@@ -8056,7 +8171,7 @@
           <a:p>
             <a:fld id="{33C52814-903A-4381-849E-23E38DDCB259}" type="datetimeFigureOut">
               <a:rPr kumimoji="1" lang="ja-JP" altLang="en-US" smtClean="0"/>
-              <a:t>2025/7/9</a:t>
+              <a:t>2025/7/10</a:t>
             </a:fld>
             <a:endParaRPr kumimoji="1" lang="ja-JP" altLang="en-US"/>
           </a:p>
@@ -8385,7 +8500,7 @@
           <a:p>
             <a:fld id="{33C52814-903A-4381-849E-23E38DDCB259}" type="datetimeFigureOut">
               <a:rPr kumimoji="1" lang="ja-JP" altLang="en-US" smtClean="0"/>
-              <a:t>2025/7/9</a:t>
+              <a:t>2025/7/10</a:t>
             </a:fld>
             <a:endParaRPr kumimoji="1" lang="ja-JP" altLang="en-US"/>
           </a:p>
@@ -8861,7 +8976,7 @@
           <a:p>
             <a:fld id="{33C52814-903A-4381-849E-23E38DDCB259}" type="datetimeFigureOut">
               <a:rPr kumimoji="1" lang="ja-JP" altLang="en-US" smtClean="0"/>
-              <a:t>2025/7/9</a:t>
+              <a:t>2025/7/10</a:t>
             </a:fld>
             <a:endParaRPr kumimoji="1" lang="ja-JP" altLang="en-US"/>
           </a:p>
@@ -9002,7 +9117,7 @@
           <a:p>
             <a:fld id="{33C52814-903A-4381-849E-23E38DDCB259}" type="datetimeFigureOut">
               <a:rPr kumimoji="1" lang="ja-JP" altLang="en-US" smtClean="0"/>
-              <a:t>2025/7/9</a:t>
+              <a:t>2025/7/10</a:t>
             </a:fld>
             <a:endParaRPr kumimoji="1" lang="ja-JP" altLang="en-US"/>
           </a:p>
@@ -9115,7 +9230,7 @@
           <a:p>
             <a:fld id="{33C52814-903A-4381-849E-23E38DDCB259}" type="datetimeFigureOut">
               <a:rPr kumimoji="1" lang="ja-JP" altLang="en-US" smtClean="0"/>
-              <a:t>2025/7/9</a:t>
+              <a:t>2025/7/10</a:t>
             </a:fld>
             <a:endParaRPr kumimoji="1" lang="ja-JP" altLang="en-US"/>
           </a:p>
@@ -9458,7 +9573,7 @@
           <a:p>
             <a:fld id="{33C52814-903A-4381-849E-23E38DDCB259}" type="datetimeFigureOut">
               <a:rPr kumimoji="1" lang="ja-JP" altLang="en-US" smtClean="0"/>
-              <a:t>2025/7/9</a:t>
+              <a:t>2025/7/10</a:t>
             </a:fld>
             <a:endParaRPr kumimoji="1" lang="ja-JP" altLang="en-US"/>
           </a:p>
@@ -9746,7 +9861,7 @@
           <a:p>
             <a:fld id="{33C52814-903A-4381-849E-23E38DDCB259}" type="datetimeFigureOut">
               <a:rPr kumimoji="1" lang="ja-JP" altLang="en-US" smtClean="0"/>
-              <a:t>2025/7/9</a:t>
+              <a:t>2025/7/10</a:t>
             </a:fld>
             <a:endParaRPr kumimoji="1" lang="ja-JP" altLang="en-US"/>
           </a:p>
@@ -10019,7 +10134,7 @@
           <a:p>
             <a:fld id="{33C52814-903A-4381-849E-23E38DDCB259}" type="datetimeFigureOut">
               <a:rPr kumimoji="1" lang="ja-JP" altLang="en-US" smtClean="0"/>
-              <a:t>2025/7/9</a:t>
+              <a:t>2025/7/10</a:t>
             </a:fld>
             <a:endParaRPr kumimoji="1" lang="ja-JP" altLang="en-US"/>
           </a:p>
@@ -11536,7 +11651,7 @@
                 <a:latin typeface="HGS創英角ﾎﾟｯﾌﾟ体" panose="040B0A00000000000000" pitchFamily="50" charset="-128"/>
                 <a:ea typeface="HGS創英角ﾎﾟｯﾌﾟ体" panose="040B0A00000000000000" pitchFamily="50" charset="-128"/>
               </a:rPr>
-              <a:t>構築へ</a:t>
+              <a:t>制作へ</a:t>
             </a:r>
             <a:endParaRPr kumimoji="1" lang="ja-JP" altLang="en-US" sz="3200" dirty="0">
               <a:solidFill>
@@ -12783,7 +12898,7 @@
                 <a:latin typeface="HGS創英角ﾎﾟｯﾌﾟ体" panose="040B0A00000000000000" pitchFamily="50" charset="-128"/>
                 <a:ea typeface="HGS創英角ﾎﾟｯﾌﾟ体" panose="040B0A00000000000000" pitchFamily="50" charset="-128"/>
               </a:rPr>
-              <a:t>構築へ</a:t>
+              <a:t>制作へ</a:t>
             </a:r>
             <a:endParaRPr kumimoji="1" lang="ja-JP" altLang="en-US" sz="3200" dirty="0">
               <a:solidFill>
@@ -15487,6 +15602,54 @@
           </a:p>
         </p:txBody>
       </p:sp>
+      <p:sp>
+        <p:nvSpPr>
+          <p:cNvPr id="3" name="テキスト ボックス 2">
+            <a:extLst>
+              <a:ext uri="{FF2B5EF4-FFF2-40B4-BE49-F238E27FC236}">
+                <a16:creationId xmlns:a16="http://schemas.microsoft.com/office/drawing/2014/main" id="{2D2D929F-FEEF-1082-1579-DB241EDA5223}"/>
+              </a:ext>
+            </a:extLst>
+          </p:cNvPr>
+          <p:cNvSpPr txBox="1"/>
+          <p:nvPr/>
+        </p:nvSpPr>
+        <p:spPr>
+          <a:xfrm>
+            <a:off x="8465879" y="3935235"/>
+            <a:ext cx="2646878" cy="584775"/>
+          </a:xfrm>
+          <a:prstGeom prst="rect">
+            <a:avLst/>
+          </a:prstGeom>
+          <a:noFill/>
+        </p:spPr>
+        <p:txBody>
+          <a:bodyPr wrap="none" rtlCol="0">
+            <a:spAutoFit/>
+          </a:bodyPr>
+          <a:lstStyle/>
+          <a:p>
+            <a:r>
+              <a:rPr lang="ja-JP" altLang="en-US" sz="3200" dirty="0">
+                <a:solidFill>
+                  <a:schemeClr val="bg1">
+                    <a:lumMod val="50000"/>
+                  </a:schemeClr>
+                </a:solidFill>
+              </a:rPr>
+              <a:t>↑森より引用</a:t>
+            </a:r>
+            <a:endParaRPr kumimoji="1" lang="ja-JP" altLang="en-US" sz="3200" dirty="0">
+              <a:solidFill>
+                <a:schemeClr val="bg1">
+                  <a:lumMod val="50000"/>
+                </a:schemeClr>
+              </a:solidFill>
+            </a:endParaRPr>
+          </a:p>
+        </p:txBody>
+      </p:sp>
     </p:spTree>
     <p:extLst>
       <p:ext uri="{BB962C8B-B14F-4D97-AF65-F5344CB8AC3E}">
@@ -15501,6 +15664,335 @@
 </file>
 
 <file path=ppt/slides/slide21.xml><?xml version="1.0" encoding="utf-8"?>
+<p:sld xmlns:a="http://schemas.openxmlformats.org/drawingml/2006/main" xmlns:r="http://schemas.openxmlformats.org/officeDocument/2006/relationships" xmlns:p="http://schemas.openxmlformats.org/presentationml/2006/main">
+  <p:cSld>
+    <p:spTree>
+      <p:nvGrpSpPr>
+        <p:cNvPr id="1" name="">
+          <a:extLst>
+            <a:ext uri="{FF2B5EF4-FFF2-40B4-BE49-F238E27FC236}">
+              <a16:creationId xmlns:a16="http://schemas.microsoft.com/office/drawing/2014/main" id="{D4A3E225-631D-C31B-6515-3AD021D137B7}"/>
+            </a:ext>
+          </a:extLst>
+        </p:cNvPr>
+        <p:cNvGrpSpPr/>
+        <p:nvPr/>
+      </p:nvGrpSpPr>
+      <p:grpSpPr>
+        <a:xfrm>
+          <a:off x="0" y="0"/>
+          <a:ext cx="0" cy="0"/>
+          <a:chOff x="0" y="0"/>
+          <a:chExt cx="0" cy="0"/>
+        </a:xfrm>
+      </p:grpSpPr>
+      <p:sp>
+        <p:nvSpPr>
+          <p:cNvPr id="4" name="テキスト ボックス 3">
+            <a:extLst>
+              <a:ext uri="{FF2B5EF4-FFF2-40B4-BE49-F238E27FC236}">
+                <a16:creationId xmlns:a16="http://schemas.microsoft.com/office/drawing/2014/main" id="{9F36AB3E-E1DC-4764-C774-FD72E6AE0AD6}"/>
+              </a:ext>
+            </a:extLst>
+          </p:cNvPr>
+          <p:cNvSpPr txBox="1"/>
+          <p:nvPr/>
+        </p:nvSpPr>
+        <p:spPr>
+          <a:xfrm>
+            <a:off x="1" y="114464"/>
+            <a:ext cx="12192000" cy="760959"/>
+          </a:xfrm>
+          <a:prstGeom prst="rect">
+            <a:avLst/>
+          </a:prstGeom>
+          <a:solidFill>
+            <a:srgbClr val="002060"/>
+          </a:solidFill>
+        </p:spPr>
+        <p:txBody>
+          <a:bodyPr wrap="square" tIns="72000" bIns="72000" rtlCol="0">
+            <a:spAutoFit/>
+          </a:bodyPr>
+          <a:lstStyle/>
+          <a:p>
+            <a:pPr marL="360000"/>
+            <a:r>
+              <a:rPr kumimoji="1" lang="ja-JP" altLang="en-US" sz="4000" b="1" spc="1000" dirty="0">
+                <a:solidFill>
+                  <a:schemeClr val="bg1"/>
+                </a:solidFill>
+              </a:rPr>
+              <a:t>用語解説</a:t>
+            </a:r>
+            <a:r>
+              <a:rPr lang="ja-JP" altLang="en-US" sz="4000" b="1" spc="1000" dirty="0">
+                <a:solidFill>
+                  <a:schemeClr val="bg1"/>
+                </a:solidFill>
+              </a:rPr>
+              <a:t>－点群</a:t>
+            </a:r>
+            <a:endParaRPr kumimoji="1" lang="ja-JP" altLang="en-US" sz="4000" b="1" spc="1000" dirty="0">
+              <a:solidFill>
+                <a:schemeClr val="bg1"/>
+              </a:solidFill>
+            </a:endParaRPr>
+          </a:p>
+        </p:txBody>
+      </p:sp>
+      <p:sp>
+        <p:nvSpPr>
+          <p:cNvPr id="2" name="テキスト ボックス 1">
+            <a:extLst>
+              <a:ext uri="{FF2B5EF4-FFF2-40B4-BE49-F238E27FC236}">
+                <a16:creationId xmlns:a16="http://schemas.microsoft.com/office/drawing/2014/main" id="{1AA61111-2343-24BD-E7B1-ACFD08E67AE6}"/>
+              </a:ext>
+            </a:extLst>
+          </p:cNvPr>
+          <p:cNvSpPr txBox="1"/>
+          <p:nvPr/>
+        </p:nvSpPr>
+        <p:spPr>
+          <a:xfrm>
+            <a:off x="844745" y="1481036"/>
+            <a:ext cx="10502510" cy="1398808"/>
+          </a:xfrm>
+          <a:prstGeom prst="rect">
+            <a:avLst/>
+          </a:prstGeom>
+          <a:noFill/>
+          <a:ln w="63500">
+            <a:noFill/>
+          </a:ln>
+        </p:spPr>
+        <p:txBody>
+          <a:bodyPr wrap="none" lIns="180000" tIns="108000" rIns="180000" bIns="180000" rtlCol="0">
+            <a:spAutoFit/>
+          </a:bodyPr>
+          <a:lstStyle/>
+          <a:p>
+            <a:pPr algn="ctr"/>
+            <a:r>
+              <a:rPr lang="ja-JP" altLang="en-US" sz="7200" b="1" dirty="0">
+                <a:uFill>
+                  <a:solidFill>
+                    <a:srgbClr val="79A8D3"/>
+                  </a:solidFill>
+                </a:uFill>
+                <a:latin typeface="BIZ UDPゴシック" panose="020B0400000000000000" pitchFamily="50" charset="-128"/>
+                <a:ea typeface="BIZ UDPゴシック" panose="020B0400000000000000" pitchFamily="50" charset="-128"/>
+              </a:rPr>
+              <a:t>モザイクアートの３次元版</a:t>
+            </a:r>
+            <a:endParaRPr kumimoji="1" lang="ja-JP" altLang="en-US" sz="7200" b="1" dirty="0">
+              <a:uFill>
+                <a:solidFill>
+                  <a:srgbClr val="79A8D3"/>
+                </a:solidFill>
+              </a:uFill>
+              <a:latin typeface="BIZ UDPゴシック" panose="020B0400000000000000" pitchFamily="50" charset="-128"/>
+              <a:ea typeface="BIZ UDPゴシック" panose="020B0400000000000000" pitchFamily="50" charset="-128"/>
+            </a:endParaRPr>
+          </a:p>
+        </p:txBody>
+      </p:sp>
+      <p:sp>
+        <p:nvSpPr>
+          <p:cNvPr id="3" name="テキスト ボックス 2">
+            <a:extLst>
+              <a:ext uri="{FF2B5EF4-FFF2-40B4-BE49-F238E27FC236}">
+                <a16:creationId xmlns:a16="http://schemas.microsoft.com/office/drawing/2014/main" id="{4FC9F19C-B4D3-C734-D636-E1583C6DC949}"/>
+              </a:ext>
+            </a:extLst>
+          </p:cNvPr>
+          <p:cNvSpPr txBox="1"/>
+          <p:nvPr/>
+        </p:nvSpPr>
+        <p:spPr>
+          <a:xfrm>
+            <a:off x="628340" y="4126584"/>
+            <a:ext cx="11128367" cy="1200329"/>
+          </a:xfrm>
+          <a:prstGeom prst="rect">
+            <a:avLst/>
+          </a:prstGeom>
+          <a:noFill/>
+        </p:spPr>
+        <p:txBody>
+          <a:bodyPr wrap="none" rtlCol="0">
+            <a:spAutoFit/>
+          </a:bodyPr>
+          <a:lstStyle/>
+          <a:p>
+            <a:r>
+              <a:rPr lang="ja-JP" altLang="en-US" sz="2400" dirty="0"/>
+              <a:t>多数の点の集まりで、</a:t>
+            </a:r>
+            <a:r>
+              <a:rPr lang="en-US" altLang="ja-JP" sz="2400" dirty="0"/>
+              <a:t>3</a:t>
+            </a:r>
+            <a:r>
+              <a:rPr lang="ja-JP" altLang="en-US" sz="2400" dirty="0"/>
+              <a:t>次元空間における物体の形状や表面を表現するデータ。</a:t>
+            </a:r>
+            <a:endParaRPr lang="en-US" altLang="ja-JP" sz="2400" dirty="0"/>
+          </a:p>
+          <a:p>
+            <a:r>
+              <a:rPr lang="ja-JP" altLang="en-US" sz="2400" dirty="0"/>
+              <a:t>各点には、</a:t>
+            </a:r>
+            <a:r>
+              <a:rPr lang="en-US" altLang="ja-JP" sz="2400" dirty="0"/>
+              <a:t>X, Y, Z</a:t>
+            </a:r>
+            <a:r>
+              <a:rPr lang="ja-JP" altLang="en-US" sz="2400" dirty="0"/>
+              <a:t>の座標値と、</a:t>
+            </a:r>
+            <a:endParaRPr lang="en-US" altLang="ja-JP" sz="2400" dirty="0"/>
+          </a:p>
+          <a:p>
+            <a:r>
+              <a:rPr lang="ja-JP" altLang="en-US" sz="2400" dirty="0"/>
+              <a:t>場合によっては色などの属性情報が付与されています。﻿</a:t>
+            </a:r>
+            <a:endParaRPr kumimoji="1" lang="ja-JP" altLang="en-US" sz="2400" dirty="0"/>
+          </a:p>
+        </p:txBody>
+      </p:sp>
+      <p:sp>
+        <p:nvSpPr>
+          <p:cNvPr id="5" name="テキスト ボックス 4">
+            <a:extLst>
+              <a:ext uri="{FF2B5EF4-FFF2-40B4-BE49-F238E27FC236}">
+                <a16:creationId xmlns:a16="http://schemas.microsoft.com/office/drawing/2014/main" id="{57F9A6E7-BCAD-E2C1-535B-C08490A50C25}"/>
+              </a:ext>
+            </a:extLst>
+          </p:cNvPr>
+          <p:cNvSpPr txBox="1"/>
+          <p:nvPr/>
+        </p:nvSpPr>
+        <p:spPr>
+          <a:xfrm>
+            <a:off x="6960060" y="5221256"/>
+            <a:ext cx="4264309" cy="584775"/>
+          </a:xfrm>
+          <a:prstGeom prst="rect">
+            <a:avLst/>
+          </a:prstGeom>
+          <a:noFill/>
+        </p:spPr>
+        <p:txBody>
+          <a:bodyPr wrap="none" rtlCol="0">
+            <a:spAutoFit/>
+          </a:bodyPr>
+          <a:lstStyle/>
+          <a:p>
+            <a:r>
+              <a:rPr lang="ja-JP" altLang="en-US" sz="3200" dirty="0">
+                <a:solidFill>
+                  <a:schemeClr val="bg1">
+                    <a:lumMod val="50000"/>
+                  </a:schemeClr>
+                </a:solidFill>
+              </a:rPr>
+              <a:t>↑検索中の</a:t>
+            </a:r>
+            <a:r>
+              <a:rPr lang="en-US" altLang="ja-JP" sz="3200" dirty="0">
+                <a:solidFill>
+                  <a:schemeClr val="bg1">
+                    <a:lumMod val="50000"/>
+                  </a:schemeClr>
+                </a:solidFill>
+              </a:rPr>
+              <a:t>AI</a:t>
+            </a:r>
+            <a:r>
+              <a:rPr lang="ja-JP" altLang="en-US" sz="3200" dirty="0">
+                <a:solidFill>
+                  <a:schemeClr val="bg1">
+                    <a:lumMod val="50000"/>
+                  </a:schemeClr>
+                </a:solidFill>
+              </a:rPr>
+              <a:t>より引用</a:t>
+            </a:r>
+            <a:endParaRPr kumimoji="1" lang="ja-JP" altLang="en-US" sz="3200" dirty="0">
+              <a:solidFill>
+                <a:schemeClr val="bg1">
+                  <a:lumMod val="50000"/>
+                </a:schemeClr>
+              </a:solidFill>
+            </a:endParaRPr>
+          </a:p>
+        </p:txBody>
+      </p:sp>
+      <p:sp>
+        <p:nvSpPr>
+          <p:cNvPr id="6" name="テキスト ボックス 5">
+            <a:extLst>
+              <a:ext uri="{FF2B5EF4-FFF2-40B4-BE49-F238E27FC236}">
+                <a16:creationId xmlns:a16="http://schemas.microsoft.com/office/drawing/2014/main" id="{F95FD172-CF1F-E96B-AD46-E959059AFDE4}"/>
+              </a:ext>
+            </a:extLst>
+          </p:cNvPr>
+          <p:cNvSpPr txBox="1"/>
+          <p:nvPr/>
+        </p:nvSpPr>
+        <p:spPr>
+          <a:xfrm>
+            <a:off x="8577491" y="2731416"/>
+            <a:ext cx="2646878" cy="584775"/>
+          </a:xfrm>
+          <a:prstGeom prst="rect">
+            <a:avLst/>
+          </a:prstGeom>
+          <a:noFill/>
+        </p:spPr>
+        <p:txBody>
+          <a:bodyPr wrap="none" rtlCol="0">
+            <a:spAutoFit/>
+          </a:bodyPr>
+          <a:lstStyle/>
+          <a:p>
+            <a:r>
+              <a:rPr lang="ja-JP" altLang="en-US" sz="3200" dirty="0">
+                <a:solidFill>
+                  <a:schemeClr val="bg1">
+                    <a:lumMod val="50000"/>
+                  </a:schemeClr>
+                </a:solidFill>
+              </a:rPr>
+              <a:t>↑森より引用</a:t>
+            </a:r>
+            <a:endParaRPr kumimoji="1" lang="ja-JP" altLang="en-US" sz="3200" dirty="0">
+              <a:solidFill>
+                <a:schemeClr val="bg1">
+                  <a:lumMod val="50000"/>
+                </a:schemeClr>
+              </a:solidFill>
+            </a:endParaRPr>
+          </a:p>
+        </p:txBody>
+      </p:sp>
+    </p:spTree>
+    <p:extLst>
+      <p:ext uri="{BB962C8B-B14F-4D97-AF65-F5344CB8AC3E}">
+        <p14:creationId xmlns:p14="http://schemas.microsoft.com/office/powerpoint/2010/main" val="2756319260"/>
+      </p:ext>
+    </p:extLst>
+  </p:cSld>
+  <p:clrMapOvr>
+    <a:masterClrMapping/>
+  </p:clrMapOvr>
+</p:sld>
+</file>
+
+<file path=ppt/slides/slide22.xml><?xml version="1.0" encoding="utf-8"?>
 <p:sld xmlns:a="http://schemas.openxmlformats.org/drawingml/2006/main" xmlns:r="http://schemas.openxmlformats.org/officeDocument/2006/relationships" xmlns:p="http://schemas.openxmlformats.org/presentationml/2006/main">
   <p:cSld>
     <p:spTree>
@@ -15876,7 +16368,7 @@
 </p:sld>
 </file>
 
-<file path=ppt/slides/slide22.xml><?xml version="1.0" encoding="utf-8"?>
+<file path=ppt/slides/slide23.xml><?xml version="1.0" encoding="utf-8"?>
 <p:sld xmlns:a="http://schemas.openxmlformats.org/drawingml/2006/main" xmlns:r="http://schemas.openxmlformats.org/officeDocument/2006/relationships" xmlns:p="http://schemas.openxmlformats.org/presentationml/2006/main">
   <p:cSld>
     <p:spTree>
@@ -16252,7 +16744,7 @@
 </p:sld>
 </file>
 
-<file path=ppt/slides/slide23.xml><?xml version="1.0" encoding="utf-8"?>
+<file path=ppt/slides/slide24.xml><?xml version="1.0" encoding="utf-8"?>
 <p:sld xmlns:a="http://schemas.openxmlformats.org/drawingml/2006/main" xmlns:r="http://schemas.openxmlformats.org/officeDocument/2006/relationships" xmlns:p="http://schemas.openxmlformats.org/presentationml/2006/main">
   <p:cSld>
     <p:spTree>
@@ -16351,7 +16843,7 @@
 </p:sld>
 </file>
 
-<file path=ppt/slides/slide24.xml><?xml version="1.0" encoding="utf-8"?>
+<file path=ppt/slides/slide25.xml><?xml version="1.0" encoding="utf-8"?>
 <p:sld xmlns:a="http://schemas.openxmlformats.org/drawingml/2006/main" xmlns:r="http://schemas.openxmlformats.org/officeDocument/2006/relationships" xmlns:p="http://schemas.openxmlformats.org/presentationml/2006/main">
   <p:cSld>
     <p:spTree>
@@ -16625,7 +17117,7 @@
 </p:sld>
 </file>
 
-<file path=ppt/slides/slide25.xml><?xml version="1.0" encoding="utf-8"?>
+<file path=ppt/slides/slide26.xml><?xml version="1.0" encoding="utf-8"?>
 <p:sld xmlns:a="http://schemas.openxmlformats.org/drawingml/2006/main" xmlns:r="http://schemas.openxmlformats.org/officeDocument/2006/relationships" xmlns:p="http://schemas.openxmlformats.org/presentationml/2006/main">
   <p:cSld>
     <p:spTree>
@@ -17182,7 +17674,7 @@
 </p:sld>
 </file>
 
-<file path=ppt/slides/slide26.xml><?xml version="1.0" encoding="utf-8"?>
+<file path=ppt/slides/slide27.xml><?xml version="1.0" encoding="utf-8"?>
 <p:sld xmlns:a="http://schemas.openxmlformats.org/drawingml/2006/main" xmlns:r="http://schemas.openxmlformats.org/officeDocument/2006/relationships" xmlns:p="http://schemas.openxmlformats.org/presentationml/2006/main">
   <p:cSld>
     <p:spTree>
@@ -17985,7 +18477,7 @@
 </p:sld>
 </file>
 
-<file path=ppt/slides/slide27.xml><?xml version="1.0" encoding="utf-8"?>
+<file path=ppt/slides/slide28.xml><?xml version="1.0" encoding="utf-8"?>
 <p:sld xmlns:a="http://schemas.openxmlformats.org/drawingml/2006/main" xmlns:r="http://schemas.openxmlformats.org/officeDocument/2006/relationships" xmlns:p="http://schemas.openxmlformats.org/presentationml/2006/main">
   <p:cSld>
     <p:spTree>
@@ -18788,7 +19280,7 @@
 </p:sld>
 </file>
 
-<file path=ppt/slides/slide28.xml><?xml version="1.0" encoding="utf-8"?>
+<file path=ppt/slides/slide29.xml><?xml version="1.0" encoding="utf-8"?>
 <p:sld xmlns:a="http://schemas.openxmlformats.org/drawingml/2006/main" xmlns:r="http://schemas.openxmlformats.org/officeDocument/2006/relationships" xmlns:p="http://schemas.openxmlformats.org/presentationml/2006/main">
   <p:cSld>
     <p:spTree>
@@ -19446,397 +19938,6 @@
     <p:extLst>
       <p:ext uri="{BB962C8B-B14F-4D97-AF65-F5344CB8AC3E}">
         <p14:creationId xmlns:p14="http://schemas.microsoft.com/office/powerpoint/2010/main" val="797567854"/>
-      </p:ext>
-    </p:extLst>
-  </p:cSld>
-  <p:clrMapOvr>
-    <a:masterClrMapping/>
-  </p:clrMapOvr>
-</p:sld>
-</file>
-
-<file path=ppt/slides/slide29.xml><?xml version="1.0" encoding="utf-8"?>
-<p:sld xmlns:a="http://schemas.openxmlformats.org/drawingml/2006/main" xmlns:r="http://schemas.openxmlformats.org/officeDocument/2006/relationships" xmlns:p="http://schemas.openxmlformats.org/presentationml/2006/main">
-  <p:cSld>
-    <p:spTree>
-      <p:nvGrpSpPr>
-        <p:cNvPr id="1" name="">
-          <a:extLst>
-            <a:ext uri="{FF2B5EF4-FFF2-40B4-BE49-F238E27FC236}">
-              <a16:creationId xmlns:a16="http://schemas.microsoft.com/office/drawing/2014/main" id="{254CD682-CA60-1ADA-7910-77EBE75BE909}"/>
-            </a:ext>
-          </a:extLst>
-        </p:cNvPr>
-        <p:cNvGrpSpPr/>
-        <p:nvPr/>
-      </p:nvGrpSpPr>
-      <p:grpSpPr>
-        <a:xfrm>
-          <a:off x="0" y="0"/>
-          <a:ext cx="0" cy="0"/>
-          <a:chOff x="0" y="0"/>
-          <a:chExt cx="0" cy="0"/>
-        </a:xfrm>
-      </p:grpSpPr>
-      <p:sp>
-        <p:nvSpPr>
-          <p:cNvPr id="4" name="テキスト ボックス 3">
-            <a:extLst>
-              <a:ext uri="{FF2B5EF4-FFF2-40B4-BE49-F238E27FC236}">
-                <a16:creationId xmlns:a16="http://schemas.microsoft.com/office/drawing/2014/main" id="{A2030624-F748-99F1-1510-4B1C81462276}"/>
-              </a:ext>
-            </a:extLst>
-          </p:cNvPr>
-          <p:cNvSpPr txBox="1"/>
-          <p:nvPr/>
-        </p:nvSpPr>
-        <p:spPr>
-          <a:xfrm>
-            <a:off x="1" y="114464"/>
-            <a:ext cx="12192000" cy="760959"/>
-          </a:xfrm>
-          <a:prstGeom prst="rect">
-            <a:avLst/>
-          </a:prstGeom>
-          <a:solidFill>
-            <a:srgbClr val="002060"/>
-          </a:solidFill>
-        </p:spPr>
-        <p:txBody>
-          <a:bodyPr wrap="square" tIns="72000" bIns="72000" rtlCol="0">
-            <a:spAutoFit/>
-          </a:bodyPr>
-          <a:lstStyle/>
-          <a:p>
-            <a:pPr marL="360000"/>
-            <a:r>
-              <a:rPr kumimoji="1" lang="ja-JP" altLang="en-US" sz="4000" b="1" spc="1000" dirty="0">
-                <a:solidFill>
-                  <a:schemeClr val="bg1"/>
-                </a:solidFill>
-              </a:rPr>
-              <a:t>用語解説</a:t>
-            </a:r>
-            <a:r>
-              <a:rPr lang="ja-JP" altLang="en-US" sz="4000" b="1" spc="1000" dirty="0">
-                <a:solidFill>
-                  <a:schemeClr val="bg1"/>
-                </a:solidFill>
-              </a:rPr>
-              <a:t>－</a:t>
-            </a:r>
-            <a:r>
-              <a:rPr lang="en-US" altLang="ja-JP" sz="4000" b="1" spc="1000" dirty="0" err="1">
-                <a:solidFill>
-                  <a:schemeClr val="bg1"/>
-                </a:solidFill>
-              </a:rPr>
-              <a:t>FreeCAD</a:t>
-            </a:r>
-            <a:endParaRPr kumimoji="1" lang="ja-JP" altLang="en-US" sz="4000" b="1" spc="1000" dirty="0">
-              <a:solidFill>
-                <a:schemeClr val="bg1"/>
-              </a:solidFill>
-            </a:endParaRPr>
-          </a:p>
-        </p:txBody>
-      </p:sp>
-      <p:sp>
-        <p:nvSpPr>
-          <p:cNvPr id="3" name="テキスト ボックス 2">
-            <a:extLst>
-              <a:ext uri="{FF2B5EF4-FFF2-40B4-BE49-F238E27FC236}">
-                <a16:creationId xmlns:a16="http://schemas.microsoft.com/office/drawing/2014/main" id="{0E5717F1-2AC0-D9A0-410E-99FE0A79E36E}"/>
-              </a:ext>
-            </a:extLst>
-          </p:cNvPr>
-          <p:cNvSpPr txBox="1"/>
-          <p:nvPr/>
-        </p:nvSpPr>
-        <p:spPr>
-          <a:xfrm>
-            <a:off x="1209886" y="1433889"/>
-            <a:ext cx="9772227" cy="2554545"/>
-          </a:xfrm>
-          <a:prstGeom prst="rect">
-            <a:avLst/>
-          </a:prstGeom>
-          <a:noFill/>
-        </p:spPr>
-        <p:txBody>
-          <a:bodyPr wrap="none" rtlCol="0">
-            <a:spAutoFit/>
-          </a:bodyPr>
-          <a:lstStyle/>
-          <a:p>
-            <a:r>
-              <a:rPr lang="en-US" altLang="ja-JP" sz="8000" b="1" dirty="0"/>
-              <a:t>3D</a:t>
-            </a:r>
-            <a:r>
-              <a:rPr lang="ja-JP" altLang="en-US" sz="8000" b="1" dirty="0"/>
-              <a:t>モデルを作成する</a:t>
-            </a:r>
-            <a:endParaRPr lang="en-US" altLang="ja-JP" sz="8000" b="1" dirty="0"/>
-          </a:p>
-          <a:p>
-            <a:r>
-              <a:rPr lang="ja-JP" altLang="en-US" sz="8000" b="1" dirty="0"/>
-              <a:t>無料のソフトウェア</a:t>
-            </a:r>
-            <a:endParaRPr kumimoji="1" lang="ja-JP" altLang="en-US" sz="8000" b="1" dirty="0"/>
-          </a:p>
-        </p:txBody>
-      </p:sp>
-      <p:pic>
-        <p:nvPicPr>
-          <p:cNvPr id="2" name="図 1">
-            <a:extLst>
-              <a:ext uri="{FF2B5EF4-FFF2-40B4-BE49-F238E27FC236}">
-                <a16:creationId xmlns:a16="http://schemas.microsoft.com/office/drawing/2014/main" id="{00C68D26-84DF-2C4E-9600-F2D9E9F70212}"/>
-              </a:ext>
-            </a:extLst>
-          </p:cNvPr>
-          <p:cNvPicPr>
-            <a:picLocks noChangeAspect="1"/>
-          </p:cNvPicPr>
-          <p:nvPr/>
-        </p:nvPicPr>
-        <p:blipFill>
-          <a:blip r:embed="rId3"/>
-          <a:stretch>
-            <a:fillRect/>
-          </a:stretch>
-        </p:blipFill>
-        <p:spPr>
-          <a:xfrm>
-            <a:off x="4450358" y="4121247"/>
-            <a:ext cx="1926227" cy="2534330"/>
-          </a:xfrm>
-          <a:prstGeom prst="rect">
-            <a:avLst/>
-          </a:prstGeom>
-        </p:spPr>
-      </p:pic>
-      <p:pic>
-        <p:nvPicPr>
-          <p:cNvPr id="6" name="図 5">
-            <a:extLst>
-              <a:ext uri="{FF2B5EF4-FFF2-40B4-BE49-F238E27FC236}">
-                <a16:creationId xmlns:a16="http://schemas.microsoft.com/office/drawing/2014/main" id="{C732A8F1-AFFF-FED4-70FE-CB380C709496}"/>
-              </a:ext>
-            </a:extLst>
-          </p:cNvPr>
-          <p:cNvPicPr>
-            <a:picLocks noChangeAspect="1"/>
-          </p:cNvPicPr>
-          <p:nvPr/>
-        </p:nvPicPr>
-        <p:blipFill>
-          <a:blip r:embed="rId4"/>
-          <a:stretch>
-            <a:fillRect/>
-          </a:stretch>
-        </p:blipFill>
-        <p:spPr>
-          <a:xfrm>
-            <a:off x="1472066" y="4207197"/>
-            <a:ext cx="2447778" cy="2416485"/>
-          </a:xfrm>
-          <a:prstGeom prst="rect">
-            <a:avLst/>
-          </a:prstGeom>
-        </p:spPr>
-      </p:pic>
-      <p:cxnSp>
-        <p:nvCxnSpPr>
-          <p:cNvPr id="7" name="直線コネクタ 6">
-            <a:extLst>
-              <a:ext uri="{FF2B5EF4-FFF2-40B4-BE49-F238E27FC236}">
-                <a16:creationId xmlns:a16="http://schemas.microsoft.com/office/drawing/2014/main" id="{8DD95F00-4846-D298-E050-4A9BA27074D0}"/>
-              </a:ext>
-            </a:extLst>
-          </p:cNvPr>
-          <p:cNvCxnSpPr>
-            <a:cxnSpLocks/>
-          </p:cNvCxnSpPr>
-          <p:nvPr/>
-        </p:nvCxnSpPr>
-        <p:spPr>
-          <a:xfrm>
-            <a:off x="562708" y="2489979"/>
-            <a:ext cx="5120640" cy="0"/>
-          </a:xfrm>
-          <a:prstGeom prst="line">
-            <a:avLst/>
-          </a:prstGeom>
-          <a:ln w="28575">
-            <a:solidFill>
-              <a:srgbClr val="FF0000"/>
-            </a:solidFill>
-            <a:prstDash val="dash"/>
-          </a:ln>
-        </p:spPr>
-        <p:style>
-          <a:lnRef idx="1">
-            <a:schemeClr val="accent1"/>
-          </a:lnRef>
-          <a:fillRef idx="0">
-            <a:schemeClr val="accent1"/>
-          </a:fillRef>
-          <a:effectRef idx="0">
-            <a:schemeClr val="accent1"/>
-          </a:effectRef>
-          <a:fontRef idx="minor">
-            <a:schemeClr val="tx1"/>
-          </a:fontRef>
-        </p:style>
-      </p:cxnSp>
-      <p:cxnSp>
-        <p:nvCxnSpPr>
-          <p:cNvPr id="11" name="直線コネクタ 10">
-            <a:extLst>
-              <a:ext uri="{FF2B5EF4-FFF2-40B4-BE49-F238E27FC236}">
-                <a16:creationId xmlns:a16="http://schemas.microsoft.com/office/drawing/2014/main" id="{9E0135D9-44EB-EB32-9615-A89EE2AEB292}"/>
-              </a:ext>
-            </a:extLst>
-          </p:cNvPr>
-          <p:cNvCxnSpPr>
-            <a:cxnSpLocks/>
-          </p:cNvCxnSpPr>
-          <p:nvPr/>
-        </p:nvCxnSpPr>
-        <p:spPr>
-          <a:xfrm>
-            <a:off x="562708" y="2489979"/>
-            <a:ext cx="0" cy="1871006"/>
-          </a:xfrm>
-          <a:prstGeom prst="line">
-            <a:avLst/>
-          </a:prstGeom>
-          <a:ln w="28575">
-            <a:solidFill>
-              <a:srgbClr val="FF0000"/>
-            </a:solidFill>
-            <a:prstDash val="dash"/>
-          </a:ln>
-        </p:spPr>
-        <p:style>
-          <a:lnRef idx="1">
-            <a:schemeClr val="accent1"/>
-          </a:lnRef>
-          <a:fillRef idx="0">
-            <a:schemeClr val="accent1"/>
-          </a:fillRef>
-          <a:effectRef idx="0">
-            <a:schemeClr val="accent1"/>
-          </a:effectRef>
-          <a:fontRef idx="minor">
-            <a:schemeClr val="tx1"/>
-          </a:fontRef>
-        </p:style>
-      </p:cxnSp>
-      <p:sp>
-        <p:nvSpPr>
-          <p:cNvPr id="14" name="正方形/長方形 13">
-            <a:extLst>
-              <a:ext uri="{FF2B5EF4-FFF2-40B4-BE49-F238E27FC236}">
-                <a16:creationId xmlns:a16="http://schemas.microsoft.com/office/drawing/2014/main" id="{D1B8542F-A912-2FD1-FCDA-607D395A5B10}"/>
-              </a:ext>
-            </a:extLst>
-          </p:cNvPr>
-          <p:cNvSpPr/>
-          <p:nvPr/>
-        </p:nvSpPr>
-        <p:spPr>
-          <a:xfrm>
-            <a:off x="1209886" y="3988434"/>
-            <a:ext cx="5514471" cy="2762133"/>
-          </a:xfrm>
-          <a:prstGeom prst="rect">
-            <a:avLst/>
-          </a:prstGeom>
-          <a:noFill/>
-          <a:ln w="28575">
-            <a:solidFill>
-              <a:srgbClr val="FF0000"/>
-            </a:solidFill>
-            <a:prstDash val="dash"/>
-          </a:ln>
-        </p:spPr>
-        <p:style>
-          <a:lnRef idx="2">
-            <a:schemeClr val="accent1">
-              <a:shade val="15000"/>
-            </a:schemeClr>
-          </a:lnRef>
-          <a:fillRef idx="1">
-            <a:schemeClr val="accent1"/>
-          </a:fillRef>
-          <a:effectRef idx="0">
-            <a:schemeClr val="accent1"/>
-          </a:effectRef>
-          <a:fontRef idx="minor">
-            <a:schemeClr val="lt1"/>
-          </a:fontRef>
-        </p:style>
-        <p:txBody>
-          <a:bodyPr rtlCol="0" anchor="ctr"/>
-          <a:lstStyle/>
-          <a:p>
-            <a:pPr algn="ctr"/>
-            <a:endParaRPr kumimoji="1" lang="ja-JP" altLang="en-US"/>
-          </a:p>
-        </p:txBody>
-      </p:sp>
-      <p:cxnSp>
-        <p:nvCxnSpPr>
-          <p:cNvPr id="15" name="直線コネクタ 14">
-            <a:extLst>
-              <a:ext uri="{FF2B5EF4-FFF2-40B4-BE49-F238E27FC236}">
-                <a16:creationId xmlns:a16="http://schemas.microsoft.com/office/drawing/2014/main" id="{28E89D46-3F75-B688-AF88-30C519D996AA}"/>
-              </a:ext>
-            </a:extLst>
-          </p:cNvPr>
-          <p:cNvCxnSpPr>
-            <a:cxnSpLocks/>
-          </p:cNvCxnSpPr>
-          <p:nvPr/>
-        </p:nvCxnSpPr>
-        <p:spPr>
-          <a:xfrm flipH="1">
-            <a:off x="562708" y="4360985"/>
-            <a:ext cx="647178" cy="0"/>
-          </a:xfrm>
-          <a:prstGeom prst="line">
-            <a:avLst/>
-          </a:prstGeom>
-          <a:ln w="28575">
-            <a:solidFill>
-              <a:srgbClr val="FF0000"/>
-            </a:solidFill>
-            <a:prstDash val="dash"/>
-          </a:ln>
-        </p:spPr>
-        <p:style>
-          <a:lnRef idx="1">
-            <a:schemeClr val="accent1"/>
-          </a:lnRef>
-          <a:fillRef idx="0">
-            <a:schemeClr val="accent1"/>
-          </a:fillRef>
-          <a:effectRef idx="0">
-            <a:schemeClr val="accent1"/>
-          </a:effectRef>
-          <a:fontRef idx="minor">
-            <a:schemeClr val="tx1"/>
-          </a:fontRef>
-        </p:style>
-      </p:cxnSp>
-    </p:spTree>
-    <p:extLst>
-      <p:ext uri="{BB962C8B-B14F-4D97-AF65-F5344CB8AC3E}">
-        <p14:creationId xmlns:p14="http://schemas.microsoft.com/office/powerpoint/2010/main" val="1172471954"/>
       </p:ext>
     </p:extLst>
   </p:cSld>
@@ -19930,6 +20031,397 @@
 </file>
 
 <file path=ppt/slides/slide30.xml><?xml version="1.0" encoding="utf-8"?>
+<p:sld xmlns:a="http://schemas.openxmlformats.org/drawingml/2006/main" xmlns:r="http://schemas.openxmlformats.org/officeDocument/2006/relationships" xmlns:p="http://schemas.openxmlformats.org/presentationml/2006/main">
+  <p:cSld>
+    <p:spTree>
+      <p:nvGrpSpPr>
+        <p:cNvPr id="1" name="">
+          <a:extLst>
+            <a:ext uri="{FF2B5EF4-FFF2-40B4-BE49-F238E27FC236}">
+              <a16:creationId xmlns:a16="http://schemas.microsoft.com/office/drawing/2014/main" id="{254CD682-CA60-1ADA-7910-77EBE75BE909}"/>
+            </a:ext>
+          </a:extLst>
+        </p:cNvPr>
+        <p:cNvGrpSpPr/>
+        <p:nvPr/>
+      </p:nvGrpSpPr>
+      <p:grpSpPr>
+        <a:xfrm>
+          <a:off x="0" y="0"/>
+          <a:ext cx="0" cy="0"/>
+          <a:chOff x="0" y="0"/>
+          <a:chExt cx="0" cy="0"/>
+        </a:xfrm>
+      </p:grpSpPr>
+      <p:sp>
+        <p:nvSpPr>
+          <p:cNvPr id="4" name="テキスト ボックス 3">
+            <a:extLst>
+              <a:ext uri="{FF2B5EF4-FFF2-40B4-BE49-F238E27FC236}">
+                <a16:creationId xmlns:a16="http://schemas.microsoft.com/office/drawing/2014/main" id="{A2030624-F748-99F1-1510-4B1C81462276}"/>
+              </a:ext>
+            </a:extLst>
+          </p:cNvPr>
+          <p:cNvSpPr txBox="1"/>
+          <p:nvPr/>
+        </p:nvSpPr>
+        <p:spPr>
+          <a:xfrm>
+            <a:off x="1" y="114464"/>
+            <a:ext cx="12192000" cy="760959"/>
+          </a:xfrm>
+          <a:prstGeom prst="rect">
+            <a:avLst/>
+          </a:prstGeom>
+          <a:solidFill>
+            <a:srgbClr val="002060"/>
+          </a:solidFill>
+        </p:spPr>
+        <p:txBody>
+          <a:bodyPr wrap="square" tIns="72000" bIns="72000" rtlCol="0">
+            <a:spAutoFit/>
+          </a:bodyPr>
+          <a:lstStyle/>
+          <a:p>
+            <a:pPr marL="360000"/>
+            <a:r>
+              <a:rPr kumimoji="1" lang="ja-JP" altLang="en-US" sz="4000" b="1" spc="1000" dirty="0">
+                <a:solidFill>
+                  <a:schemeClr val="bg1"/>
+                </a:solidFill>
+              </a:rPr>
+              <a:t>用語解説</a:t>
+            </a:r>
+            <a:r>
+              <a:rPr lang="ja-JP" altLang="en-US" sz="4000" b="1" spc="1000" dirty="0">
+                <a:solidFill>
+                  <a:schemeClr val="bg1"/>
+                </a:solidFill>
+              </a:rPr>
+              <a:t>－</a:t>
+            </a:r>
+            <a:r>
+              <a:rPr lang="en-US" altLang="ja-JP" sz="4000" b="1" spc="1000" dirty="0" err="1">
+                <a:solidFill>
+                  <a:schemeClr val="bg1"/>
+                </a:solidFill>
+              </a:rPr>
+              <a:t>FreeCAD</a:t>
+            </a:r>
+            <a:endParaRPr kumimoji="1" lang="ja-JP" altLang="en-US" sz="4000" b="1" spc="1000" dirty="0">
+              <a:solidFill>
+                <a:schemeClr val="bg1"/>
+              </a:solidFill>
+            </a:endParaRPr>
+          </a:p>
+        </p:txBody>
+      </p:sp>
+      <p:sp>
+        <p:nvSpPr>
+          <p:cNvPr id="3" name="テキスト ボックス 2">
+            <a:extLst>
+              <a:ext uri="{FF2B5EF4-FFF2-40B4-BE49-F238E27FC236}">
+                <a16:creationId xmlns:a16="http://schemas.microsoft.com/office/drawing/2014/main" id="{0E5717F1-2AC0-D9A0-410E-99FE0A79E36E}"/>
+              </a:ext>
+            </a:extLst>
+          </p:cNvPr>
+          <p:cNvSpPr txBox="1"/>
+          <p:nvPr/>
+        </p:nvSpPr>
+        <p:spPr>
+          <a:xfrm>
+            <a:off x="1209886" y="1433889"/>
+            <a:ext cx="9772227" cy="2554545"/>
+          </a:xfrm>
+          <a:prstGeom prst="rect">
+            <a:avLst/>
+          </a:prstGeom>
+          <a:noFill/>
+        </p:spPr>
+        <p:txBody>
+          <a:bodyPr wrap="none" rtlCol="0">
+            <a:spAutoFit/>
+          </a:bodyPr>
+          <a:lstStyle/>
+          <a:p>
+            <a:r>
+              <a:rPr lang="en-US" altLang="ja-JP" sz="8000" b="1" dirty="0"/>
+              <a:t>3D</a:t>
+            </a:r>
+            <a:r>
+              <a:rPr lang="ja-JP" altLang="en-US" sz="8000" b="1" dirty="0"/>
+              <a:t>モデルを作成する</a:t>
+            </a:r>
+            <a:endParaRPr lang="en-US" altLang="ja-JP" sz="8000" b="1" dirty="0"/>
+          </a:p>
+          <a:p>
+            <a:r>
+              <a:rPr lang="ja-JP" altLang="en-US" sz="8000" b="1" dirty="0"/>
+              <a:t>無料のソフトウェア</a:t>
+            </a:r>
+            <a:endParaRPr kumimoji="1" lang="ja-JP" altLang="en-US" sz="8000" b="1" dirty="0"/>
+          </a:p>
+        </p:txBody>
+      </p:sp>
+      <p:pic>
+        <p:nvPicPr>
+          <p:cNvPr id="2" name="図 1">
+            <a:extLst>
+              <a:ext uri="{FF2B5EF4-FFF2-40B4-BE49-F238E27FC236}">
+                <a16:creationId xmlns:a16="http://schemas.microsoft.com/office/drawing/2014/main" id="{00C68D26-84DF-2C4E-9600-F2D9E9F70212}"/>
+              </a:ext>
+            </a:extLst>
+          </p:cNvPr>
+          <p:cNvPicPr>
+            <a:picLocks noChangeAspect="1"/>
+          </p:cNvPicPr>
+          <p:nvPr/>
+        </p:nvPicPr>
+        <p:blipFill>
+          <a:blip r:embed="rId3"/>
+          <a:stretch>
+            <a:fillRect/>
+          </a:stretch>
+        </p:blipFill>
+        <p:spPr>
+          <a:xfrm>
+            <a:off x="4450358" y="4121247"/>
+            <a:ext cx="1926227" cy="2534330"/>
+          </a:xfrm>
+          <a:prstGeom prst="rect">
+            <a:avLst/>
+          </a:prstGeom>
+        </p:spPr>
+      </p:pic>
+      <p:pic>
+        <p:nvPicPr>
+          <p:cNvPr id="6" name="図 5">
+            <a:extLst>
+              <a:ext uri="{FF2B5EF4-FFF2-40B4-BE49-F238E27FC236}">
+                <a16:creationId xmlns:a16="http://schemas.microsoft.com/office/drawing/2014/main" id="{C732A8F1-AFFF-FED4-70FE-CB380C709496}"/>
+              </a:ext>
+            </a:extLst>
+          </p:cNvPr>
+          <p:cNvPicPr>
+            <a:picLocks noChangeAspect="1"/>
+          </p:cNvPicPr>
+          <p:nvPr/>
+        </p:nvPicPr>
+        <p:blipFill>
+          <a:blip r:embed="rId4"/>
+          <a:stretch>
+            <a:fillRect/>
+          </a:stretch>
+        </p:blipFill>
+        <p:spPr>
+          <a:xfrm>
+            <a:off x="1472066" y="4207197"/>
+            <a:ext cx="2447778" cy="2416485"/>
+          </a:xfrm>
+          <a:prstGeom prst="rect">
+            <a:avLst/>
+          </a:prstGeom>
+        </p:spPr>
+      </p:pic>
+      <p:cxnSp>
+        <p:nvCxnSpPr>
+          <p:cNvPr id="7" name="直線コネクタ 6">
+            <a:extLst>
+              <a:ext uri="{FF2B5EF4-FFF2-40B4-BE49-F238E27FC236}">
+                <a16:creationId xmlns:a16="http://schemas.microsoft.com/office/drawing/2014/main" id="{8DD95F00-4846-D298-E050-4A9BA27074D0}"/>
+              </a:ext>
+            </a:extLst>
+          </p:cNvPr>
+          <p:cNvCxnSpPr>
+            <a:cxnSpLocks/>
+          </p:cNvCxnSpPr>
+          <p:nvPr/>
+        </p:nvCxnSpPr>
+        <p:spPr>
+          <a:xfrm>
+            <a:off x="562708" y="2489979"/>
+            <a:ext cx="5120640" cy="0"/>
+          </a:xfrm>
+          <a:prstGeom prst="line">
+            <a:avLst/>
+          </a:prstGeom>
+          <a:ln w="28575">
+            <a:solidFill>
+              <a:srgbClr val="FF0000"/>
+            </a:solidFill>
+            <a:prstDash val="dash"/>
+          </a:ln>
+        </p:spPr>
+        <p:style>
+          <a:lnRef idx="1">
+            <a:schemeClr val="accent1"/>
+          </a:lnRef>
+          <a:fillRef idx="0">
+            <a:schemeClr val="accent1"/>
+          </a:fillRef>
+          <a:effectRef idx="0">
+            <a:schemeClr val="accent1"/>
+          </a:effectRef>
+          <a:fontRef idx="minor">
+            <a:schemeClr val="tx1"/>
+          </a:fontRef>
+        </p:style>
+      </p:cxnSp>
+      <p:cxnSp>
+        <p:nvCxnSpPr>
+          <p:cNvPr id="11" name="直線コネクタ 10">
+            <a:extLst>
+              <a:ext uri="{FF2B5EF4-FFF2-40B4-BE49-F238E27FC236}">
+                <a16:creationId xmlns:a16="http://schemas.microsoft.com/office/drawing/2014/main" id="{9E0135D9-44EB-EB32-9615-A89EE2AEB292}"/>
+              </a:ext>
+            </a:extLst>
+          </p:cNvPr>
+          <p:cNvCxnSpPr>
+            <a:cxnSpLocks/>
+          </p:cNvCxnSpPr>
+          <p:nvPr/>
+        </p:nvCxnSpPr>
+        <p:spPr>
+          <a:xfrm>
+            <a:off x="562708" y="2489979"/>
+            <a:ext cx="0" cy="1871006"/>
+          </a:xfrm>
+          <a:prstGeom prst="line">
+            <a:avLst/>
+          </a:prstGeom>
+          <a:ln w="28575">
+            <a:solidFill>
+              <a:srgbClr val="FF0000"/>
+            </a:solidFill>
+            <a:prstDash val="dash"/>
+          </a:ln>
+        </p:spPr>
+        <p:style>
+          <a:lnRef idx="1">
+            <a:schemeClr val="accent1"/>
+          </a:lnRef>
+          <a:fillRef idx="0">
+            <a:schemeClr val="accent1"/>
+          </a:fillRef>
+          <a:effectRef idx="0">
+            <a:schemeClr val="accent1"/>
+          </a:effectRef>
+          <a:fontRef idx="minor">
+            <a:schemeClr val="tx1"/>
+          </a:fontRef>
+        </p:style>
+      </p:cxnSp>
+      <p:sp>
+        <p:nvSpPr>
+          <p:cNvPr id="14" name="正方形/長方形 13">
+            <a:extLst>
+              <a:ext uri="{FF2B5EF4-FFF2-40B4-BE49-F238E27FC236}">
+                <a16:creationId xmlns:a16="http://schemas.microsoft.com/office/drawing/2014/main" id="{D1B8542F-A912-2FD1-FCDA-607D395A5B10}"/>
+              </a:ext>
+            </a:extLst>
+          </p:cNvPr>
+          <p:cNvSpPr/>
+          <p:nvPr/>
+        </p:nvSpPr>
+        <p:spPr>
+          <a:xfrm>
+            <a:off x="1209886" y="3988434"/>
+            <a:ext cx="5514471" cy="2762133"/>
+          </a:xfrm>
+          <a:prstGeom prst="rect">
+            <a:avLst/>
+          </a:prstGeom>
+          <a:noFill/>
+          <a:ln w="28575">
+            <a:solidFill>
+              <a:srgbClr val="FF0000"/>
+            </a:solidFill>
+            <a:prstDash val="dash"/>
+          </a:ln>
+        </p:spPr>
+        <p:style>
+          <a:lnRef idx="2">
+            <a:schemeClr val="accent1">
+              <a:shade val="15000"/>
+            </a:schemeClr>
+          </a:lnRef>
+          <a:fillRef idx="1">
+            <a:schemeClr val="accent1"/>
+          </a:fillRef>
+          <a:effectRef idx="0">
+            <a:schemeClr val="accent1"/>
+          </a:effectRef>
+          <a:fontRef idx="minor">
+            <a:schemeClr val="lt1"/>
+          </a:fontRef>
+        </p:style>
+        <p:txBody>
+          <a:bodyPr rtlCol="0" anchor="ctr"/>
+          <a:lstStyle/>
+          <a:p>
+            <a:pPr algn="ctr"/>
+            <a:endParaRPr kumimoji="1" lang="ja-JP" altLang="en-US"/>
+          </a:p>
+        </p:txBody>
+      </p:sp>
+      <p:cxnSp>
+        <p:nvCxnSpPr>
+          <p:cNvPr id="15" name="直線コネクタ 14">
+            <a:extLst>
+              <a:ext uri="{FF2B5EF4-FFF2-40B4-BE49-F238E27FC236}">
+                <a16:creationId xmlns:a16="http://schemas.microsoft.com/office/drawing/2014/main" id="{28E89D46-3F75-B688-AF88-30C519D996AA}"/>
+              </a:ext>
+            </a:extLst>
+          </p:cNvPr>
+          <p:cNvCxnSpPr>
+            <a:cxnSpLocks/>
+          </p:cNvCxnSpPr>
+          <p:nvPr/>
+        </p:nvCxnSpPr>
+        <p:spPr>
+          <a:xfrm flipH="1">
+            <a:off x="562708" y="4360985"/>
+            <a:ext cx="647178" cy="0"/>
+          </a:xfrm>
+          <a:prstGeom prst="line">
+            <a:avLst/>
+          </a:prstGeom>
+          <a:ln w="28575">
+            <a:solidFill>
+              <a:srgbClr val="FF0000"/>
+            </a:solidFill>
+            <a:prstDash val="dash"/>
+          </a:ln>
+        </p:spPr>
+        <p:style>
+          <a:lnRef idx="1">
+            <a:schemeClr val="accent1"/>
+          </a:lnRef>
+          <a:fillRef idx="0">
+            <a:schemeClr val="accent1"/>
+          </a:fillRef>
+          <a:effectRef idx="0">
+            <a:schemeClr val="accent1"/>
+          </a:effectRef>
+          <a:fontRef idx="minor">
+            <a:schemeClr val="tx1"/>
+          </a:fontRef>
+        </p:style>
+      </p:cxnSp>
+    </p:spTree>
+    <p:extLst>
+      <p:ext uri="{BB962C8B-B14F-4D97-AF65-F5344CB8AC3E}">
+        <p14:creationId xmlns:p14="http://schemas.microsoft.com/office/powerpoint/2010/main" val="1172471954"/>
+      </p:ext>
+    </p:extLst>
+  </p:cSld>
+  <p:clrMapOvr>
+    <a:masterClrMapping/>
+  </p:clrMapOvr>
+</p:sld>
+</file>
+
+<file path=ppt/slides/slide31.xml><?xml version="1.0" encoding="utf-8"?>
 <p:sld xmlns:a="http://schemas.openxmlformats.org/drawingml/2006/main" xmlns:r="http://schemas.openxmlformats.org/officeDocument/2006/relationships" xmlns:p="http://schemas.openxmlformats.org/presentationml/2006/main">
   <p:cSld>
     <p:spTree>
@@ -20388,7 +20880,7 @@
 </p:sld>
 </file>
 
-<file path=ppt/slides/slide31.xml><?xml version="1.0" encoding="utf-8"?>
+<file path=ppt/slides/slide32.xml><?xml version="1.0" encoding="utf-8"?>
 <p:sld xmlns:a="http://schemas.openxmlformats.org/drawingml/2006/main" xmlns:r="http://schemas.openxmlformats.org/officeDocument/2006/relationships" xmlns:p="http://schemas.openxmlformats.org/presentationml/2006/main">
   <p:cSld>
     <p:spTree>
@@ -20611,7 +21103,7 @@
 </p:sld>
 </file>
 
-<file path=ppt/slides/slide32.xml><?xml version="1.0" encoding="utf-8"?>
+<file path=ppt/slides/slide33.xml><?xml version="1.0" encoding="utf-8"?>
 <p:sld xmlns:a="http://schemas.openxmlformats.org/drawingml/2006/main" xmlns:r="http://schemas.openxmlformats.org/officeDocument/2006/relationships" xmlns:p="http://schemas.openxmlformats.org/presentationml/2006/main">
   <p:cSld>
     <p:spTree>
@@ -20792,7 +21284,7 @@
 </p:sld>
 </file>
 
-<file path=ppt/slides/slide33.xml><?xml version="1.0" encoding="utf-8"?>
+<file path=ppt/slides/slide34.xml><?xml version="1.0" encoding="utf-8"?>
 <p:sld xmlns:a="http://schemas.openxmlformats.org/drawingml/2006/main" xmlns:r="http://schemas.openxmlformats.org/officeDocument/2006/relationships" xmlns:p="http://schemas.openxmlformats.org/presentationml/2006/main">
   <p:cSld>
     <p:spTree>
@@ -20973,7 +21465,7 @@
 </p:sld>
 </file>
 
-<file path=ppt/slides/slide34.xml><?xml version="1.0" encoding="utf-8"?>
+<file path=ppt/slides/slide35.xml><?xml version="1.0" encoding="utf-8"?>
 <p:sld xmlns:a="http://schemas.openxmlformats.org/drawingml/2006/main" xmlns:r="http://schemas.openxmlformats.org/officeDocument/2006/relationships" xmlns:p="http://schemas.openxmlformats.org/presentationml/2006/main">
   <p:cSld>
     <p:spTree>
@@ -21206,7 +21698,7 @@
 </p:sld>
 </file>
 
-<file path=ppt/slides/slide35.xml><?xml version="1.0" encoding="utf-8"?>
+<file path=ppt/slides/slide36.xml><?xml version="1.0" encoding="utf-8"?>
 <p:sld xmlns:a="http://schemas.openxmlformats.org/drawingml/2006/main" xmlns:r="http://schemas.openxmlformats.org/officeDocument/2006/relationships" xmlns:p="http://schemas.openxmlformats.org/presentationml/2006/main">
   <p:cSld>
     <p:spTree>
@@ -21387,7 +21879,7 @@
 </p:sld>
 </file>
 
-<file path=ppt/slides/slide36.xml><?xml version="1.0" encoding="utf-8"?>
+<file path=ppt/slides/slide37.xml><?xml version="1.0" encoding="utf-8"?>
 <p:sld xmlns:a="http://schemas.openxmlformats.org/drawingml/2006/main" xmlns:r="http://schemas.openxmlformats.org/officeDocument/2006/relationships" xmlns:p="http://schemas.openxmlformats.org/presentationml/2006/main">
   <p:cSld>
     <p:spTree>
@@ -21568,7 +22060,7 @@
 </p:sld>
 </file>
 
-<file path=ppt/slides/slide37.xml><?xml version="1.0" encoding="utf-8"?>
+<file path=ppt/slides/slide38.xml><?xml version="1.0" encoding="utf-8"?>
 <p:sld xmlns:a="http://schemas.openxmlformats.org/drawingml/2006/main" xmlns:r="http://schemas.openxmlformats.org/officeDocument/2006/relationships" xmlns:p="http://schemas.openxmlformats.org/presentationml/2006/main">
   <p:cSld>
     <p:spTree>
@@ -21749,7 +22241,7 @@
 </p:sld>
 </file>
 
-<file path=ppt/slides/slide38.xml><?xml version="1.0" encoding="utf-8"?>
+<file path=ppt/slides/slide39.xml><?xml version="1.0" encoding="utf-8"?>
 <p:sld xmlns:a="http://schemas.openxmlformats.org/drawingml/2006/main" xmlns:r="http://schemas.openxmlformats.org/officeDocument/2006/relationships" xmlns:p="http://schemas.openxmlformats.org/presentationml/2006/main">
   <p:cSld>
     <p:spTree>
@@ -21869,239 +22361,6 @@
     <p:extLst>
       <p:ext uri="{BB962C8B-B14F-4D97-AF65-F5344CB8AC3E}">
         <p14:creationId xmlns:p14="http://schemas.microsoft.com/office/powerpoint/2010/main" val="1484572038"/>
-      </p:ext>
-    </p:extLst>
-  </p:cSld>
-  <p:clrMapOvr>
-    <a:masterClrMapping/>
-  </p:clrMapOvr>
-</p:sld>
-</file>
-
-<file path=ppt/slides/slide39.xml><?xml version="1.0" encoding="utf-8"?>
-<p:sld xmlns:a="http://schemas.openxmlformats.org/drawingml/2006/main" xmlns:r="http://schemas.openxmlformats.org/officeDocument/2006/relationships" xmlns:p="http://schemas.openxmlformats.org/presentationml/2006/main">
-  <p:cSld>
-    <p:spTree>
-      <p:nvGrpSpPr>
-        <p:cNvPr id="1" name="">
-          <a:extLst>
-            <a:ext uri="{FF2B5EF4-FFF2-40B4-BE49-F238E27FC236}">
-              <a16:creationId xmlns:a16="http://schemas.microsoft.com/office/drawing/2014/main" id="{06C0F756-1DEC-FB78-8A6B-2A019569B314}"/>
-            </a:ext>
-          </a:extLst>
-        </p:cNvPr>
-        <p:cNvGrpSpPr/>
-        <p:nvPr/>
-      </p:nvGrpSpPr>
-      <p:grpSpPr>
-        <a:xfrm>
-          <a:off x="0" y="0"/>
-          <a:ext cx="0" cy="0"/>
-          <a:chOff x="0" y="0"/>
-          <a:chExt cx="0" cy="0"/>
-        </a:xfrm>
-      </p:grpSpPr>
-      <p:sp>
-        <p:nvSpPr>
-          <p:cNvPr id="4" name="テキスト ボックス 3">
-            <a:extLst>
-              <a:ext uri="{FF2B5EF4-FFF2-40B4-BE49-F238E27FC236}">
-                <a16:creationId xmlns:a16="http://schemas.microsoft.com/office/drawing/2014/main" id="{F39E929A-3A7C-6B77-F370-2AE9FE50C70F}"/>
-              </a:ext>
-            </a:extLst>
-          </p:cNvPr>
-          <p:cNvSpPr txBox="1"/>
-          <p:nvPr/>
-        </p:nvSpPr>
-        <p:spPr>
-          <a:xfrm>
-            <a:off x="1" y="114464"/>
-            <a:ext cx="12192000" cy="760959"/>
-          </a:xfrm>
-          <a:prstGeom prst="rect">
-            <a:avLst/>
-          </a:prstGeom>
-          <a:solidFill>
-            <a:srgbClr val="002060"/>
-          </a:solidFill>
-        </p:spPr>
-        <p:txBody>
-          <a:bodyPr wrap="square" tIns="72000" bIns="72000" rtlCol="0">
-            <a:spAutoFit/>
-          </a:bodyPr>
-          <a:lstStyle/>
-          <a:p>
-            <a:pPr marL="360000"/>
-            <a:r>
-              <a:rPr lang="ja-JP" altLang="en-US" sz="4000" b="1" spc="1000" dirty="0">
-                <a:solidFill>
-                  <a:schemeClr val="bg1"/>
-                </a:solidFill>
-              </a:rPr>
-              <a:t>ソフトの主要操作－</a:t>
-            </a:r>
-            <a:r>
-              <a:rPr lang="en-US" altLang="ja-JP" sz="2800" b="1" spc="1000" dirty="0" err="1">
-                <a:solidFill>
-                  <a:schemeClr val="bg1"/>
-                </a:solidFill>
-              </a:rPr>
-              <a:t>FreeCAD</a:t>
-            </a:r>
-            <a:r>
-              <a:rPr lang="ja-JP" altLang="en-US" sz="2800" b="1" spc="1000" dirty="0">
-                <a:solidFill>
-                  <a:schemeClr val="bg1"/>
-                </a:solidFill>
-              </a:rPr>
-              <a:t>のインストール</a:t>
-            </a:r>
-            <a:endParaRPr kumimoji="1" lang="ja-JP" altLang="en-US" sz="4000" b="1" spc="1000" dirty="0">
-              <a:solidFill>
-                <a:schemeClr val="bg1"/>
-              </a:solidFill>
-            </a:endParaRPr>
-          </a:p>
-        </p:txBody>
-      </p:sp>
-      <p:pic>
-        <p:nvPicPr>
-          <p:cNvPr id="3" name="図 2">
-            <a:extLst>
-              <a:ext uri="{FF2B5EF4-FFF2-40B4-BE49-F238E27FC236}">
-                <a16:creationId xmlns:a16="http://schemas.microsoft.com/office/drawing/2014/main" id="{F73EB95E-3E38-7735-75C4-DBD45ACB2777}"/>
-              </a:ext>
-            </a:extLst>
-          </p:cNvPr>
-          <p:cNvPicPr>
-            <a:picLocks noChangeAspect="1"/>
-          </p:cNvPicPr>
-          <p:nvPr/>
-        </p:nvPicPr>
-        <p:blipFill>
-          <a:blip r:embed="rId3"/>
-          <a:stretch>
-            <a:fillRect/>
-          </a:stretch>
-        </p:blipFill>
-        <p:spPr>
-          <a:xfrm>
-            <a:off x="1792232" y="1165859"/>
-            <a:ext cx="8607536" cy="5333413"/>
-          </a:xfrm>
-          <a:prstGeom prst="rect">
-            <a:avLst/>
-          </a:prstGeom>
-        </p:spPr>
-      </p:pic>
-      <p:sp>
-        <p:nvSpPr>
-          <p:cNvPr id="7" name="楕円 6">
-            <a:extLst>
-              <a:ext uri="{FF2B5EF4-FFF2-40B4-BE49-F238E27FC236}">
-                <a16:creationId xmlns:a16="http://schemas.microsoft.com/office/drawing/2014/main" id="{A96DAFCC-BF05-AC57-F8BA-FD7EBF4B4ECF}"/>
-              </a:ext>
-            </a:extLst>
-          </p:cNvPr>
-          <p:cNvSpPr/>
-          <p:nvPr/>
-        </p:nvSpPr>
-        <p:spPr>
-          <a:xfrm>
-            <a:off x="4586068" y="3235204"/>
-            <a:ext cx="2461846" cy="760959"/>
-          </a:xfrm>
-          <a:prstGeom prst="ellipse">
-            <a:avLst/>
-          </a:prstGeom>
-          <a:noFill/>
-          <a:ln w="63500">
-            <a:solidFill>
-              <a:srgbClr val="FF0000"/>
-            </a:solidFill>
-          </a:ln>
-        </p:spPr>
-        <p:style>
-          <a:lnRef idx="2">
-            <a:schemeClr val="accent1">
-              <a:shade val="15000"/>
-            </a:schemeClr>
-          </a:lnRef>
-          <a:fillRef idx="1">
-            <a:schemeClr val="accent1"/>
-          </a:fillRef>
-          <a:effectRef idx="0">
-            <a:schemeClr val="accent1"/>
-          </a:effectRef>
-          <a:fontRef idx="minor">
-            <a:schemeClr val="lt1"/>
-          </a:fontRef>
-        </p:style>
-        <p:txBody>
-          <a:bodyPr rtlCol="0" anchor="ctr"/>
-          <a:lstStyle/>
-          <a:p>
-            <a:pPr algn="ctr"/>
-            <a:endParaRPr kumimoji="1" lang="ja-JP" altLang="en-US"/>
-          </a:p>
-        </p:txBody>
-      </p:sp>
-      <p:sp>
-        <p:nvSpPr>
-          <p:cNvPr id="8" name="楕円 7">
-            <a:extLst>
-              <a:ext uri="{FF2B5EF4-FFF2-40B4-BE49-F238E27FC236}">
-                <a16:creationId xmlns:a16="http://schemas.microsoft.com/office/drawing/2014/main" id="{F4A3D2EC-F632-8074-6255-BF86F37BBD76}"/>
-              </a:ext>
-            </a:extLst>
-          </p:cNvPr>
-          <p:cNvSpPr/>
-          <p:nvPr/>
-        </p:nvSpPr>
-        <p:spPr>
-          <a:xfrm>
-            <a:off x="7174523" y="5781456"/>
-            <a:ext cx="1828800" cy="760959"/>
-          </a:xfrm>
-          <a:prstGeom prst="ellipse">
-            <a:avLst/>
-          </a:prstGeom>
-          <a:noFill/>
-          <a:ln w="63500">
-            <a:solidFill>
-              <a:srgbClr val="FF0000"/>
-            </a:solidFill>
-          </a:ln>
-        </p:spPr>
-        <p:style>
-          <a:lnRef idx="2">
-            <a:schemeClr val="accent1">
-              <a:shade val="15000"/>
-            </a:schemeClr>
-          </a:lnRef>
-          <a:fillRef idx="1">
-            <a:schemeClr val="accent1"/>
-          </a:fillRef>
-          <a:effectRef idx="0">
-            <a:schemeClr val="accent1"/>
-          </a:effectRef>
-          <a:fontRef idx="minor">
-            <a:schemeClr val="lt1"/>
-          </a:fontRef>
-        </p:style>
-        <p:txBody>
-          <a:bodyPr rtlCol="0" anchor="ctr"/>
-          <a:lstStyle/>
-          <a:p>
-            <a:pPr algn="ctr"/>
-            <a:endParaRPr kumimoji="1" lang="ja-JP" altLang="en-US"/>
-          </a:p>
-        </p:txBody>
-      </p:sp>
-    </p:spTree>
-    <p:extLst>
-      <p:ext uri="{BB962C8B-B14F-4D97-AF65-F5344CB8AC3E}">
-        <p14:creationId xmlns:p14="http://schemas.microsoft.com/office/powerpoint/2010/main" val="875839841"/>
       </p:ext>
     </p:extLst>
   </p:cSld>
@@ -22289,7 +22548,7 @@
         <p:cNvPr id="1" name="">
           <a:extLst>
             <a:ext uri="{FF2B5EF4-FFF2-40B4-BE49-F238E27FC236}">
-              <a16:creationId xmlns:a16="http://schemas.microsoft.com/office/drawing/2014/main" id="{400EAA34-E282-BC65-5D49-BC922FBBCEF1}"/>
+              <a16:creationId xmlns:a16="http://schemas.microsoft.com/office/drawing/2014/main" id="{06C0F756-1DEC-FB78-8A6B-2A019569B314}"/>
             </a:ext>
           </a:extLst>
         </p:cNvPr>
@@ -22309,7 +22568,7 @@
           <p:cNvPr id="4" name="テキスト ボックス 3">
             <a:extLst>
               <a:ext uri="{FF2B5EF4-FFF2-40B4-BE49-F238E27FC236}">
-                <a16:creationId xmlns:a16="http://schemas.microsoft.com/office/drawing/2014/main" id="{1BB3DE54-FAFD-12E2-8D95-E78B5F4F2BB3}"/>
+                <a16:creationId xmlns:a16="http://schemas.microsoft.com/office/drawing/2014/main" id="{F39E929A-3A7C-6B77-F370-2AE9FE50C70F}"/>
               </a:ext>
             </a:extLst>
           </p:cNvPr>
@@ -22344,12 +22603,20 @@
               <a:t>ソフトの主要操作－</a:t>
             </a:r>
             <a:r>
+              <a:rPr lang="en-US" altLang="ja-JP" sz="2800" b="1" spc="1000" dirty="0" err="1">
+                <a:solidFill>
+                  <a:schemeClr val="bg1"/>
+                </a:solidFill>
+              </a:rPr>
+              <a:t>FreeCAD</a:t>
+            </a:r>
+            <a:r>
               <a:rPr lang="ja-JP" altLang="en-US" sz="2800" b="1" spc="1000" dirty="0">
                 <a:solidFill>
                   <a:schemeClr val="bg1"/>
                 </a:solidFill>
               </a:rPr>
-              <a:t>ソフトの初期設定</a:t>
+              <a:t>のインストール</a:t>
             </a:r>
             <a:endParaRPr kumimoji="1" lang="ja-JP" altLang="en-US" sz="4000" b="1" spc="1000" dirty="0">
               <a:solidFill>
@@ -22364,7 +22631,7 @@
           <p:cNvPr id="3" name="図 2">
             <a:extLst>
               <a:ext uri="{FF2B5EF4-FFF2-40B4-BE49-F238E27FC236}">
-                <a16:creationId xmlns:a16="http://schemas.microsoft.com/office/drawing/2014/main" id="{11DDA4B8-0E15-D510-CF1E-D65351073A6B}"/>
+                <a16:creationId xmlns:a16="http://schemas.microsoft.com/office/drawing/2014/main" id="{F73EB95E-3E38-7735-75C4-DBD45ACB2777}"/>
               </a:ext>
             </a:extLst>
           </p:cNvPr>
@@ -22375,34 +22642,26 @@
         </p:nvPicPr>
         <p:blipFill>
           <a:blip r:embed="rId3"/>
-          <a:srcRect l="31520" t="35684" r="17744" b="23735"/>
           <a:stretch>
             <a:fillRect/>
           </a:stretch>
         </p:blipFill>
         <p:spPr>
           <a:xfrm>
-            <a:off x="1129486" y="1548750"/>
-            <a:ext cx="9933028" cy="4303410"/>
+            <a:off x="1792232" y="1165859"/>
+            <a:ext cx="8607536" cy="5333413"/>
           </a:xfrm>
           <a:prstGeom prst="rect">
             <a:avLst/>
           </a:prstGeom>
-          <a:ln>
-            <a:solidFill>
-              <a:schemeClr val="bg1">
-                <a:lumMod val="85000"/>
-              </a:schemeClr>
-            </a:solidFill>
-          </a:ln>
         </p:spPr>
       </p:pic>
       <p:sp>
         <p:nvSpPr>
-          <p:cNvPr id="5" name="楕円 4">
-            <a:extLst>
-              <a:ext uri="{FF2B5EF4-FFF2-40B4-BE49-F238E27FC236}">
-                <a16:creationId xmlns:a16="http://schemas.microsoft.com/office/drawing/2014/main" id="{5E40F1DB-5253-62D8-5531-474129F8A609}"/>
+          <p:cNvPr id="7" name="楕円 6">
+            <a:extLst>
+              <a:ext uri="{FF2B5EF4-FFF2-40B4-BE49-F238E27FC236}">
+                <a16:creationId xmlns:a16="http://schemas.microsoft.com/office/drawing/2014/main" id="{A96DAFCC-BF05-AC57-F8BA-FD7EBF4B4ECF}"/>
               </a:ext>
             </a:extLst>
           </p:cNvPr>
@@ -22411,8 +22670,8 @@
         </p:nvSpPr>
         <p:spPr>
           <a:xfrm>
-            <a:off x="2349305" y="2939496"/>
-            <a:ext cx="3629464" cy="2124873"/>
+            <a:off x="4586068" y="3235204"/>
+            <a:ext cx="2461846" cy="760959"/>
           </a:xfrm>
           <a:prstGeom prst="ellipse">
             <a:avLst/>
@@ -22451,10 +22710,10 @@
       </p:sp>
       <p:sp>
         <p:nvSpPr>
-          <p:cNvPr id="6" name="楕円 5">
-            <a:extLst>
-              <a:ext uri="{FF2B5EF4-FFF2-40B4-BE49-F238E27FC236}">
-                <a16:creationId xmlns:a16="http://schemas.microsoft.com/office/drawing/2014/main" id="{EBA14CDD-F406-AD1D-8EC8-D5CAE88001F9}"/>
+          <p:cNvPr id="8" name="楕円 7">
+            <a:extLst>
+              <a:ext uri="{FF2B5EF4-FFF2-40B4-BE49-F238E27FC236}">
+                <a16:creationId xmlns:a16="http://schemas.microsoft.com/office/drawing/2014/main" id="{F4A3D2EC-F632-8074-6255-BF86F37BBD76}"/>
               </a:ext>
             </a:extLst>
           </p:cNvPr>
@@ -22463,8 +22722,8 @@
         </p:nvSpPr>
         <p:spPr>
           <a:xfrm>
-            <a:off x="9411285" y="4951829"/>
-            <a:ext cx="1594957" cy="787790"/>
+            <a:off x="7174523" y="5781456"/>
+            <a:ext cx="1828800" cy="760959"/>
           </a:xfrm>
           <a:prstGeom prst="ellipse">
             <a:avLst/>
@@ -22504,6 +22763,239 @@
     </p:spTree>
     <p:extLst>
       <p:ext uri="{BB962C8B-B14F-4D97-AF65-F5344CB8AC3E}">
+        <p14:creationId xmlns:p14="http://schemas.microsoft.com/office/powerpoint/2010/main" val="875839841"/>
+      </p:ext>
+    </p:extLst>
+  </p:cSld>
+  <p:clrMapOvr>
+    <a:masterClrMapping/>
+  </p:clrMapOvr>
+</p:sld>
+</file>
+
+<file path=ppt/slides/slide41.xml><?xml version="1.0" encoding="utf-8"?>
+<p:sld xmlns:a="http://schemas.openxmlformats.org/drawingml/2006/main" xmlns:r="http://schemas.openxmlformats.org/officeDocument/2006/relationships" xmlns:p="http://schemas.openxmlformats.org/presentationml/2006/main">
+  <p:cSld>
+    <p:spTree>
+      <p:nvGrpSpPr>
+        <p:cNvPr id="1" name="">
+          <a:extLst>
+            <a:ext uri="{FF2B5EF4-FFF2-40B4-BE49-F238E27FC236}">
+              <a16:creationId xmlns:a16="http://schemas.microsoft.com/office/drawing/2014/main" id="{400EAA34-E282-BC65-5D49-BC922FBBCEF1}"/>
+            </a:ext>
+          </a:extLst>
+        </p:cNvPr>
+        <p:cNvGrpSpPr/>
+        <p:nvPr/>
+      </p:nvGrpSpPr>
+      <p:grpSpPr>
+        <a:xfrm>
+          <a:off x="0" y="0"/>
+          <a:ext cx="0" cy="0"/>
+          <a:chOff x="0" y="0"/>
+          <a:chExt cx="0" cy="0"/>
+        </a:xfrm>
+      </p:grpSpPr>
+      <p:sp>
+        <p:nvSpPr>
+          <p:cNvPr id="4" name="テキスト ボックス 3">
+            <a:extLst>
+              <a:ext uri="{FF2B5EF4-FFF2-40B4-BE49-F238E27FC236}">
+                <a16:creationId xmlns:a16="http://schemas.microsoft.com/office/drawing/2014/main" id="{1BB3DE54-FAFD-12E2-8D95-E78B5F4F2BB3}"/>
+              </a:ext>
+            </a:extLst>
+          </p:cNvPr>
+          <p:cNvSpPr txBox="1"/>
+          <p:nvPr/>
+        </p:nvSpPr>
+        <p:spPr>
+          <a:xfrm>
+            <a:off x="1" y="114464"/>
+            <a:ext cx="12192000" cy="760959"/>
+          </a:xfrm>
+          <a:prstGeom prst="rect">
+            <a:avLst/>
+          </a:prstGeom>
+          <a:solidFill>
+            <a:srgbClr val="002060"/>
+          </a:solidFill>
+        </p:spPr>
+        <p:txBody>
+          <a:bodyPr wrap="square" tIns="72000" bIns="72000" rtlCol="0">
+            <a:spAutoFit/>
+          </a:bodyPr>
+          <a:lstStyle/>
+          <a:p>
+            <a:pPr marL="360000"/>
+            <a:r>
+              <a:rPr lang="ja-JP" altLang="en-US" sz="4000" b="1" spc="1000" dirty="0">
+                <a:solidFill>
+                  <a:schemeClr val="bg1"/>
+                </a:solidFill>
+              </a:rPr>
+              <a:t>ソフトの主要操作－</a:t>
+            </a:r>
+            <a:r>
+              <a:rPr lang="ja-JP" altLang="en-US" sz="2800" b="1" spc="1000" dirty="0">
+                <a:solidFill>
+                  <a:schemeClr val="bg1"/>
+                </a:solidFill>
+              </a:rPr>
+              <a:t>ソフトの初期設定</a:t>
+            </a:r>
+            <a:endParaRPr kumimoji="1" lang="ja-JP" altLang="en-US" sz="4000" b="1" spc="1000" dirty="0">
+              <a:solidFill>
+                <a:schemeClr val="bg1"/>
+              </a:solidFill>
+            </a:endParaRPr>
+          </a:p>
+        </p:txBody>
+      </p:sp>
+      <p:pic>
+        <p:nvPicPr>
+          <p:cNvPr id="3" name="図 2">
+            <a:extLst>
+              <a:ext uri="{FF2B5EF4-FFF2-40B4-BE49-F238E27FC236}">
+                <a16:creationId xmlns:a16="http://schemas.microsoft.com/office/drawing/2014/main" id="{11DDA4B8-0E15-D510-CF1E-D65351073A6B}"/>
+              </a:ext>
+            </a:extLst>
+          </p:cNvPr>
+          <p:cNvPicPr>
+            <a:picLocks noChangeAspect="1"/>
+          </p:cNvPicPr>
+          <p:nvPr/>
+        </p:nvPicPr>
+        <p:blipFill>
+          <a:blip r:embed="rId3"/>
+          <a:srcRect l="31520" t="35684" r="17744" b="23735"/>
+          <a:stretch>
+            <a:fillRect/>
+          </a:stretch>
+        </p:blipFill>
+        <p:spPr>
+          <a:xfrm>
+            <a:off x="1129486" y="1548750"/>
+            <a:ext cx="9933028" cy="4303410"/>
+          </a:xfrm>
+          <a:prstGeom prst="rect">
+            <a:avLst/>
+          </a:prstGeom>
+          <a:ln>
+            <a:solidFill>
+              <a:schemeClr val="bg1">
+                <a:lumMod val="85000"/>
+              </a:schemeClr>
+            </a:solidFill>
+          </a:ln>
+        </p:spPr>
+      </p:pic>
+      <p:sp>
+        <p:nvSpPr>
+          <p:cNvPr id="5" name="楕円 4">
+            <a:extLst>
+              <a:ext uri="{FF2B5EF4-FFF2-40B4-BE49-F238E27FC236}">
+                <a16:creationId xmlns:a16="http://schemas.microsoft.com/office/drawing/2014/main" id="{5E40F1DB-5253-62D8-5531-474129F8A609}"/>
+              </a:ext>
+            </a:extLst>
+          </p:cNvPr>
+          <p:cNvSpPr/>
+          <p:nvPr/>
+        </p:nvSpPr>
+        <p:spPr>
+          <a:xfrm>
+            <a:off x="2349305" y="2939496"/>
+            <a:ext cx="3629464" cy="2124873"/>
+          </a:xfrm>
+          <a:prstGeom prst="ellipse">
+            <a:avLst/>
+          </a:prstGeom>
+          <a:noFill/>
+          <a:ln w="63500">
+            <a:solidFill>
+              <a:srgbClr val="FF0000"/>
+            </a:solidFill>
+          </a:ln>
+        </p:spPr>
+        <p:style>
+          <a:lnRef idx="2">
+            <a:schemeClr val="accent1">
+              <a:shade val="15000"/>
+            </a:schemeClr>
+          </a:lnRef>
+          <a:fillRef idx="1">
+            <a:schemeClr val="accent1"/>
+          </a:fillRef>
+          <a:effectRef idx="0">
+            <a:schemeClr val="accent1"/>
+          </a:effectRef>
+          <a:fontRef idx="minor">
+            <a:schemeClr val="lt1"/>
+          </a:fontRef>
+        </p:style>
+        <p:txBody>
+          <a:bodyPr rtlCol="0" anchor="ctr"/>
+          <a:lstStyle/>
+          <a:p>
+            <a:pPr algn="ctr"/>
+            <a:endParaRPr kumimoji="1" lang="ja-JP" altLang="en-US"/>
+          </a:p>
+        </p:txBody>
+      </p:sp>
+      <p:sp>
+        <p:nvSpPr>
+          <p:cNvPr id="6" name="楕円 5">
+            <a:extLst>
+              <a:ext uri="{FF2B5EF4-FFF2-40B4-BE49-F238E27FC236}">
+                <a16:creationId xmlns:a16="http://schemas.microsoft.com/office/drawing/2014/main" id="{EBA14CDD-F406-AD1D-8EC8-D5CAE88001F9}"/>
+              </a:ext>
+            </a:extLst>
+          </p:cNvPr>
+          <p:cNvSpPr/>
+          <p:nvPr/>
+        </p:nvSpPr>
+        <p:spPr>
+          <a:xfrm>
+            <a:off x="9411285" y="4951829"/>
+            <a:ext cx="1594957" cy="787790"/>
+          </a:xfrm>
+          <a:prstGeom prst="ellipse">
+            <a:avLst/>
+          </a:prstGeom>
+          <a:noFill/>
+          <a:ln w="63500">
+            <a:solidFill>
+              <a:srgbClr val="FF0000"/>
+            </a:solidFill>
+          </a:ln>
+        </p:spPr>
+        <p:style>
+          <a:lnRef idx="2">
+            <a:schemeClr val="accent1">
+              <a:shade val="15000"/>
+            </a:schemeClr>
+          </a:lnRef>
+          <a:fillRef idx="1">
+            <a:schemeClr val="accent1"/>
+          </a:fillRef>
+          <a:effectRef idx="0">
+            <a:schemeClr val="accent1"/>
+          </a:effectRef>
+          <a:fontRef idx="minor">
+            <a:schemeClr val="lt1"/>
+          </a:fontRef>
+        </p:style>
+        <p:txBody>
+          <a:bodyPr rtlCol="0" anchor="ctr"/>
+          <a:lstStyle/>
+          <a:p>
+            <a:pPr algn="ctr"/>
+            <a:endParaRPr kumimoji="1" lang="ja-JP" altLang="en-US"/>
+          </a:p>
+        </p:txBody>
+      </p:sp>
+    </p:spTree>
+    <p:extLst>
+      <p:ext uri="{BB962C8B-B14F-4D97-AF65-F5344CB8AC3E}">
         <p14:creationId xmlns:p14="http://schemas.microsoft.com/office/powerpoint/2010/main" val="2564032759"/>
       </p:ext>
     </p:extLst>
@@ -22514,7 +23006,7 @@
 </p:sld>
 </file>
 
-<file path=ppt/slides/slide41.xml><?xml version="1.0" encoding="utf-8"?>
+<file path=ppt/slides/slide42.xml><?xml version="1.0" encoding="utf-8"?>
 <p:sld xmlns:a="http://schemas.openxmlformats.org/drawingml/2006/main" xmlns:r="http://schemas.openxmlformats.org/officeDocument/2006/relationships" xmlns:p="http://schemas.openxmlformats.org/presentationml/2006/main">
   <p:cSld>
     <p:spTree>
@@ -22747,7 +23239,7 @@
 </p:sld>
 </file>
 
-<file path=ppt/slides/slide42.xml><?xml version="1.0" encoding="utf-8"?>
+<file path=ppt/slides/slide43.xml><?xml version="1.0" encoding="utf-8"?>
 <p:sld xmlns:a="http://schemas.openxmlformats.org/drawingml/2006/main" xmlns:r="http://schemas.openxmlformats.org/officeDocument/2006/relationships" xmlns:p="http://schemas.openxmlformats.org/presentationml/2006/main">
   <p:cSld>
     <p:spTree>
@@ -22986,7 +23478,7 @@
 </p:sld>
 </file>
 
-<file path=ppt/slides/slide43.xml><?xml version="1.0" encoding="utf-8"?>
+<file path=ppt/slides/slide44.xml><?xml version="1.0" encoding="utf-8"?>
 <p:sld xmlns:a="http://schemas.openxmlformats.org/drawingml/2006/main" xmlns:r="http://schemas.openxmlformats.org/officeDocument/2006/relationships" xmlns:p="http://schemas.openxmlformats.org/presentationml/2006/main">
   <p:cSld>
     <p:spTree>
@@ -23225,7 +23717,7 @@
 </p:sld>
 </file>
 
-<file path=ppt/slides/slide44.xml><?xml version="1.0" encoding="utf-8"?>
+<file path=ppt/slides/slide45.xml><?xml version="1.0" encoding="utf-8"?>
 <p:sld xmlns:a="http://schemas.openxmlformats.org/drawingml/2006/main" xmlns:r="http://schemas.openxmlformats.org/officeDocument/2006/relationships" xmlns:p="http://schemas.openxmlformats.org/presentationml/2006/main">
   <p:cSld>
     <p:spTree>
@@ -23412,7 +23904,7 @@
 </p:sld>
 </file>
 
-<file path=ppt/slides/slide45.xml><?xml version="1.0" encoding="utf-8"?>
+<file path=ppt/slides/slide46.xml><?xml version="1.0" encoding="utf-8"?>
 <p:sld xmlns:a="http://schemas.openxmlformats.org/drawingml/2006/main" xmlns:r="http://schemas.openxmlformats.org/officeDocument/2006/relationships" xmlns:p="http://schemas.openxmlformats.org/presentationml/2006/main">
   <p:cSld>
     <p:spTree>
@@ -23599,7 +24091,7 @@
 </p:sld>
 </file>
 
-<file path=ppt/slides/slide46.xml><?xml version="1.0" encoding="utf-8"?>
+<file path=ppt/slides/slide47.xml><?xml version="1.0" encoding="utf-8"?>
 <p:sld xmlns:a="http://schemas.openxmlformats.org/drawingml/2006/main" xmlns:r="http://schemas.openxmlformats.org/officeDocument/2006/relationships" xmlns:p="http://schemas.openxmlformats.org/presentationml/2006/main">
   <p:cSld>
     <p:spTree>
@@ -23786,7 +24278,7 @@
 </p:sld>
 </file>
 
-<file path=ppt/slides/slide47.xml><?xml version="1.0" encoding="utf-8"?>
+<file path=ppt/slides/slide48.xml><?xml version="1.0" encoding="utf-8"?>
 <p:sld xmlns:a="http://schemas.openxmlformats.org/drawingml/2006/main" xmlns:r="http://schemas.openxmlformats.org/officeDocument/2006/relationships" xmlns:p="http://schemas.openxmlformats.org/presentationml/2006/main">
   <p:cSld>
     <p:spTree>
